--- a/Documents/0. 일정표/작업 우선 순위.pptx
+++ b/Documents/0. 일정표/작업 우선 순위.pptx
@@ -5,8 +5,11 @@
     <p:sldMasterId id="2147483648" r:id="rId1"/>
   </p:sldMasterIdLst>
   <p:sldIdLst>
-    <p:sldId id="257" r:id="rId2"/>
-    <p:sldId id="258" r:id="rId3"/>
+    <p:sldId id="261" r:id="rId2"/>
+    <p:sldId id="257" r:id="rId3"/>
+    <p:sldId id="258" r:id="rId4"/>
+    <p:sldId id="260" r:id="rId5"/>
+    <p:sldId id="259" r:id="rId6"/>
   </p:sldIdLst>
   <p:sldSz cx="12192000" cy="6858000"/>
   <p:notesSz cx="6858000" cy="9144000"/>
@@ -105,6 +108,11 @@
       </a:defRPr>
     </a:lvl9pPr>
   </p:defaultTextStyle>
+  <p:extLst>
+    <p:ext uri="{EFAFB233-063F-42B5-8137-9DF3F51BA10A}">
+      <p15:sldGuideLst xmlns:p15="http://schemas.microsoft.com/office/powerpoint/2012/main"/>
+    </p:ext>
+  </p:extLst>
 </p:presentation>
 </file>
 
@@ -255,7 +263,7 @@
           <a:p>
             <a:fld id="{C9D477A0-61BB-437C-8506-793B74E9B943}" type="datetimeFigureOut">
               <a:rPr lang="ko-KR" altLang="en-US" smtClean="0"/>
-              <a:t>2024-02-08</a:t>
+              <a:t>2024-02-15</a:t>
             </a:fld>
             <a:endParaRPr lang="ko-KR" altLang="en-US"/>
           </a:p>
@@ -453,7 +461,7 @@
           <a:p>
             <a:fld id="{C9D477A0-61BB-437C-8506-793B74E9B943}" type="datetimeFigureOut">
               <a:rPr lang="ko-KR" altLang="en-US" smtClean="0"/>
-              <a:t>2024-02-08</a:t>
+              <a:t>2024-02-15</a:t>
             </a:fld>
             <a:endParaRPr lang="ko-KR" altLang="en-US"/>
           </a:p>
@@ -661,7 +669,7 @@
           <a:p>
             <a:fld id="{C9D477A0-61BB-437C-8506-793B74E9B943}" type="datetimeFigureOut">
               <a:rPr lang="ko-KR" altLang="en-US" smtClean="0"/>
-              <a:t>2024-02-08</a:t>
+              <a:t>2024-02-15</a:t>
             </a:fld>
             <a:endParaRPr lang="ko-KR" altLang="en-US"/>
           </a:p>
@@ -859,7 +867,7 @@
           <a:p>
             <a:fld id="{C9D477A0-61BB-437C-8506-793B74E9B943}" type="datetimeFigureOut">
               <a:rPr lang="ko-KR" altLang="en-US" smtClean="0"/>
-              <a:t>2024-02-08</a:t>
+              <a:t>2024-02-15</a:t>
             </a:fld>
             <a:endParaRPr lang="ko-KR" altLang="en-US"/>
           </a:p>
@@ -1134,7 +1142,7 @@
           <a:p>
             <a:fld id="{C9D477A0-61BB-437C-8506-793B74E9B943}" type="datetimeFigureOut">
               <a:rPr lang="ko-KR" altLang="en-US" smtClean="0"/>
-              <a:t>2024-02-08</a:t>
+              <a:t>2024-02-15</a:t>
             </a:fld>
             <a:endParaRPr lang="ko-KR" altLang="en-US"/>
           </a:p>
@@ -1399,7 +1407,7 @@
           <a:p>
             <a:fld id="{C9D477A0-61BB-437C-8506-793B74E9B943}" type="datetimeFigureOut">
               <a:rPr lang="ko-KR" altLang="en-US" smtClean="0"/>
-              <a:t>2024-02-08</a:t>
+              <a:t>2024-02-15</a:t>
             </a:fld>
             <a:endParaRPr lang="ko-KR" altLang="en-US"/>
           </a:p>
@@ -1811,7 +1819,7 @@
           <a:p>
             <a:fld id="{C9D477A0-61BB-437C-8506-793B74E9B943}" type="datetimeFigureOut">
               <a:rPr lang="ko-KR" altLang="en-US" smtClean="0"/>
-              <a:t>2024-02-08</a:t>
+              <a:t>2024-02-15</a:t>
             </a:fld>
             <a:endParaRPr lang="ko-KR" altLang="en-US"/>
           </a:p>
@@ -1952,7 +1960,7 @@
           <a:p>
             <a:fld id="{C9D477A0-61BB-437C-8506-793B74E9B943}" type="datetimeFigureOut">
               <a:rPr lang="ko-KR" altLang="en-US" smtClean="0"/>
-              <a:t>2024-02-08</a:t>
+              <a:t>2024-02-15</a:t>
             </a:fld>
             <a:endParaRPr lang="ko-KR" altLang="en-US"/>
           </a:p>
@@ -2065,7 +2073,7 @@
           <a:p>
             <a:fld id="{C9D477A0-61BB-437C-8506-793B74E9B943}" type="datetimeFigureOut">
               <a:rPr lang="ko-KR" altLang="en-US" smtClean="0"/>
-              <a:t>2024-02-08</a:t>
+              <a:t>2024-02-15</a:t>
             </a:fld>
             <a:endParaRPr lang="ko-KR" altLang="en-US"/>
           </a:p>
@@ -2376,7 +2384,7 @@
           <a:p>
             <a:fld id="{C9D477A0-61BB-437C-8506-793B74E9B943}" type="datetimeFigureOut">
               <a:rPr lang="ko-KR" altLang="en-US" smtClean="0"/>
-              <a:t>2024-02-08</a:t>
+              <a:t>2024-02-15</a:t>
             </a:fld>
             <a:endParaRPr lang="ko-KR" altLang="en-US"/>
           </a:p>
@@ -2664,7 +2672,7 @@
           <a:p>
             <a:fld id="{C9D477A0-61BB-437C-8506-793B74E9B943}" type="datetimeFigureOut">
               <a:rPr lang="ko-KR" altLang="en-US" smtClean="0"/>
-              <a:t>2024-02-08</a:t>
+              <a:t>2024-02-15</a:t>
             </a:fld>
             <a:endParaRPr lang="ko-KR" altLang="en-US"/>
           </a:p>
@@ -2905,7 +2913,7 @@
           <a:p>
             <a:fld id="{C9D477A0-61BB-437C-8506-793B74E9B943}" type="datetimeFigureOut">
               <a:rPr lang="ko-KR" altLang="en-US" smtClean="0"/>
-              <a:t>2024-02-08</a:t>
+              <a:t>2024-02-15</a:t>
             </a:fld>
             <a:endParaRPr lang="ko-KR" altLang="en-US"/>
           </a:p>
@@ -3324,1121 +3332,32 @@
       </p:grpSpPr>
       <p:sp>
         <p:nvSpPr>
-          <p:cNvPr id="4" name="직사각형 3">
-            <a:extLst>
-              <a:ext uri="{FF2B5EF4-FFF2-40B4-BE49-F238E27FC236}">
-                <a16:creationId xmlns:a16="http://schemas.microsoft.com/office/drawing/2014/main" id="{7856C619-E4AD-4483-A794-A4893E6E420C}"/>
-              </a:ext>
-            </a:extLst>
-          </p:cNvPr>
-          <p:cNvSpPr/>
-          <p:nvPr/>
-        </p:nvSpPr>
-        <p:spPr>
-          <a:xfrm>
-            <a:off x="1001948" y="403698"/>
-            <a:ext cx="1099226" cy="252919"/>
-          </a:xfrm>
-          <a:prstGeom prst="rect">
-            <a:avLst/>
-          </a:prstGeom>
-          <a:solidFill>
-            <a:schemeClr val="accent6">
-              <a:lumMod val="75000"/>
-            </a:schemeClr>
-          </a:solidFill>
-          <a:ln>
-            <a:solidFill>
-              <a:srgbClr val="FF0000"/>
-            </a:solidFill>
-          </a:ln>
-        </p:spPr>
-        <p:style>
-          <a:lnRef idx="2">
-            <a:schemeClr val="accent1">
-              <a:shade val="50000"/>
-            </a:schemeClr>
-          </a:lnRef>
-          <a:fillRef idx="1">
-            <a:schemeClr val="accent1"/>
-          </a:fillRef>
-          <a:effectRef idx="0">
-            <a:schemeClr val="accent1"/>
-          </a:effectRef>
-          <a:fontRef idx="minor">
-            <a:schemeClr val="lt1"/>
-          </a:fontRef>
-        </p:style>
-        <p:txBody>
-          <a:bodyPr rtlCol="0" anchor="ctr"/>
-          <a:lstStyle/>
-          <a:p>
-            <a:pPr algn="ctr"/>
-            <a:r>
-              <a:rPr lang="ko-KR" altLang="en-US" sz="1400" dirty="0"/>
-              <a:t>회원가입</a:t>
-            </a:r>
-            <a:endParaRPr lang="en-US" altLang="ko-KR" sz="1400" dirty="0"/>
-          </a:p>
-        </p:txBody>
-      </p:sp>
-      <p:sp>
-        <p:nvSpPr>
-          <p:cNvPr id="5" name="직사각형 4">
-            <a:extLst>
-              <a:ext uri="{FF2B5EF4-FFF2-40B4-BE49-F238E27FC236}">
-                <a16:creationId xmlns:a16="http://schemas.microsoft.com/office/drawing/2014/main" id="{CD920B2D-E3AC-4730-A94E-ECA52B73D1AB}"/>
-              </a:ext>
-            </a:extLst>
-          </p:cNvPr>
-          <p:cNvSpPr/>
-          <p:nvPr/>
-        </p:nvSpPr>
-        <p:spPr>
-          <a:xfrm>
-            <a:off x="1001948" y="823609"/>
-            <a:ext cx="1099226" cy="252919"/>
-          </a:xfrm>
-          <a:prstGeom prst="rect">
-            <a:avLst/>
-          </a:prstGeom>
-          <a:solidFill>
-            <a:schemeClr val="accent6">
-              <a:lumMod val="75000"/>
-            </a:schemeClr>
-          </a:solidFill>
-          <a:ln>
-            <a:solidFill>
-              <a:srgbClr val="FF0000"/>
-            </a:solidFill>
-          </a:ln>
-        </p:spPr>
-        <p:style>
-          <a:lnRef idx="2">
-            <a:schemeClr val="accent1">
-              <a:shade val="50000"/>
-            </a:schemeClr>
-          </a:lnRef>
-          <a:fillRef idx="1">
-            <a:schemeClr val="accent1"/>
-          </a:fillRef>
-          <a:effectRef idx="0">
-            <a:schemeClr val="accent1"/>
-          </a:effectRef>
-          <a:fontRef idx="minor">
-            <a:schemeClr val="lt1"/>
-          </a:fontRef>
-        </p:style>
-        <p:txBody>
-          <a:bodyPr rtlCol="0" anchor="ctr"/>
-          <a:lstStyle/>
-          <a:p>
-            <a:pPr algn="ctr"/>
-            <a:r>
-              <a:rPr lang="ko-KR" altLang="en-US" sz="1400" dirty="0"/>
-              <a:t>로그인</a:t>
-            </a:r>
-            <a:endParaRPr lang="en-US" altLang="ko-KR" sz="1400" dirty="0"/>
-          </a:p>
-        </p:txBody>
-      </p:sp>
-      <p:sp>
-        <p:nvSpPr>
-          <p:cNvPr id="6" name="타원 5">
-            <a:extLst>
-              <a:ext uri="{FF2B5EF4-FFF2-40B4-BE49-F238E27FC236}">
-                <a16:creationId xmlns:a16="http://schemas.microsoft.com/office/drawing/2014/main" id="{C8D6FBD2-9C62-4D71-B570-BB224C4F09F3}"/>
-              </a:ext>
-            </a:extLst>
-          </p:cNvPr>
-          <p:cNvSpPr/>
-          <p:nvPr/>
-        </p:nvSpPr>
-        <p:spPr>
-          <a:xfrm>
-            <a:off x="252919" y="350196"/>
-            <a:ext cx="359924" cy="359924"/>
-          </a:xfrm>
-          <a:prstGeom prst="ellipse">
-            <a:avLst/>
-          </a:prstGeom>
-        </p:spPr>
-        <p:style>
-          <a:lnRef idx="2">
-            <a:schemeClr val="accent1">
-              <a:shade val="50000"/>
-            </a:schemeClr>
-          </a:lnRef>
-          <a:fillRef idx="1">
-            <a:schemeClr val="accent1"/>
-          </a:fillRef>
-          <a:effectRef idx="0">
-            <a:schemeClr val="accent1"/>
-          </a:effectRef>
-          <a:fontRef idx="minor">
-            <a:schemeClr val="lt1"/>
-          </a:fontRef>
-        </p:style>
-        <p:txBody>
-          <a:bodyPr rtlCol="0" anchor="ctr"/>
-          <a:lstStyle/>
-          <a:p>
-            <a:pPr algn="ctr"/>
-            <a:endParaRPr lang="ko-KR" altLang="en-US"/>
-          </a:p>
-        </p:txBody>
-      </p:sp>
-      <p:sp>
-        <p:nvSpPr>
-          <p:cNvPr id="7" name="직사각형 6">
-            <a:extLst>
-              <a:ext uri="{FF2B5EF4-FFF2-40B4-BE49-F238E27FC236}">
-                <a16:creationId xmlns:a16="http://schemas.microsoft.com/office/drawing/2014/main" id="{D119030E-1C22-4D28-AF70-7F74A3F2975F}"/>
-              </a:ext>
-            </a:extLst>
-          </p:cNvPr>
-          <p:cNvSpPr/>
-          <p:nvPr/>
-        </p:nvSpPr>
-        <p:spPr>
-          <a:xfrm>
-            <a:off x="2772383" y="823609"/>
-            <a:ext cx="1254868" cy="252919"/>
-          </a:xfrm>
-          <a:prstGeom prst="rect">
-            <a:avLst/>
-          </a:prstGeom>
-          <a:solidFill>
-            <a:schemeClr val="accent1">
-              <a:lumMod val="75000"/>
-            </a:schemeClr>
-          </a:solidFill>
-          <a:ln>
-            <a:solidFill>
-              <a:srgbClr val="FF0000"/>
-            </a:solidFill>
-          </a:ln>
-        </p:spPr>
-        <p:style>
-          <a:lnRef idx="2">
-            <a:schemeClr val="accent1">
-              <a:shade val="50000"/>
-            </a:schemeClr>
-          </a:lnRef>
-          <a:fillRef idx="1">
-            <a:schemeClr val="accent1"/>
-          </a:fillRef>
-          <a:effectRef idx="0">
-            <a:schemeClr val="accent1"/>
-          </a:effectRef>
-          <a:fontRef idx="minor">
-            <a:schemeClr val="lt1"/>
-          </a:fontRef>
-        </p:style>
-        <p:txBody>
-          <a:bodyPr rtlCol="0" anchor="ctr"/>
-          <a:lstStyle/>
-          <a:p>
-            <a:pPr algn="ctr"/>
-            <a:r>
-              <a:rPr lang="ko-KR" altLang="en-US" sz="1400" dirty="0"/>
-              <a:t>게시글 등록</a:t>
-            </a:r>
-            <a:endParaRPr lang="en-US" altLang="ko-KR" sz="1400" dirty="0"/>
-          </a:p>
-        </p:txBody>
-      </p:sp>
-      <p:cxnSp>
-        <p:nvCxnSpPr>
-          <p:cNvPr id="9" name="연결선: 꺾임 8">
-            <a:extLst>
-              <a:ext uri="{FF2B5EF4-FFF2-40B4-BE49-F238E27FC236}">
-                <a16:creationId xmlns:a16="http://schemas.microsoft.com/office/drawing/2014/main" id="{C5EEE40A-AADC-4867-8DCF-8C67D85B87B5}"/>
-              </a:ext>
-            </a:extLst>
-          </p:cNvPr>
-          <p:cNvCxnSpPr>
-            <a:cxnSpLocks/>
-            <a:stCxn id="5" idx="3"/>
-            <a:endCxn id="13" idx="1"/>
-          </p:cNvCxnSpPr>
-          <p:nvPr/>
-        </p:nvCxnSpPr>
-        <p:spPr>
-          <a:xfrm>
-            <a:off x="2101174" y="950069"/>
-            <a:ext cx="671209" cy="439366"/>
-          </a:xfrm>
-          <a:prstGeom prst="bentConnector3">
-            <a:avLst>
-              <a:gd name="adj1" fmla="val 50000"/>
-            </a:avLst>
-          </a:prstGeom>
-          <a:ln>
-            <a:tailEnd type="triangle"/>
-          </a:ln>
-        </p:spPr>
-        <p:style>
-          <a:lnRef idx="1">
-            <a:schemeClr val="accent1"/>
-          </a:lnRef>
-          <a:fillRef idx="0">
-            <a:schemeClr val="accent1"/>
-          </a:fillRef>
-          <a:effectRef idx="0">
-            <a:schemeClr val="accent1"/>
-          </a:effectRef>
-          <a:fontRef idx="minor">
-            <a:schemeClr val="tx1"/>
-          </a:fontRef>
-        </p:style>
-      </p:cxnSp>
-      <p:cxnSp>
-        <p:nvCxnSpPr>
-          <p:cNvPr id="12" name="직선 화살표 연결선 11">
-            <a:extLst>
-              <a:ext uri="{FF2B5EF4-FFF2-40B4-BE49-F238E27FC236}">
-                <a16:creationId xmlns:a16="http://schemas.microsoft.com/office/drawing/2014/main" id="{B91E8EE4-4BBE-4B0E-94F0-9B9FE9116850}"/>
-              </a:ext>
-            </a:extLst>
-          </p:cNvPr>
-          <p:cNvCxnSpPr>
-            <a:stCxn id="5" idx="3"/>
-            <a:endCxn id="7" idx="1"/>
-          </p:cNvCxnSpPr>
-          <p:nvPr/>
-        </p:nvCxnSpPr>
-        <p:spPr>
-          <a:xfrm>
-            <a:off x="2101174" y="950069"/>
-            <a:ext cx="671209" cy="0"/>
-          </a:xfrm>
-          <a:prstGeom prst="straightConnector1">
-            <a:avLst/>
-          </a:prstGeom>
-          <a:ln>
-            <a:tailEnd type="triangle"/>
-          </a:ln>
-        </p:spPr>
-        <p:style>
-          <a:lnRef idx="1">
-            <a:schemeClr val="accent1"/>
-          </a:lnRef>
-          <a:fillRef idx="0">
-            <a:schemeClr val="accent1"/>
-          </a:fillRef>
-          <a:effectRef idx="0">
-            <a:schemeClr val="accent1"/>
-          </a:effectRef>
-          <a:fontRef idx="minor">
-            <a:schemeClr val="tx1"/>
-          </a:fontRef>
-        </p:style>
-      </p:cxnSp>
-      <p:sp>
-        <p:nvSpPr>
-          <p:cNvPr id="13" name="직사각형 12">
-            <a:extLst>
-              <a:ext uri="{FF2B5EF4-FFF2-40B4-BE49-F238E27FC236}">
-                <a16:creationId xmlns:a16="http://schemas.microsoft.com/office/drawing/2014/main" id="{CC3E30F3-EEE5-41CF-84A4-23C7D912A524}"/>
-              </a:ext>
-            </a:extLst>
-          </p:cNvPr>
-          <p:cNvSpPr/>
-          <p:nvPr/>
-        </p:nvSpPr>
-        <p:spPr>
-          <a:xfrm>
-            <a:off x="2772383" y="1262975"/>
-            <a:ext cx="1254868" cy="252919"/>
-          </a:xfrm>
-          <a:prstGeom prst="rect">
-            <a:avLst/>
-          </a:prstGeom>
-          <a:solidFill>
-            <a:schemeClr val="accent6">
-              <a:lumMod val="75000"/>
-            </a:schemeClr>
-          </a:solidFill>
-          <a:ln>
-            <a:solidFill>
-              <a:srgbClr val="FF0000"/>
-            </a:solidFill>
-          </a:ln>
-        </p:spPr>
-        <p:style>
-          <a:lnRef idx="2">
-            <a:schemeClr val="accent1">
-              <a:shade val="50000"/>
-            </a:schemeClr>
-          </a:lnRef>
-          <a:fillRef idx="1">
-            <a:schemeClr val="accent1"/>
-          </a:fillRef>
-          <a:effectRef idx="0">
-            <a:schemeClr val="accent1"/>
-          </a:effectRef>
-          <a:fontRef idx="minor">
-            <a:schemeClr val="lt1"/>
-          </a:fontRef>
-        </p:style>
-        <p:txBody>
-          <a:bodyPr rtlCol="0" anchor="ctr"/>
-          <a:lstStyle/>
-          <a:p>
-            <a:pPr algn="ctr"/>
-            <a:r>
-              <a:rPr lang="ko-KR" altLang="en-US" sz="1400" dirty="0" err="1"/>
-              <a:t>팔로우</a:t>
-            </a:r>
-            <a:r>
-              <a:rPr lang="ko-KR" altLang="en-US" sz="1400" dirty="0"/>
-              <a:t> 기능</a:t>
-            </a:r>
-            <a:endParaRPr lang="en-US" altLang="ko-KR" sz="1400" dirty="0"/>
-          </a:p>
-        </p:txBody>
-      </p:sp>
-      <p:sp>
-        <p:nvSpPr>
-          <p:cNvPr id="14" name="직사각형 13">
-            <a:extLst>
-              <a:ext uri="{FF2B5EF4-FFF2-40B4-BE49-F238E27FC236}">
-                <a16:creationId xmlns:a16="http://schemas.microsoft.com/office/drawing/2014/main" id="{0BD30CD7-F5FB-493A-848C-CC1803E3A94D}"/>
-              </a:ext>
-            </a:extLst>
-          </p:cNvPr>
-          <p:cNvSpPr/>
-          <p:nvPr/>
-        </p:nvSpPr>
-        <p:spPr>
-          <a:xfrm>
-            <a:off x="2772383" y="1702341"/>
-            <a:ext cx="1254868" cy="252919"/>
-          </a:xfrm>
-          <a:prstGeom prst="rect">
-            <a:avLst/>
-          </a:prstGeom>
-          <a:solidFill>
-            <a:schemeClr val="accent1">
-              <a:lumMod val="75000"/>
-            </a:schemeClr>
-          </a:solidFill>
-          <a:ln>
-            <a:solidFill>
-              <a:srgbClr val="FF0000"/>
-            </a:solidFill>
-          </a:ln>
-        </p:spPr>
-        <p:style>
-          <a:lnRef idx="2">
-            <a:schemeClr val="accent1">
-              <a:shade val="50000"/>
-            </a:schemeClr>
-          </a:lnRef>
-          <a:fillRef idx="1">
-            <a:schemeClr val="accent1"/>
-          </a:fillRef>
-          <a:effectRef idx="0">
-            <a:schemeClr val="accent1"/>
-          </a:effectRef>
-          <a:fontRef idx="minor">
-            <a:schemeClr val="lt1"/>
-          </a:fontRef>
-        </p:style>
-        <p:txBody>
-          <a:bodyPr rtlCol="0" anchor="ctr"/>
-          <a:lstStyle/>
-          <a:p>
-            <a:pPr algn="ctr"/>
-            <a:r>
-              <a:rPr lang="ko-KR" altLang="en-US" sz="1400" dirty="0"/>
-              <a:t>프로필 보기</a:t>
-            </a:r>
-            <a:endParaRPr lang="en-US" altLang="ko-KR" sz="1400" dirty="0"/>
-          </a:p>
-        </p:txBody>
-      </p:sp>
-      <p:cxnSp>
-        <p:nvCxnSpPr>
-          <p:cNvPr id="17" name="연결선: 꺾임 16">
-            <a:extLst>
-              <a:ext uri="{FF2B5EF4-FFF2-40B4-BE49-F238E27FC236}">
-                <a16:creationId xmlns:a16="http://schemas.microsoft.com/office/drawing/2014/main" id="{A4C7F794-1BF0-4525-BECE-681BD4A7FF1D}"/>
-              </a:ext>
-            </a:extLst>
-          </p:cNvPr>
-          <p:cNvCxnSpPr>
-            <a:cxnSpLocks/>
-            <a:stCxn id="5" idx="3"/>
-            <a:endCxn id="14" idx="1"/>
-          </p:cNvCxnSpPr>
-          <p:nvPr/>
-        </p:nvCxnSpPr>
-        <p:spPr>
-          <a:xfrm>
-            <a:off x="2101174" y="950069"/>
-            <a:ext cx="671209" cy="878732"/>
-          </a:xfrm>
-          <a:prstGeom prst="bentConnector3">
-            <a:avLst>
-              <a:gd name="adj1" fmla="val 50000"/>
-            </a:avLst>
-          </a:prstGeom>
-          <a:ln>
-            <a:tailEnd type="triangle"/>
-          </a:ln>
-        </p:spPr>
-        <p:style>
-          <a:lnRef idx="1">
-            <a:schemeClr val="accent1"/>
-          </a:lnRef>
-          <a:fillRef idx="0">
-            <a:schemeClr val="accent1"/>
-          </a:fillRef>
-          <a:effectRef idx="0">
-            <a:schemeClr val="accent1"/>
-          </a:effectRef>
-          <a:fontRef idx="minor">
-            <a:schemeClr val="tx1"/>
-          </a:fontRef>
-        </p:style>
-      </p:cxnSp>
-      <p:sp>
-        <p:nvSpPr>
-          <p:cNvPr id="20" name="직사각형 19">
-            <a:extLst>
-              <a:ext uri="{FF2B5EF4-FFF2-40B4-BE49-F238E27FC236}">
-                <a16:creationId xmlns:a16="http://schemas.microsoft.com/office/drawing/2014/main" id="{053D5B5E-E53B-492A-B065-90F4E453E1AC}"/>
-              </a:ext>
-            </a:extLst>
-          </p:cNvPr>
-          <p:cNvSpPr/>
-          <p:nvPr/>
-        </p:nvSpPr>
-        <p:spPr>
-          <a:xfrm>
-            <a:off x="4821677" y="820366"/>
-            <a:ext cx="1254868" cy="252919"/>
-          </a:xfrm>
-          <a:prstGeom prst="rect">
-            <a:avLst/>
-          </a:prstGeom>
-          <a:solidFill>
-            <a:schemeClr val="accent6">
-              <a:lumMod val="75000"/>
-            </a:schemeClr>
-          </a:solidFill>
-          <a:ln>
-            <a:solidFill>
-              <a:srgbClr val="FF0000"/>
-            </a:solidFill>
-          </a:ln>
-        </p:spPr>
-        <p:style>
-          <a:lnRef idx="2">
-            <a:schemeClr val="accent1">
-              <a:shade val="50000"/>
-            </a:schemeClr>
-          </a:lnRef>
-          <a:fillRef idx="1">
-            <a:schemeClr val="accent1"/>
-          </a:fillRef>
-          <a:effectRef idx="0">
-            <a:schemeClr val="accent1"/>
-          </a:effectRef>
-          <a:fontRef idx="minor">
-            <a:schemeClr val="lt1"/>
-          </a:fontRef>
-        </p:style>
-        <p:txBody>
-          <a:bodyPr rtlCol="0" anchor="ctr"/>
-          <a:lstStyle/>
-          <a:p>
-            <a:pPr algn="ctr"/>
-            <a:r>
-              <a:rPr lang="ko-KR" altLang="en-US" sz="1400" dirty="0"/>
-              <a:t>게시글 보기</a:t>
-            </a:r>
-            <a:endParaRPr lang="en-US" altLang="ko-KR" sz="1400" dirty="0"/>
-          </a:p>
-        </p:txBody>
-      </p:sp>
-      <p:sp>
-        <p:nvSpPr>
-          <p:cNvPr id="21" name="직사각형 20">
-            <a:extLst>
-              <a:ext uri="{FF2B5EF4-FFF2-40B4-BE49-F238E27FC236}">
-                <a16:creationId xmlns:a16="http://schemas.microsoft.com/office/drawing/2014/main" id="{126CA399-ECF8-4259-AE45-CE23527B72EB}"/>
-              </a:ext>
-            </a:extLst>
-          </p:cNvPr>
-          <p:cNvSpPr/>
-          <p:nvPr/>
-        </p:nvSpPr>
-        <p:spPr>
-          <a:xfrm>
-            <a:off x="4821677" y="1258110"/>
-            <a:ext cx="1254868" cy="252919"/>
-          </a:xfrm>
-          <a:prstGeom prst="rect">
-            <a:avLst/>
-          </a:prstGeom>
-          <a:solidFill>
-            <a:schemeClr val="accent4">
-              <a:lumMod val="75000"/>
-            </a:schemeClr>
-          </a:solidFill>
-          <a:ln>
-            <a:solidFill>
-              <a:srgbClr val="FF0000"/>
-            </a:solidFill>
-          </a:ln>
-        </p:spPr>
-        <p:style>
-          <a:lnRef idx="2">
-            <a:schemeClr val="accent1">
-              <a:shade val="50000"/>
-            </a:schemeClr>
-          </a:lnRef>
-          <a:fillRef idx="1">
-            <a:schemeClr val="accent1"/>
-          </a:fillRef>
-          <a:effectRef idx="0">
-            <a:schemeClr val="accent1"/>
-          </a:effectRef>
-          <a:fontRef idx="minor">
-            <a:schemeClr val="lt1"/>
-          </a:fontRef>
-        </p:style>
-        <p:txBody>
-          <a:bodyPr rtlCol="0" anchor="ctr"/>
-          <a:lstStyle/>
-          <a:p>
-            <a:pPr algn="ctr"/>
-            <a:r>
-              <a:rPr lang="ko-KR" altLang="en-US" sz="1400" dirty="0"/>
-              <a:t>검색</a:t>
-            </a:r>
-            <a:r>
-              <a:rPr lang="en-US" altLang="ko-KR" sz="1400" dirty="0"/>
-              <a:t>/</a:t>
-            </a:r>
-            <a:r>
-              <a:rPr lang="ko-KR" altLang="en-US" sz="1400" dirty="0"/>
-              <a:t>탐색</a:t>
-            </a:r>
-            <a:endParaRPr lang="en-US" altLang="ko-KR" sz="1400" dirty="0"/>
-          </a:p>
-        </p:txBody>
-      </p:sp>
-      <p:sp>
-        <p:nvSpPr>
-          <p:cNvPr id="22" name="직사각형 21">
-            <a:extLst>
-              <a:ext uri="{FF2B5EF4-FFF2-40B4-BE49-F238E27FC236}">
-                <a16:creationId xmlns:a16="http://schemas.microsoft.com/office/drawing/2014/main" id="{BE8371BE-52F3-4567-B8DD-595C35DA2AE6}"/>
-              </a:ext>
-            </a:extLst>
-          </p:cNvPr>
-          <p:cNvSpPr/>
-          <p:nvPr/>
-        </p:nvSpPr>
-        <p:spPr>
-          <a:xfrm>
-            <a:off x="4841132" y="1702341"/>
-            <a:ext cx="1254868" cy="252919"/>
-          </a:xfrm>
-          <a:prstGeom prst="rect">
-            <a:avLst/>
-          </a:prstGeom>
-          <a:solidFill>
-            <a:schemeClr val="accent4">
-              <a:lumMod val="75000"/>
-            </a:schemeClr>
-          </a:solidFill>
-          <a:ln>
-            <a:solidFill>
-              <a:srgbClr val="FF0000"/>
-            </a:solidFill>
-          </a:ln>
-        </p:spPr>
-        <p:style>
-          <a:lnRef idx="2">
-            <a:schemeClr val="accent1">
-              <a:shade val="50000"/>
-            </a:schemeClr>
-          </a:lnRef>
-          <a:fillRef idx="1">
-            <a:schemeClr val="accent1"/>
-          </a:fillRef>
-          <a:effectRef idx="0">
-            <a:schemeClr val="accent1"/>
-          </a:effectRef>
-          <a:fontRef idx="minor">
-            <a:schemeClr val="lt1"/>
-          </a:fontRef>
-        </p:style>
-        <p:txBody>
-          <a:bodyPr rtlCol="0" anchor="ctr"/>
-          <a:lstStyle/>
-          <a:p>
-            <a:pPr algn="ctr"/>
-            <a:r>
-              <a:rPr lang="ko-KR" altLang="en-US" sz="1400" dirty="0" err="1"/>
-              <a:t>홈화면</a:t>
-            </a:r>
-            <a:r>
-              <a:rPr lang="ko-KR" altLang="en-US" sz="1400" dirty="0"/>
-              <a:t> 보기</a:t>
-            </a:r>
-            <a:endParaRPr lang="en-US" altLang="ko-KR" sz="1400" dirty="0"/>
-          </a:p>
-        </p:txBody>
-      </p:sp>
-      <p:cxnSp>
-        <p:nvCxnSpPr>
-          <p:cNvPr id="24" name="직선 화살표 연결선 23">
-            <a:extLst>
-              <a:ext uri="{FF2B5EF4-FFF2-40B4-BE49-F238E27FC236}">
-                <a16:creationId xmlns:a16="http://schemas.microsoft.com/office/drawing/2014/main" id="{B9E70E87-FF99-457B-84E4-0768E0F2F2DB}"/>
-              </a:ext>
-            </a:extLst>
-          </p:cNvPr>
-          <p:cNvCxnSpPr>
-            <a:stCxn id="4" idx="2"/>
-            <a:endCxn id="5" idx="0"/>
-          </p:cNvCxnSpPr>
-          <p:nvPr/>
-        </p:nvCxnSpPr>
-        <p:spPr>
-          <a:xfrm>
-            <a:off x="1551561" y="656617"/>
-            <a:ext cx="0" cy="166992"/>
-          </a:xfrm>
-          <a:prstGeom prst="straightConnector1">
-            <a:avLst/>
-          </a:prstGeom>
-          <a:ln>
-            <a:tailEnd type="triangle"/>
-          </a:ln>
-        </p:spPr>
-        <p:style>
-          <a:lnRef idx="1">
-            <a:schemeClr val="accent1"/>
-          </a:lnRef>
-          <a:fillRef idx="0">
-            <a:schemeClr val="accent1"/>
-          </a:fillRef>
-          <a:effectRef idx="0">
-            <a:schemeClr val="accent1"/>
-          </a:effectRef>
-          <a:fontRef idx="minor">
-            <a:schemeClr val="tx1"/>
-          </a:fontRef>
-        </p:style>
-      </p:cxnSp>
-      <p:cxnSp>
-        <p:nvCxnSpPr>
-          <p:cNvPr id="25" name="직선 화살표 연결선 24">
-            <a:extLst>
-              <a:ext uri="{FF2B5EF4-FFF2-40B4-BE49-F238E27FC236}">
-                <a16:creationId xmlns:a16="http://schemas.microsoft.com/office/drawing/2014/main" id="{7AAF0248-2B6B-4A80-829E-39C87F11ABD9}"/>
-              </a:ext>
-            </a:extLst>
-          </p:cNvPr>
-          <p:cNvCxnSpPr>
-            <a:cxnSpLocks/>
-            <a:stCxn id="7" idx="3"/>
-            <a:endCxn id="20" idx="1"/>
-          </p:cNvCxnSpPr>
-          <p:nvPr/>
-        </p:nvCxnSpPr>
-        <p:spPr>
-          <a:xfrm flipV="1">
-            <a:off x="4027251" y="946826"/>
-            <a:ext cx="794426" cy="3243"/>
-          </a:xfrm>
-          <a:prstGeom prst="straightConnector1">
-            <a:avLst/>
-          </a:prstGeom>
-          <a:ln>
-            <a:tailEnd type="triangle"/>
-          </a:ln>
-        </p:spPr>
-        <p:style>
-          <a:lnRef idx="1">
-            <a:schemeClr val="accent1"/>
-          </a:lnRef>
-          <a:fillRef idx="0">
-            <a:schemeClr val="accent1"/>
-          </a:fillRef>
-          <a:effectRef idx="0">
-            <a:schemeClr val="accent1"/>
-          </a:effectRef>
-          <a:fontRef idx="minor">
-            <a:schemeClr val="tx1"/>
-          </a:fontRef>
-        </p:style>
-      </p:cxnSp>
-      <p:cxnSp>
-        <p:nvCxnSpPr>
-          <p:cNvPr id="28" name="연결선: 꺾임 27">
-            <a:extLst>
-              <a:ext uri="{FF2B5EF4-FFF2-40B4-BE49-F238E27FC236}">
-                <a16:creationId xmlns:a16="http://schemas.microsoft.com/office/drawing/2014/main" id="{0951A552-FA1D-48BF-A9E6-A02101CFE0B6}"/>
-              </a:ext>
-            </a:extLst>
-          </p:cNvPr>
-          <p:cNvCxnSpPr>
-            <a:cxnSpLocks/>
-            <a:stCxn id="7" idx="3"/>
-            <a:endCxn id="21" idx="1"/>
-          </p:cNvCxnSpPr>
-          <p:nvPr/>
-        </p:nvCxnSpPr>
-        <p:spPr>
-          <a:xfrm>
-            <a:off x="4027251" y="950069"/>
-            <a:ext cx="794426" cy="434501"/>
-          </a:xfrm>
-          <a:prstGeom prst="bentConnector3">
-            <a:avLst>
-              <a:gd name="adj1" fmla="val 50000"/>
-            </a:avLst>
-          </a:prstGeom>
-          <a:ln>
-            <a:tailEnd type="triangle"/>
-          </a:ln>
-        </p:spPr>
-        <p:style>
-          <a:lnRef idx="1">
-            <a:schemeClr val="accent1"/>
-          </a:lnRef>
-          <a:fillRef idx="0">
-            <a:schemeClr val="accent1"/>
-          </a:fillRef>
-          <a:effectRef idx="0">
-            <a:schemeClr val="accent1"/>
-          </a:effectRef>
-          <a:fontRef idx="minor">
-            <a:schemeClr val="tx1"/>
-          </a:fontRef>
-        </p:style>
-      </p:cxnSp>
-      <p:cxnSp>
-        <p:nvCxnSpPr>
-          <p:cNvPr id="31" name="연결선: 꺾임 30">
-            <a:extLst>
-              <a:ext uri="{FF2B5EF4-FFF2-40B4-BE49-F238E27FC236}">
-                <a16:creationId xmlns:a16="http://schemas.microsoft.com/office/drawing/2014/main" id="{98A3738C-5F3B-4737-9EBE-F4772539B537}"/>
-              </a:ext>
-            </a:extLst>
-          </p:cNvPr>
-          <p:cNvCxnSpPr>
-            <a:cxnSpLocks/>
-            <a:stCxn id="7" idx="3"/>
-            <a:endCxn id="22" idx="1"/>
-          </p:cNvCxnSpPr>
-          <p:nvPr/>
-        </p:nvCxnSpPr>
-        <p:spPr>
-          <a:xfrm>
-            <a:off x="4027251" y="950069"/>
-            <a:ext cx="813881" cy="878732"/>
-          </a:xfrm>
-          <a:prstGeom prst="bentConnector3">
-            <a:avLst>
-              <a:gd name="adj1" fmla="val 50000"/>
-            </a:avLst>
-          </a:prstGeom>
-          <a:ln>
-            <a:tailEnd type="triangle"/>
-          </a:ln>
-        </p:spPr>
-        <p:style>
-          <a:lnRef idx="1">
-            <a:schemeClr val="accent1"/>
-          </a:lnRef>
-          <a:fillRef idx="0">
-            <a:schemeClr val="accent1"/>
-          </a:fillRef>
-          <a:effectRef idx="0">
-            <a:schemeClr val="accent1"/>
-          </a:effectRef>
-          <a:fontRef idx="minor">
-            <a:schemeClr val="tx1"/>
-          </a:fontRef>
-        </p:style>
-      </p:cxnSp>
-      <p:cxnSp>
-        <p:nvCxnSpPr>
-          <p:cNvPr id="34" name="직선 화살표 연결선 33">
-            <a:extLst>
-              <a:ext uri="{FF2B5EF4-FFF2-40B4-BE49-F238E27FC236}">
-                <a16:creationId xmlns:a16="http://schemas.microsoft.com/office/drawing/2014/main" id="{BCBC3452-6F2E-448D-AB04-2B546B25CA29}"/>
-              </a:ext>
-            </a:extLst>
-          </p:cNvPr>
-          <p:cNvCxnSpPr>
-            <a:cxnSpLocks/>
-            <a:stCxn id="6" idx="6"/>
-            <a:endCxn id="4" idx="1"/>
-          </p:cNvCxnSpPr>
-          <p:nvPr/>
-        </p:nvCxnSpPr>
-        <p:spPr>
-          <a:xfrm>
-            <a:off x="612843" y="530158"/>
-            <a:ext cx="389105" cy="0"/>
-          </a:xfrm>
-          <a:prstGeom prst="straightConnector1">
-            <a:avLst/>
-          </a:prstGeom>
-          <a:ln>
-            <a:tailEnd type="triangle"/>
-          </a:ln>
-        </p:spPr>
-        <p:style>
-          <a:lnRef idx="1">
-            <a:schemeClr val="accent1"/>
-          </a:lnRef>
-          <a:fillRef idx="0">
-            <a:schemeClr val="accent1"/>
-          </a:fillRef>
-          <a:effectRef idx="0">
-            <a:schemeClr val="accent1"/>
-          </a:effectRef>
-          <a:fontRef idx="minor">
-            <a:schemeClr val="tx1"/>
-          </a:fontRef>
-        </p:style>
-      </p:cxnSp>
-      <p:sp>
-        <p:nvSpPr>
-          <p:cNvPr id="51" name="직사각형 50">
-            <a:extLst>
-              <a:ext uri="{FF2B5EF4-FFF2-40B4-BE49-F238E27FC236}">
-                <a16:creationId xmlns:a16="http://schemas.microsoft.com/office/drawing/2014/main" id="{CD07105C-A9AC-415A-99AA-AF20A532E3DD}"/>
-              </a:ext>
-            </a:extLst>
-          </p:cNvPr>
-          <p:cNvSpPr/>
-          <p:nvPr/>
-        </p:nvSpPr>
-        <p:spPr>
-          <a:xfrm>
-            <a:off x="8445484" y="235512"/>
-            <a:ext cx="1099226" cy="252919"/>
-          </a:xfrm>
-          <a:prstGeom prst="rect">
-            <a:avLst/>
-          </a:prstGeom>
-          <a:solidFill>
-            <a:schemeClr val="accent6">
-              <a:lumMod val="75000"/>
-            </a:schemeClr>
-          </a:solidFill>
-          <a:ln>
-            <a:solidFill>
-              <a:schemeClr val="tx1"/>
-            </a:solidFill>
-          </a:ln>
-        </p:spPr>
-        <p:style>
-          <a:lnRef idx="2">
-            <a:schemeClr val="accent1">
-              <a:shade val="50000"/>
-            </a:schemeClr>
-          </a:lnRef>
-          <a:fillRef idx="1">
-            <a:schemeClr val="accent1"/>
-          </a:fillRef>
-          <a:effectRef idx="0">
-            <a:schemeClr val="accent1"/>
-          </a:effectRef>
-          <a:fontRef idx="minor">
-            <a:schemeClr val="lt1"/>
-          </a:fontRef>
-        </p:style>
-        <p:txBody>
-          <a:bodyPr rtlCol="0" anchor="ctr"/>
-          <a:lstStyle/>
-          <a:p>
-            <a:pPr algn="ctr"/>
-            <a:r>
-              <a:rPr lang="ko-KR" altLang="en-US" sz="1400" dirty="0" err="1"/>
-              <a:t>전우성</a:t>
-            </a:r>
-            <a:endParaRPr lang="en-US" altLang="ko-KR" sz="1400" dirty="0"/>
-          </a:p>
-        </p:txBody>
-      </p:sp>
-      <p:sp>
-        <p:nvSpPr>
-          <p:cNvPr id="52" name="직사각형 51">
-            <a:extLst>
-              <a:ext uri="{FF2B5EF4-FFF2-40B4-BE49-F238E27FC236}">
-                <a16:creationId xmlns:a16="http://schemas.microsoft.com/office/drawing/2014/main" id="{F1C2B16D-600D-4CDB-A95D-4EF34A2B8A5E}"/>
-              </a:ext>
-            </a:extLst>
-          </p:cNvPr>
-          <p:cNvSpPr/>
-          <p:nvPr/>
-        </p:nvSpPr>
-        <p:spPr>
-          <a:xfrm>
-            <a:off x="9712640" y="241911"/>
-            <a:ext cx="1099226" cy="252919"/>
-          </a:xfrm>
-          <a:prstGeom prst="rect">
-            <a:avLst/>
-          </a:prstGeom>
-          <a:solidFill>
-            <a:schemeClr val="accent1">
-              <a:lumMod val="75000"/>
-            </a:schemeClr>
-          </a:solidFill>
-          <a:ln>
-            <a:solidFill>
-              <a:schemeClr val="tx1"/>
-            </a:solidFill>
-          </a:ln>
-        </p:spPr>
-        <p:style>
-          <a:lnRef idx="2">
-            <a:schemeClr val="accent1">
-              <a:shade val="50000"/>
-            </a:schemeClr>
-          </a:lnRef>
-          <a:fillRef idx="1">
-            <a:schemeClr val="accent1"/>
-          </a:fillRef>
-          <a:effectRef idx="0">
-            <a:schemeClr val="accent1"/>
-          </a:effectRef>
-          <a:fontRef idx="minor">
-            <a:schemeClr val="lt1"/>
-          </a:fontRef>
-        </p:style>
-        <p:txBody>
-          <a:bodyPr rtlCol="0" anchor="ctr"/>
-          <a:lstStyle/>
-          <a:p>
-            <a:pPr algn="ctr"/>
-            <a:r>
-              <a:rPr lang="ko-KR" altLang="en-US" sz="1400" dirty="0" err="1"/>
-              <a:t>주현종</a:t>
-            </a:r>
-            <a:endParaRPr lang="en-US" altLang="ko-KR" sz="1400" dirty="0"/>
-          </a:p>
-        </p:txBody>
-      </p:sp>
-      <p:sp>
-        <p:nvSpPr>
-          <p:cNvPr id="53" name="직사각형 52">
-            <a:extLst>
-              <a:ext uri="{FF2B5EF4-FFF2-40B4-BE49-F238E27FC236}">
-                <a16:creationId xmlns:a16="http://schemas.microsoft.com/office/drawing/2014/main" id="{7FFE4C43-FC6C-4F00-ADDE-64245692E41F}"/>
-              </a:ext>
-            </a:extLst>
-          </p:cNvPr>
-          <p:cNvSpPr/>
-          <p:nvPr/>
-        </p:nvSpPr>
-        <p:spPr>
-          <a:xfrm>
-            <a:off x="10979796" y="223736"/>
-            <a:ext cx="1099226" cy="252919"/>
-          </a:xfrm>
-          <a:prstGeom prst="rect">
-            <a:avLst/>
-          </a:prstGeom>
-          <a:solidFill>
-            <a:schemeClr val="accent4">
-              <a:lumMod val="75000"/>
-            </a:schemeClr>
-          </a:solidFill>
-          <a:ln>
-            <a:solidFill>
-              <a:schemeClr val="tx1"/>
-            </a:solidFill>
-          </a:ln>
-        </p:spPr>
-        <p:style>
-          <a:lnRef idx="2">
-            <a:schemeClr val="accent1">
-              <a:shade val="50000"/>
-            </a:schemeClr>
-          </a:lnRef>
-          <a:fillRef idx="1">
-            <a:schemeClr val="accent1"/>
-          </a:fillRef>
-          <a:effectRef idx="0">
-            <a:schemeClr val="accent1"/>
-          </a:effectRef>
-          <a:fontRef idx="minor">
-            <a:schemeClr val="lt1"/>
-          </a:fontRef>
-        </p:style>
-        <p:txBody>
-          <a:bodyPr rtlCol="0" anchor="ctr"/>
-          <a:lstStyle/>
-          <a:p>
-            <a:pPr algn="ctr"/>
-            <a:r>
-              <a:rPr lang="ko-KR" altLang="en-US" sz="1400" dirty="0" err="1"/>
-              <a:t>김건승</a:t>
-            </a:r>
-            <a:endParaRPr lang="en-US" altLang="ko-KR" sz="1400" dirty="0"/>
-          </a:p>
-        </p:txBody>
-      </p:sp>
-      <p:sp>
-        <p:nvSpPr>
-          <p:cNvPr id="55" name="직사각형 54">
-            <a:extLst>
-              <a:ext uri="{FF2B5EF4-FFF2-40B4-BE49-F238E27FC236}">
-                <a16:creationId xmlns:a16="http://schemas.microsoft.com/office/drawing/2014/main" id="{A6BBF2FE-894B-404B-8766-186E3C6B73FA}"/>
-              </a:ext>
-            </a:extLst>
-          </p:cNvPr>
-          <p:cNvSpPr/>
-          <p:nvPr/>
-        </p:nvSpPr>
-        <p:spPr>
-          <a:xfrm>
-            <a:off x="9367901" y="6166018"/>
-            <a:ext cx="2538219" cy="498589"/>
-          </a:xfrm>
-          <a:prstGeom prst="rect">
-            <a:avLst/>
-          </a:prstGeom>
-        </p:spPr>
-        <p:style>
-          <a:lnRef idx="2">
-            <a:schemeClr val="accent3">
-              <a:shade val="50000"/>
-            </a:schemeClr>
-          </a:lnRef>
-          <a:fillRef idx="1">
-            <a:schemeClr val="accent3"/>
-          </a:fillRef>
-          <a:effectRef idx="0">
-            <a:schemeClr val="accent3"/>
-          </a:effectRef>
-          <a:fontRef idx="minor">
-            <a:schemeClr val="lt1"/>
-          </a:fontRef>
-        </p:style>
-        <p:txBody>
-          <a:bodyPr rtlCol="0" anchor="ctr"/>
-          <a:lstStyle/>
-          <a:p>
-            <a:pPr algn="ctr"/>
+          <p:cNvPr id="2" name="제목 1">
+            <a:extLst>
+              <a:ext uri="{FF2B5EF4-FFF2-40B4-BE49-F238E27FC236}">
+                <a16:creationId xmlns:a16="http://schemas.microsoft.com/office/drawing/2014/main" id="{8F297AC2-73CD-4171-8841-0FAA1D756B52}"/>
+              </a:ext>
+            </a:extLst>
+          </p:cNvPr>
+          <p:cNvSpPr>
+            <a:spLocks noGrp="1"/>
+          </p:cNvSpPr>
+          <p:nvPr>
+            <p:ph type="title"/>
+          </p:nvPr>
+        </p:nvSpPr>
+        <p:spPr/>
+        <p:txBody>
+          <a:bodyPr/>
+          <a:lstStyle/>
+          <a:p>
+            <a:r>
+              <a:rPr lang="en-US" altLang="ko-KR" dirty="0"/>
+              <a:t>1</a:t>
+            </a:r>
             <a:r>
               <a:rPr lang="ko-KR" altLang="en-US" dirty="0"/>
-              <a:t>주요 기능 우선 순위</a:t>
+              <a:t>차</a:t>
             </a:r>
           </a:p>
         </p:txBody>
@@ -4446,7 +3365,7 @@
     </p:spTree>
     <p:extLst>
       <p:ext uri="{BB962C8B-B14F-4D97-AF65-F5344CB8AC3E}">
-        <p14:creationId xmlns:p14="http://schemas.microsoft.com/office/powerpoint/2010/main" val="2256617060"/>
+        <p14:creationId xmlns:p14="http://schemas.microsoft.com/office/powerpoint/2010/main" val="3121127669"/>
       </p:ext>
     </p:extLst>
   </p:cSld>
@@ -4487,6 +3406,1157 @@
         </p:nvSpPr>
         <p:spPr>
           <a:xfrm>
+            <a:off x="1001948" y="403698"/>
+            <a:ext cx="1099226" cy="252919"/>
+          </a:xfrm>
+          <a:prstGeom prst="rect">
+            <a:avLst/>
+          </a:prstGeom>
+          <a:solidFill>
+            <a:schemeClr val="accent6">
+              <a:lumMod val="75000"/>
+            </a:schemeClr>
+          </a:solidFill>
+          <a:ln>
+            <a:solidFill>
+              <a:srgbClr val="FF0000"/>
+            </a:solidFill>
+          </a:ln>
+        </p:spPr>
+        <p:style>
+          <a:lnRef idx="2">
+            <a:schemeClr val="accent1">
+              <a:shade val="50000"/>
+            </a:schemeClr>
+          </a:lnRef>
+          <a:fillRef idx="1">
+            <a:schemeClr val="accent1"/>
+          </a:fillRef>
+          <a:effectRef idx="0">
+            <a:schemeClr val="accent1"/>
+          </a:effectRef>
+          <a:fontRef idx="minor">
+            <a:schemeClr val="lt1"/>
+          </a:fontRef>
+        </p:style>
+        <p:txBody>
+          <a:bodyPr rtlCol="0" anchor="ctr"/>
+          <a:lstStyle/>
+          <a:p>
+            <a:pPr algn="ctr"/>
+            <a:r>
+              <a:rPr lang="ko-KR" altLang="en-US" sz="1400" dirty="0"/>
+              <a:t>회원가입</a:t>
+            </a:r>
+            <a:endParaRPr lang="en-US" altLang="ko-KR" sz="1400" dirty="0"/>
+          </a:p>
+        </p:txBody>
+      </p:sp>
+      <p:sp>
+        <p:nvSpPr>
+          <p:cNvPr id="5" name="직사각형 4">
+            <a:extLst>
+              <a:ext uri="{FF2B5EF4-FFF2-40B4-BE49-F238E27FC236}">
+                <a16:creationId xmlns:a16="http://schemas.microsoft.com/office/drawing/2014/main" id="{CD920B2D-E3AC-4730-A94E-ECA52B73D1AB}"/>
+              </a:ext>
+            </a:extLst>
+          </p:cNvPr>
+          <p:cNvSpPr/>
+          <p:nvPr/>
+        </p:nvSpPr>
+        <p:spPr>
+          <a:xfrm>
+            <a:off x="1001948" y="823609"/>
+            <a:ext cx="1099226" cy="252919"/>
+          </a:xfrm>
+          <a:prstGeom prst="rect">
+            <a:avLst/>
+          </a:prstGeom>
+          <a:solidFill>
+            <a:schemeClr val="accent6">
+              <a:lumMod val="75000"/>
+            </a:schemeClr>
+          </a:solidFill>
+          <a:ln>
+            <a:solidFill>
+              <a:srgbClr val="FF0000"/>
+            </a:solidFill>
+          </a:ln>
+        </p:spPr>
+        <p:style>
+          <a:lnRef idx="2">
+            <a:schemeClr val="accent1">
+              <a:shade val="50000"/>
+            </a:schemeClr>
+          </a:lnRef>
+          <a:fillRef idx="1">
+            <a:schemeClr val="accent1"/>
+          </a:fillRef>
+          <a:effectRef idx="0">
+            <a:schemeClr val="accent1"/>
+          </a:effectRef>
+          <a:fontRef idx="minor">
+            <a:schemeClr val="lt1"/>
+          </a:fontRef>
+        </p:style>
+        <p:txBody>
+          <a:bodyPr rtlCol="0" anchor="ctr"/>
+          <a:lstStyle/>
+          <a:p>
+            <a:pPr algn="ctr"/>
+            <a:r>
+              <a:rPr lang="ko-KR" altLang="en-US" sz="1400" dirty="0"/>
+              <a:t>로그인</a:t>
+            </a:r>
+            <a:endParaRPr lang="en-US" altLang="ko-KR" sz="1400" dirty="0"/>
+          </a:p>
+        </p:txBody>
+      </p:sp>
+      <p:sp>
+        <p:nvSpPr>
+          <p:cNvPr id="6" name="타원 5">
+            <a:extLst>
+              <a:ext uri="{FF2B5EF4-FFF2-40B4-BE49-F238E27FC236}">
+                <a16:creationId xmlns:a16="http://schemas.microsoft.com/office/drawing/2014/main" id="{C8D6FBD2-9C62-4D71-B570-BB224C4F09F3}"/>
+              </a:ext>
+            </a:extLst>
+          </p:cNvPr>
+          <p:cNvSpPr/>
+          <p:nvPr/>
+        </p:nvSpPr>
+        <p:spPr>
+          <a:xfrm>
+            <a:off x="252919" y="350196"/>
+            <a:ext cx="359924" cy="359924"/>
+          </a:xfrm>
+          <a:prstGeom prst="ellipse">
+            <a:avLst/>
+          </a:prstGeom>
+        </p:spPr>
+        <p:style>
+          <a:lnRef idx="2">
+            <a:schemeClr val="accent1">
+              <a:shade val="50000"/>
+            </a:schemeClr>
+          </a:lnRef>
+          <a:fillRef idx="1">
+            <a:schemeClr val="accent1"/>
+          </a:fillRef>
+          <a:effectRef idx="0">
+            <a:schemeClr val="accent1"/>
+          </a:effectRef>
+          <a:fontRef idx="minor">
+            <a:schemeClr val="lt1"/>
+          </a:fontRef>
+        </p:style>
+        <p:txBody>
+          <a:bodyPr rtlCol="0" anchor="ctr"/>
+          <a:lstStyle/>
+          <a:p>
+            <a:pPr algn="ctr"/>
+            <a:endParaRPr lang="ko-KR" altLang="en-US"/>
+          </a:p>
+        </p:txBody>
+      </p:sp>
+      <p:sp>
+        <p:nvSpPr>
+          <p:cNvPr id="7" name="직사각형 6">
+            <a:extLst>
+              <a:ext uri="{FF2B5EF4-FFF2-40B4-BE49-F238E27FC236}">
+                <a16:creationId xmlns:a16="http://schemas.microsoft.com/office/drawing/2014/main" id="{D119030E-1C22-4D28-AF70-7F74A3F2975F}"/>
+              </a:ext>
+            </a:extLst>
+          </p:cNvPr>
+          <p:cNvSpPr/>
+          <p:nvPr/>
+        </p:nvSpPr>
+        <p:spPr>
+          <a:xfrm>
+            <a:off x="2772383" y="823609"/>
+            <a:ext cx="1254868" cy="252919"/>
+          </a:xfrm>
+          <a:prstGeom prst="rect">
+            <a:avLst/>
+          </a:prstGeom>
+          <a:solidFill>
+            <a:schemeClr val="accent1">
+              <a:lumMod val="75000"/>
+            </a:schemeClr>
+          </a:solidFill>
+          <a:ln>
+            <a:solidFill>
+              <a:srgbClr val="FF0000"/>
+            </a:solidFill>
+          </a:ln>
+        </p:spPr>
+        <p:style>
+          <a:lnRef idx="2">
+            <a:schemeClr val="accent1">
+              <a:shade val="50000"/>
+            </a:schemeClr>
+          </a:lnRef>
+          <a:fillRef idx="1">
+            <a:schemeClr val="accent1"/>
+          </a:fillRef>
+          <a:effectRef idx="0">
+            <a:schemeClr val="accent1"/>
+          </a:effectRef>
+          <a:fontRef idx="minor">
+            <a:schemeClr val="lt1"/>
+          </a:fontRef>
+        </p:style>
+        <p:txBody>
+          <a:bodyPr rtlCol="0" anchor="ctr"/>
+          <a:lstStyle/>
+          <a:p>
+            <a:pPr algn="ctr"/>
+            <a:r>
+              <a:rPr lang="ko-KR" altLang="en-US" sz="1400" dirty="0"/>
+              <a:t>게시글 등록</a:t>
+            </a:r>
+            <a:endParaRPr lang="en-US" altLang="ko-KR" sz="1400" dirty="0"/>
+          </a:p>
+        </p:txBody>
+      </p:sp>
+      <p:cxnSp>
+        <p:nvCxnSpPr>
+          <p:cNvPr id="9" name="연결선: 꺾임 8">
+            <a:extLst>
+              <a:ext uri="{FF2B5EF4-FFF2-40B4-BE49-F238E27FC236}">
+                <a16:creationId xmlns:a16="http://schemas.microsoft.com/office/drawing/2014/main" id="{C5EEE40A-AADC-4867-8DCF-8C67D85B87B5}"/>
+              </a:ext>
+            </a:extLst>
+          </p:cNvPr>
+          <p:cNvCxnSpPr>
+            <a:cxnSpLocks/>
+            <a:stCxn id="5" idx="3"/>
+            <a:endCxn id="13" idx="1"/>
+          </p:cNvCxnSpPr>
+          <p:nvPr/>
+        </p:nvCxnSpPr>
+        <p:spPr>
+          <a:xfrm>
+            <a:off x="2101174" y="950069"/>
+            <a:ext cx="671209" cy="439366"/>
+          </a:xfrm>
+          <a:prstGeom prst="bentConnector3">
+            <a:avLst>
+              <a:gd name="adj1" fmla="val 50000"/>
+            </a:avLst>
+          </a:prstGeom>
+          <a:ln>
+            <a:tailEnd type="triangle"/>
+          </a:ln>
+        </p:spPr>
+        <p:style>
+          <a:lnRef idx="1">
+            <a:schemeClr val="accent1"/>
+          </a:lnRef>
+          <a:fillRef idx="0">
+            <a:schemeClr val="accent1"/>
+          </a:fillRef>
+          <a:effectRef idx="0">
+            <a:schemeClr val="accent1"/>
+          </a:effectRef>
+          <a:fontRef idx="minor">
+            <a:schemeClr val="tx1"/>
+          </a:fontRef>
+        </p:style>
+      </p:cxnSp>
+      <p:cxnSp>
+        <p:nvCxnSpPr>
+          <p:cNvPr id="12" name="직선 화살표 연결선 11">
+            <a:extLst>
+              <a:ext uri="{FF2B5EF4-FFF2-40B4-BE49-F238E27FC236}">
+                <a16:creationId xmlns:a16="http://schemas.microsoft.com/office/drawing/2014/main" id="{B91E8EE4-4BBE-4B0E-94F0-9B9FE9116850}"/>
+              </a:ext>
+            </a:extLst>
+          </p:cNvPr>
+          <p:cNvCxnSpPr>
+            <a:stCxn id="5" idx="3"/>
+            <a:endCxn id="7" idx="1"/>
+          </p:cNvCxnSpPr>
+          <p:nvPr/>
+        </p:nvCxnSpPr>
+        <p:spPr>
+          <a:xfrm>
+            <a:off x="2101174" y="950069"/>
+            <a:ext cx="671209" cy="0"/>
+          </a:xfrm>
+          <a:prstGeom prst="straightConnector1">
+            <a:avLst/>
+          </a:prstGeom>
+          <a:ln>
+            <a:tailEnd type="triangle"/>
+          </a:ln>
+        </p:spPr>
+        <p:style>
+          <a:lnRef idx="1">
+            <a:schemeClr val="accent1"/>
+          </a:lnRef>
+          <a:fillRef idx="0">
+            <a:schemeClr val="accent1"/>
+          </a:fillRef>
+          <a:effectRef idx="0">
+            <a:schemeClr val="accent1"/>
+          </a:effectRef>
+          <a:fontRef idx="minor">
+            <a:schemeClr val="tx1"/>
+          </a:fontRef>
+        </p:style>
+      </p:cxnSp>
+      <p:sp>
+        <p:nvSpPr>
+          <p:cNvPr id="13" name="직사각형 12">
+            <a:extLst>
+              <a:ext uri="{FF2B5EF4-FFF2-40B4-BE49-F238E27FC236}">
+                <a16:creationId xmlns:a16="http://schemas.microsoft.com/office/drawing/2014/main" id="{CC3E30F3-EEE5-41CF-84A4-23C7D912A524}"/>
+              </a:ext>
+            </a:extLst>
+          </p:cNvPr>
+          <p:cNvSpPr/>
+          <p:nvPr/>
+        </p:nvSpPr>
+        <p:spPr>
+          <a:xfrm>
+            <a:off x="2772383" y="1262975"/>
+            <a:ext cx="1254868" cy="252919"/>
+          </a:xfrm>
+          <a:prstGeom prst="rect">
+            <a:avLst/>
+          </a:prstGeom>
+          <a:solidFill>
+            <a:schemeClr val="accent6">
+              <a:lumMod val="75000"/>
+            </a:schemeClr>
+          </a:solidFill>
+          <a:ln>
+            <a:solidFill>
+              <a:srgbClr val="FF0000"/>
+            </a:solidFill>
+          </a:ln>
+        </p:spPr>
+        <p:style>
+          <a:lnRef idx="2">
+            <a:schemeClr val="accent1">
+              <a:shade val="50000"/>
+            </a:schemeClr>
+          </a:lnRef>
+          <a:fillRef idx="1">
+            <a:schemeClr val="accent1"/>
+          </a:fillRef>
+          <a:effectRef idx="0">
+            <a:schemeClr val="accent1"/>
+          </a:effectRef>
+          <a:fontRef idx="minor">
+            <a:schemeClr val="lt1"/>
+          </a:fontRef>
+        </p:style>
+        <p:txBody>
+          <a:bodyPr rtlCol="0" anchor="ctr"/>
+          <a:lstStyle/>
+          <a:p>
+            <a:pPr algn="ctr"/>
+            <a:r>
+              <a:rPr lang="ko-KR" altLang="en-US" sz="1400" dirty="0" err="1"/>
+              <a:t>팔로우</a:t>
+            </a:r>
+            <a:r>
+              <a:rPr lang="ko-KR" altLang="en-US" sz="1400" dirty="0"/>
+              <a:t> 기능</a:t>
+            </a:r>
+            <a:endParaRPr lang="en-US" altLang="ko-KR" sz="1400" dirty="0"/>
+          </a:p>
+        </p:txBody>
+      </p:sp>
+      <p:sp>
+        <p:nvSpPr>
+          <p:cNvPr id="14" name="직사각형 13">
+            <a:extLst>
+              <a:ext uri="{FF2B5EF4-FFF2-40B4-BE49-F238E27FC236}">
+                <a16:creationId xmlns:a16="http://schemas.microsoft.com/office/drawing/2014/main" id="{0BD30CD7-F5FB-493A-848C-CC1803E3A94D}"/>
+              </a:ext>
+            </a:extLst>
+          </p:cNvPr>
+          <p:cNvSpPr/>
+          <p:nvPr/>
+        </p:nvSpPr>
+        <p:spPr>
+          <a:xfrm>
+            <a:off x="2772383" y="1702341"/>
+            <a:ext cx="1254868" cy="252919"/>
+          </a:xfrm>
+          <a:prstGeom prst="rect">
+            <a:avLst/>
+          </a:prstGeom>
+          <a:solidFill>
+            <a:schemeClr val="accent1">
+              <a:lumMod val="75000"/>
+            </a:schemeClr>
+          </a:solidFill>
+          <a:ln>
+            <a:solidFill>
+              <a:srgbClr val="FF0000"/>
+            </a:solidFill>
+          </a:ln>
+        </p:spPr>
+        <p:style>
+          <a:lnRef idx="2">
+            <a:schemeClr val="accent1">
+              <a:shade val="50000"/>
+            </a:schemeClr>
+          </a:lnRef>
+          <a:fillRef idx="1">
+            <a:schemeClr val="accent1"/>
+          </a:fillRef>
+          <a:effectRef idx="0">
+            <a:schemeClr val="accent1"/>
+          </a:effectRef>
+          <a:fontRef idx="minor">
+            <a:schemeClr val="lt1"/>
+          </a:fontRef>
+        </p:style>
+        <p:txBody>
+          <a:bodyPr rtlCol="0" anchor="ctr"/>
+          <a:lstStyle/>
+          <a:p>
+            <a:pPr algn="ctr"/>
+            <a:r>
+              <a:rPr lang="ko-KR" altLang="en-US" sz="1400" dirty="0"/>
+              <a:t>프로필 보기</a:t>
+            </a:r>
+            <a:endParaRPr lang="en-US" altLang="ko-KR" sz="1400" dirty="0"/>
+          </a:p>
+        </p:txBody>
+      </p:sp>
+      <p:cxnSp>
+        <p:nvCxnSpPr>
+          <p:cNvPr id="17" name="연결선: 꺾임 16">
+            <a:extLst>
+              <a:ext uri="{FF2B5EF4-FFF2-40B4-BE49-F238E27FC236}">
+                <a16:creationId xmlns:a16="http://schemas.microsoft.com/office/drawing/2014/main" id="{A4C7F794-1BF0-4525-BECE-681BD4A7FF1D}"/>
+              </a:ext>
+            </a:extLst>
+          </p:cNvPr>
+          <p:cNvCxnSpPr>
+            <a:cxnSpLocks/>
+            <a:stCxn id="5" idx="3"/>
+            <a:endCxn id="14" idx="1"/>
+          </p:cNvCxnSpPr>
+          <p:nvPr/>
+        </p:nvCxnSpPr>
+        <p:spPr>
+          <a:xfrm>
+            <a:off x="2101174" y="950069"/>
+            <a:ext cx="671209" cy="878732"/>
+          </a:xfrm>
+          <a:prstGeom prst="bentConnector3">
+            <a:avLst>
+              <a:gd name="adj1" fmla="val 50000"/>
+            </a:avLst>
+          </a:prstGeom>
+          <a:ln>
+            <a:tailEnd type="triangle"/>
+          </a:ln>
+        </p:spPr>
+        <p:style>
+          <a:lnRef idx="1">
+            <a:schemeClr val="accent1"/>
+          </a:lnRef>
+          <a:fillRef idx="0">
+            <a:schemeClr val="accent1"/>
+          </a:fillRef>
+          <a:effectRef idx="0">
+            <a:schemeClr val="accent1"/>
+          </a:effectRef>
+          <a:fontRef idx="minor">
+            <a:schemeClr val="tx1"/>
+          </a:fontRef>
+        </p:style>
+      </p:cxnSp>
+      <p:sp>
+        <p:nvSpPr>
+          <p:cNvPr id="20" name="직사각형 19">
+            <a:extLst>
+              <a:ext uri="{FF2B5EF4-FFF2-40B4-BE49-F238E27FC236}">
+                <a16:creationId xmlns:a16="http://schemas.microsoft.com/office/drawing/2014/main" id="{053D5B5E-E53B-492A-B065-90F4E453E1AC}"/>
+              </a:ext>
+            </a:extLst>
+          </p:cNvPr>
+          <p:cNvSpPr/>
+          <p:nvPr/>
+        </p:nvSpPr>
+        <p:spPr>
+          <a:xfrm>
+            <a:off x="4821677" y="820366"/>
+            <a:ext cx="1254868" cy="252919"/>
+          </a:xfrm>
+          <a:prstGeom prst="rect">
+            <a:avLst/>
+          </a:prstGeom>
+          <a:solidFill>
+            <a:schemeClr val="accent6">
+              <a:lumMod val="75000"/>
+            </a:schemeClr>
+          </a:solidFill>
+          <a:ln>
+            <a:solidFill>
+              <a:srgbClr val="FF0000"/>
+            </a:solidFill>
+          </a:ln>
+        </p:spPr>
+        <p:style>
+          <a:lnRef idx="2">
+            <a:schemeClr val="accent1">
+              <a:shade val="50000"/>
+            </a:schemeClr>
+          </a:lnRef>
+          <a:fillRef idx="1">
+            <a:schemeClr val="accent1"/>
+          </a:fillRef>
+          <a:effectRef idx="0">
+            <a:schemeClr val="accent1"/>
+          </a:effectRef>
+          <a:fontRef idx="minor">
+            <a:schemeClr val="lt1"/>
+          </a:fontRef>
+        </p:style>
+        <p:txBody>
+          <a:bodyPr rtlCol="0" anchor="ctr"/>
+          <a:lstStyle/>
+          <a:p>
+            <a:pPr algn="ctr"/>
+            <a:r>
+              <a:rPr lang="ko-KR" altLang="en-US" sz="1400" dirty="0"/>
+              <a:t>게시글 보기</a:t>
+            </a:r>
+            <a:endParaRPr lang="en-US" altLang="ko-KR" sz="1400" dirty="0"/>
+          </a:p>
+        </p:txBody>
+      </p:sp>
+      <p:sp>
+        <p:nvSpPr>
+          <p:cNvPr id="21" name="직사각형 20">
+            <a:extLst>
+              <a:ext uri="{FF2B5EF4-FFF2-40B4-BE49-F238E27FC236}">
+                <a16:creationId xmlns:a16="http://schemas.microsoft.com/office/drawing/2014/main" id="{126CA399-ECF8-4259-AE45-CE23527B72EB}"/>
+              </a:ext>
+            </a:extLst>
+          </p:cNvPr>
+          <p:cNvSpPr/>
+          <p:nvPr/>
+        </p:nvSpPr>
+        <p:spPr>
+          <a:xfrm>
+            <a:off x="4821677" y="1258110"/>
+            <a:ext cx="1254868" cy="252919"/>
+          </a:xfrm>
+          <a:prstGeom prst="rect">
+            <a:avLst/>
+          </a:prstGeom>
+          <a:solidFill>
+            <a:schemeClr val="accent4">
+              <a:lumMod val="75000"/>
+            </a:schemeClr>
+          </a:solidFill>
+          <a:ln>
+            <a:solidFill>
+              <a:srgbClr val="FF0000"/>
+            </a:solidFill>
+          </a:ln>
+        </p:spPr>
+        <p:style>
+          <a:lnRef idx="2">
+            <a:schemeClr val="accent1">
+              <a:shade val="50000"/>
+            </a:schemeClr>
+          </a:lnRef>
+          <a:fillRef idx="1">
+            <a:schemeClr val="accent1"/>
+          </a:fillRef>
+          <a:effectRef idx="0">
+            <a:schemeClr val="accent1"/>
+          </a:effectRef>
+          <a:fontRef idx="minor">
+            <a:schemeClr val="lt1"/>
+          </a:fontRef>
+        </p:style>
+        <p:txBody>
+          <a:bodyPr rtlCol="0" anchor="ctr"/>
+          <a:lstStyle/>
+          <a:p>
+            <a:pPr algn="ctr"/>
+            <a:r>
+              <a:rPr lang="ko-KR" altLang="en-US" sz="1400" dirty="0"/>
+              <a:t>검색</a:t>
+            </a:r>
+            <a:r>
+              <a:rPr lang="en-US" altLang="ko-KR" sz="1400" dirty="0"/>
+              <a:t>/</a:t>
+            </a:r>
+            <a:r>
+              <a:rPr lang="ko-KR" altLang="en-US" sz="1400" dirty="0"/>
+              <a:t>탐색</a:t>
+            </a:r>
+            <a:endParaRPr lang="en-US" altLang="ko-KR" sz="1400" dirty="0"/>
+          </a:p>
+        </p:txBody>
+      </p:sp>
+      <p:sp>
+        <p:nvSpPr>
+          <p:cNvPr id="22" name="직사각형 21">
+            <a:extLst>
+              <a:ext uri="{FF2B5EF4-FFF2-40B4-BE49-F238E27FC236}">
+                <a16:creationId xmlns:a16="http://schemas.microsoft.com/office/drawing/2014/main" id="{BE8371BE-52F3-4567-B8DD-595C35DA2AE6}"/>
+              </a:ext>
+            </a:extLst>
+          </p:cNvPr>
+          <p:cNvSpPr/>
+          <p:nvPr/>
+        </p:nvSpPr>
+        <p:spPr>
+          <a:xfrm>
+            <a:off x="4841132" y="1702341"/>
+            <a:ext cx="1254868" cy="252919"/>
+          </a:xfrm>
+          <a:prstGeom prst="rect">
+            <a:avLst/>
+          </a:prstGeom>
+          <a:solidFill>
+            <a:schemeClr val="accent4">
+              <a:lumMod val="75000"/>
+            </a:schemeClr>
+          </a:solidFill>
+          <a:ln>
+            <a:solidFill>
+              <a:srgbClr val="FF0000"/>
+            </a:solidFill>
+          </a:ln>
+        </p:spPr>
+        <p:style>
+          <a:lnRef idx="2">
+            <a:schemeClr val="accent1">
+              <a:shade val="50000"/>
+            </a:schemeClr>
+          </a:lnRef>
+          <a:fillRef idx="1">
+            <a:schemeClr val="accent1"/>
+          </a:fillRef>
+          <a:effectRef idx="0">
+            <a:schemeClr val="accent1"/>
+          </a:effectRef>
+          <a:fontRef idx="minor">
+            <a:schemeClr val="lt1"/>
+          </a:fontRef>
+        </p:style>
+        <p:txBody>
+          <a:bodyPr rtlCol="0" anchor="ctr"/>
+          <a:lstStyle/>
+          <a:p>
+            <a:pPr algn="ctr"/>
+            <a:r>
+              <a:rPr lang="ko-KR" altLang="en-US" sz="1400" dirty="0" err="1"/>
+              <a:t>홈화면</a:t>
+            </a:r>
+            <a:r>
+              <a:rPr lang="ko-KR" altLang="en-US" sz="1400" dirty="0"/>
+              <a:t> 보기</a:t>
+            </a:r>
+            <a:endParaRPr lang="en-US" altLang="ko-KR" sz="1400" dirty="0"/>
+          </a:p>
+        </p:txBody>
+      </p:sp>
+      <p:cxnSp>
+        <p:nvCxnSpPr>
+          <p:cNvPr id="24" name="직선 화살표 연결선 23">
+            <a:extLst>
+              <a:ext uri="{FF2B5EF4-FFF2-40B4-BE49-F238E27FC236}">
+                <a16:creationId xmlns:a16="http://schemas.microsoft.com/office/drawing/2014/main" id="{B9E70E87-FF99-457B-84E4-0768E0F2F2DB}"/>
+              </a:ext>
+            </a:extLst>
+          </p:cNvPr>
+          <p:cNvCxnSpPr>
+            <a:stCxn id="4" idx="2"/>
+            <a:endCxn id="5" idx="0"/>
+          </p:cNvCxnSpPr>
+          <p:nvPr/>
+        </p:nvCxnSpPr>
+        <p:spPr>
+          <a:xfrm>
+            <a:off x="1551561" y="656617"/>
+            <a:ext cx="0" cy="166992"/>
+          </a:xfrm>
+          <a:prstGeom prst="straightConnector1">
+            <a:avLst/>
+          </a:prstGeom>
+          <a:ln>
+            <a:tailEnd type="triangle"/>
+          </a:ln>
+        </p:spPr>
+        <p:style>
+          <a:lnRef idx="1">
+            <a:schemeClr val="accent1"/>
+          </a:lnRef>
+          <a:fillRef idx="0">
+            <a:schemeClr val="accent1"/>
+          </a:fillRef>
+          <a:effectRef idx="0">
+            <a:schemeClr val="accent1"/>
+          </a:effectRef>
+          <a:fontRef idx="minor">
+            <a:schemeClr val="tx1"/>
+          </a:fontRef>
+        </p:style>
+      </p:cxnSp>
+      <p:cxnSp>
+        <p:nvCxnSpPr>
+          <p:cNvPr id="25" name="직선 화살표 연결선 24">
+            <a:extLst>
+              <a:ext uri="{FF2B5EF4-FFF2-40B4-BE49-F238E27FC236}">
+                <a16:creationId xmlns:a16="http://schemas.microsoft.com/office/drawing/2014/main" id="{7AAF0248-2B6B-4A80-829E-39C87F11ABD9}"/>
+              </a:ext>
+            </a:extLst>
+          </p:cNvPr>
+          <p:cNvCxnSpPr>
+            <a:cxnSpLocks/>
+            <a:stCxn id="7" idx="3"/>
+            <a:endCxn id="20" idx="1"/>
+          </p:cNvCxnSpPr>
+          <p:nvPr/>
+        </p:nvCxnSpPr>
+        <p:spPr>
+          <a:xfrm flipV="1">
+            <a:off x="4027251" y="946826"/>
+            <a:ext cx="794426" cy="3243"/>
+          </a:xfrm>
+          <a:prstGeom prst="straightConnector1">
+            <a:avLst/>
+          </a:prstGeom>
+          <a:ln>
+            <a:tailEnd type="triangle"/>
+          </a:ln>
+        </p:spPr>
+        <p:style>
+          <a:lnRef idx="1">
+            <a:schemeClr val="accent1"/>
+          </a:lnRef>
+          <a:fillRef idx="0">
+            <a:schemeClr val="accent1"/>
+          </a:fillRef>
+          <a:effectRef idx="0">
+            <a:schemeClr val="accent1"/>
+          </a:effectRef>
+          <a:fontRef idx="minor">
+            <a:schemeClr val="tx1"/>
+          </a:fontRef>
+        </p:style>
+      </p:cxnSp>
+      <p:cxnSp>
+        <p:nvCxnSpPr>
+          <p:cNvPr id="28" name="연결선: 꺾임 27">
+            <a:extLst>
+              <a:ext uri="{FF2B5EF4-FFF2-40B4-BE49-F238E27FC236}">
+                <a16:creationId xmlns:a16="http://schemas.microsoft.com/office/drawing/2014/main" id="{0951A552-FA1D-48BF-A9E6-A02101CFE0B6}"/>
+              </a:ext>
+            </a:extLst>
+          </p:cNvPr>
+          <p:cNvCxnSpPr>
+            <a:cxnSpLocks/>
+            <a:stCxn id="7" idx="3"/>
+            <a:endCxn id="21" idx="1"/>
+          </p:cNvCxnSpPr>
+          <p:nvPr/>
+        </p:nvCxnSpPr>
+        <p:spPr>
+          <a:xfrm>
+            <a:off x="4027251" y="950069"/>
+            <a:ext cx="794426" cy="434501"/>
+          </a:xfrm>
+          <a:prstGeom prst="bentConnector3">
+            <a:avLst>
+              <a:gd name="adj1" fmla="val 50000"/>
+            </a:avLst>
+          </a:prstGeom>
+          <a:ln>
+            <a:tailEnd type="triangle"/>
+          </a:ln>
+        </p:spPr>
+        <p:style>
+          <a:lnRef idx="1">
+            <a:schemeClr val="accent1"/>
+          </a:lnRef>
+          <a:fillRef idx="0">
+            <a:schemeClr val="accent1"/>
+          </a:fillRef>
+          <a:effectRef idx="0">
+            <a:schemeClr val="accent1"/>
+          </a:effectRef>
+          <a:fontRef idx="minor">
+            <a:schemeClr val="tx1"/>
+          </a:fontRef>
+        </p:style>
+      </p:cxnSp>
+      <p:cxnSp>
+        <p:nvCxnSpPr>
+          <p:cNvPr id="31" name="연결선: 꺾임 30">
+            <a:extLst>
+              <a:ext uri="{FF2B5EF4-FFF2-40B4-BE49-F238E27FC236}">
+                <a16:creationId xmlns:a16="http://schemas.microsoft.com/office/drawing/2014/main" id="{98A3738C-5F3B-4737-9EBE-F4772539B537}"/>
+              </a:ext>
+            </a:extLst>
+          </p:cNvPr>
+          <p:cNvCxnSpPr>
+            <a:cxnSpLocks/>
+            <a:stCxn id="7" idx="3"/>
+            <a:endCxn id="22" idx="1"/>
+          </p:cNvCxnSpPr>
+          <p:nvPr/>
+        </p:nvCxnSpPr>
+        <p:spPr>
+          <a:xfrm>
+            <a:off x="4027251" y="950069"/>
+            <a:ext cx="813881" cy="878732"/>
+          </a:xfrm>
+          <a:prstGeom prst="bentConnector3">
+            <a:avLst>
+              <a:gd name="adj1" fmla="val 50000"/>
+            </a:avLst>
+          </a:prstGeom>
+          <a:ln>
+            <a:tailEnd type="triangle"/>
+          </a:ln>
+        </p:spPr>
+        <p:style>
+          <a:lnRef idx="1">
+            <a:schemeClr val="accent1"/>
+          </a:lnRef>
+          <a:fillRef idx="0">
+            <a:schemeClr val="accent1"/>
+          </a:fillRef>
+          <a:effectRef idx="0">
+            <a:schemeClr val="accent1"/>
+          </a:effectRef>
+          <a:fontRef idx="minor">
+            <a:schemeClr val="tx1"/>
+          </a:fontRef>
+        </p:style>
+      </p:cxnSp>
+      <p:cxnSp>
+        <p:nvCxnSpPr>
+          <p:cNvPr id="34" name="직선 화살표 연결선 33">
+            <a:extLst>
+              <a:ext uri="{FF2B5EF4-FFF2-40B4-BE49-F238E27FC236}">
+                <a16:creationId xmlns:a16="http://schemas.microsoft.com/office/drawing/2014/main" id="{BCBC3452-6F2E-448D-AB04-2B546B25CA29}"/>
+              </a:ext>
+            </a:extLst>
+          </p:cNvPr>
+          <p:cNvCxnSpPr>
+            <a:cxnSpLocks/>
+            <a:stCxn id="6" idx="6"/>
+            <a:endCxn id="4" idx="1"/>
+          </p:cNvCxnSpPr>
+          <p:nvPr/>
+        </p:nvCxnSpPr>
+        <p:spPr>
+          <a:xfrm>
+            <a:off x="612843" y="530158"/>
+            <a:ext cx="389105" cy="0"/>
+          </a:xfrm>
+          <a:prstGeom prst="straightConnector1">
+            <a:avLst/>
+          </a:prstGeom>
+          <a:ln>
+            <a:tailEnd type="triangle"/>
+          </a:ln>
+        </p:spPr>
+        <p:style>
+          <a:lnRef idx="1">
+            <a:schemeClr val="accent1"/>
+          </a:lnRef>
+          <a:fillRef idx="0">
+            <a:schemeClr val="accent1"/>
+          </a:fillRef>
+          <a:effectRef idx="0">
+            <a:schemeClr val="accent1"/>
+          </a:effectRef>
+          <a:fontRef idx="minor">
+            <a:schemeClr val="tx1"/>
+          </a:fontRef>
+        </p:style>
+      </p:cxnSp>
+      <p:sp>
+        <p:nvSpPr>
+          <p:cNvPr id="51" name="직사각형 50">
+            <a:extLst>
+              <a:ext uri="{FF2B5EF4-FFF2-40B4-BE49-F238E27FC236}">
+                <a16:creationId xmlns:a16="http://schemas.microsoft.com/office/drawing/2014/main" id="{CD07105C-A9AC-415A-99AA-AF20A532E3DD}"/>
+              </a:ext>
+            </a:extLst>
+          </p:cNvPr>
+          <p:cNvSpPr/>
+          <p:nvPr/>
+        </p:nvSpPr>
+        <p:spPr>
+          <a:xfrm>
+            <a:off x="8445484" y="235512"/>
+            <a:ext cx="1099226" cy="252919"/>
+          </a:xfrm>
+          <a:prstGeom prst="rect">
+            <a:avLst/>
+          </a:prstGeom>
+          <a:solidFill>
+            <a:schemeClr val="accent6">
+              <a:lumMod val="75000"/>
+            </a:schemeClr>
+          </a:solidFill>
+          <a:ln>
+            <a:solidFill>
+              <a:schemeClr val="tx1"/>
+            </a:solidFill>
+          </a:ln>
+        </p:spPr>
+        <p:style>
+          <a:lnRef idx="2">
+            <a:schemeClr val="accent1">
+              <a:shade val="50000"/>
+            </a:schemeClr>
+          </a:lnRef>
+          <a:fillRef idx="1">
+            <a:schemeClr val="accent1"/>
+          </a:fillRef>
+          <a:effectRef idx="0">
+            <a:schemeClr val="accent1"/>
+          </a:effectRef>
+          <a:fontRef idx="minor">
+            <a:schemeClr val="lt1"/>
+          </a:fontRef>
+        </p:style>
+        <p:txBody>
+          <a:bodyPr rtlCol="0" anchor="ctr"/>
+          <a:lstStyle/>
+          <a:p>
+            <a:pPr algn="ctr"/>
+            <a:r>
+              <a:rPr lang="ko-KR" altLang="en-US" sz="1400" dirty="0" err="1"/>
+              <a:t>전우성</a:t>
+            </a:r>
+            <a:endParaRPr lang="en-US" altLang="ko-KR" sz="1400" dirty="0"/>
+          </a:p>
+        </p:txBody>
+      </p:sp>
+      <p:sp>
+        <p:nvSpPr>
+          <p:cNvPr id="52" name="직사각형 51">
+            <a:extLst>
+              <a:ext uri="{FF2B5EF4-FFF2-40B4-BE49-F238E27FC236}">
+                <a16:creationId xmlns:a16="http://schemas.microsoft.com/office/drawing/2014/main" id="{F1C2B16D-600D-4CDB-A95D-4EF34A2B8A5E}"/>
+              </a:ext>
+            </a:extLst>
+          </p:cNvPr>
+          <p:cNvSpPr/>
+          <p:nvPr/>
+        </p:nvSpPr>
+        <p:spPr>
+          <a:xfrm>
+            <a:off x="9712640" y="241911"/>
+            <a:ext cx="1099226" cy="252919"/>
+          </a:xfrm>
+          <a:prstGeom prst="rect">
+            <a:avLst/>
+          </a:prstGeom>
+          <a:solidFill>
+            <a:schemeClr val="accent1">
+              <a:lumMod val="75000"/>
+            </a:schemeClr>
+          </a:solidFill>
+          <a:ln>
+            <a:solidFill>
+              <a:schemeClr val="tx1"/>
+            </a:solidFill>
+          </a:ln>
+        </p:spPr>
+        <p:style>
+          <a:lnRef idx="2">
+            <a:schemeClr val="accent1">
+              <a:shade val="50000"/>
+            </a:schemeClr>
+          </a:lnRef>
+          <a:fillRef idx="1">
+            <a:schemeClr val="accent1"/>
+          </a:fillRef>
+          <a:effectRef idx="0">
+            <a:schemeClr val="accent1"/>
+          </a:effectRef>
+          <a:fontRef idx="minor">
+            <a:schemeClr val="lt1"/>
+          </a:fontRef>
+        </p:style>
+        <p:txBody>
+          <a:bodyPr rtlCol="0" anchor="ctr"/>
+          <a:lstStyle/>
+          <a:p>
+            <a:pPr algn="ctr"/>
+            <a:r>
+              <a:rPr lang="ko-KR" altLang="en-US" sz="1400" dirty="0" err="1"/>
+              <a:t>주현종</a:t>
+            </a:r>
+            <a:endParaRPr lang="en-US" altLang="ko-KR" sz="1400" dirty="0"/>
+          </a:p>
+        </p:txBody>
+      </p:sp>
+      <p:sp>
+        <p:nvSpPr>
+          <p:cNvPr id="53" name="직사각형 52">
+            <a:extLst>
+              <a:ext uri="{FF2B5EF4-FFF2-40B4-BE49-F238E27FC236}">
+                <a16:creationId xmlns:a16="http://schemas.microsoft.com/office/drawing/2014/main" id="{7FFE4C43-FC6C-4F00-ADDE-64245692E41F}"/>
+              </a:ext>
+            </a:extLst>
+          </p:cNvPr>
+          <p:cNvSpPr/>
+          <p:nvPr/>
+        </p:nvSpPr>
+        <p:spPr>
+          <a:xfrm>
+            <a:off x="10979796" y="223736"/>
+            <a:ext cx="1099226" cy="252919"/>
+          </a:xfrm>
+          <a:prstGeom prst="rect">
+            <a:avLst/>
+          </a:prstGeom>
+          <a:solidFill>
+            <a:schemeClr val="accent4">
+              <a:lumMod val="75000"/>
+            </a:schemeClr>
+          </a:solidFill>
+          <a:ln>
+            <a:solidFill>
+              <a:schemeClr val="tx1"/>
+            </a:solidFill>
+          </a:ln>
+        </p:spPr>
+        <p:style>
+          <a:lnRef idx="2">
+            <a:schemeClr val="accent1">
+              <a:shade val="50000"/>
+            </a:schemeClr>
+          </a:lnRef>
+          <a:fillRef idx="1">
+            <a:schemeClr val="accent1"/>
+          </a:fillRef>
+          <a:effectRef idx="0">
+            <a:schemeClr val="accent1"/>
+          </a:effectRef>
+          <a:fontRef idx="minor">
+            <a:schemeClr val="lt1"/>
+          </a:fontRef>
+        </p:style>
+        <p:txBody>
+          <a:bodyPr rtlCol="0" anchor="ctr"/>
+          <a:lstStyle/>
+          <a:p>
+            <a:pPr algn="ctr"/>
+            <a:r>
+              <a:rPr lang="ko-KR" altLang="en-US" sz="1400" dirty="0" err="1"/>
+              <a:t>김건승</a:t>
+            </a:r>
+            <a:endParaRPr lang="en-US" altLang="ko-KR" sz="1400" dirty="0"/>
+          </a:p>
+        </p:txBody>
+      </p:sp>
+      <p:sp>
+        <p:nvSpPr>
+          <p:cNvPr id="55" name="직사각형 54">
+            <a:extLst>
+              <a:ext uri="{FF2B5EF4-FFF2-40B4-BE49-F238E27FC236}">
+                <a16:creationId xmlns:a16="http://schemas.microsoft.com/office/drawing/2014/main" id="{A6BBF2FE-894B-404B-8766-186E3C6B73FA}"/>
+              </a:ext>
+            </a:extLst>
+          </p:cNvPr>
+          <p:cNvSpPr/>
+          <p:nvPr/>
+        </p:nvSpPr>
+        <p:spPr>
+          <a:xfrm>
+            <a:off x="9367901" y="6166018"/>
+            <a:ext cx="2538219" cy="498589"/>
+          </a:xfrm>
+          <a:prstGeom prst="rect">
+            <a:avLst/>
+          </a:prstGeom>
+        </p:spPr>
+        <p:style>
+          <a:lnRef idx="2">
+            <a:schemeClr val="accent3">
+              <a:shade val="50000"/>
+            </a:schemeClr>
+          </a:lnRef>
+          <a:fillRef idx="1">
+            <a:schemeClr val="accent3"/>
+          </a:fillRef>
+          <a:effectRef idx="0">
+            <a:schemeClr val="accent3"/>
+          </a:effectRef>
+          <a:fontRef idx="minor">
+            <a:schemeClr val="lt1"/>
+          </a:fontRef>
+        </p:style>
+        <p:txBody>
+          <a:bodyPr rtlCol="0" anchor="ctr"/>
+          <a:lstStyle/>
+          <a:p>
+            <a:pPr algn="ctr"/>
+            <a:r>
+              <a:rPr lang="ko-KR" altLang="en-US" dirty="0"/>
+              <a:t>주요 기능 우선 순위</a:t>
+            </a:r>
+          </a:p>
+        </p:txBody>
+      </p:sp>
+    </p:spTree>
+    <p:extLst>
+      <p:ext uri="{BB962C8B-B14F-4D97-AF65-F5344CB8AC3E}">
+        <p14:creationId xmlns:p14="http://schemas.microsoft.com/office/powerpoint/2010/main" val="2256617060"/>
+      </p:ext>
+    </p:extLst>
+  </p:cSld>
+  <p:clrMapOvr>
+    <a:masterClrMapping/>
+  </p:clrMapOvr>
+</p:sld>
+</file>
+
+<file path=ppt/slides/slide3.xml><?xml version="1.0" encoding="utf-8"?>
+<p:sld xmlns:a="http://schemas.openxmlformats.org/drawingml/2006/main" xmlns:r="http://schemas.openxmlformats.org/officeDocument/2006/relationships" xmlns:p="http://schemas.openxmlformats.org/presentationml/2006/main">
+  <p:cSld>
+    <p:spTree>
+      <p:nvGrpSpPr>
+        <p:cNvPr id="1" name=""/>
+        <p:cNvGrpSpPr/>
+        <p:nvPr/>
+      </p:nvGrpSpPr>
+      <p:grpSpPr>
+        <a:xfrm>
+          <a:off x="0" y="0"/>
+          <a:ext cx="0" cy="0"/>
+          <a:chOff x="0" y="0"/>
+          <a:chExt cx="0" cy="0"/>
+        </a:xfrm>
+      </p:grpSpPr>
+      <p:sp>
+        <p:nvSpPr>
+          <p:cNvPr id="4" name="직사각형 3">
+            <a:extLst>
+              <a:ext uri="{FF2B5EF4-FFF2-40B4-BE49-F238E27FC236}">
+                <a16:creationId xmlns:a16="http://schemas.microsoft.com/office/drawing/2014/main" id="{7856C619-E4AD-4483-A794-A4893E6E420C}"/>
+              </a:ext>
+            </a:extLst>
+          </p:cNvPr>
+          <p:cNvSpPr/>
+          <p:nvPr/>
+        </p:nvSpPr>
+        <p:spPr>
+          <a:xfrm>
             <a:off x="866516" y="223735"/>
             <a:ext cx="1440000" cy="360000"/>
           </a:xfrm>
@@ -7371,6 +7441,3413 @@
     <p:extLst>
       <p:ext uri="{BB962C8B-B14F-4D97-AF65-F5344CB8AC3E}">
         <p14:creationId xmlns:p14="http://schemas.microsoft.com/office/powerpoint/2010/main" val="1969897684"/>
+      </p:ext>
+    </p:extLst>
+  </p:cSld>
+  <p:clrMapOvr>
+    <a:masterClrMapping/>
+  </p:clrMapOvr>
+</p:sld>
+</file>
+
+<file path=ppt/slides/slide4.xml><?xml version="1.0" encoding="utf-8"?>
+<p:sld xmlns:a="http://schemas.openxmlformats.org/drawingml/2006/main" xmlns:r="http://schemas.openxmlformats.org/officeDocument/2006/relationships" xmlns:p="http://schemas.openxmlformats.org/presentationml/2006/main">
+  <p:cSld>
+    <p:spTree>
+      <p:nvGrpSpPr>
+        <p:cNvPr id="1" name=""/>
+        <p:cNvGrpSpPr/>
+        <p:nvPr/>
+      </p:nvGrpSpPr>
+      <p:grpSpPr>
+        <a:xfrm>
+          <a:off x="0" y="0"/>
+          <a:ext cx="0" cy="0"/>
+          <a:chOff x="0" y="0"/>
+          <a:chExt cx="0" cy="0"/>
+        </a:xfrm>
+      </p:grpSpPr>
+      <p:sp>
+        <p:nvSpPr>
+          <p:cNvPr id="2" name="제목 1">
+            <a:extLst>
+              <a:ext uri="{FF2B5EF4-FFF2-40B4-BE49-F238E27FC236}">
+                <a16:creationId xmlns:a16="http://schemas.microsoft.com/office/drawing/2014/main" id="{8F297AC2-73CD-4171-8841-0FAA1D756B52}"/>
+              </a:ext>
+            </a:extLst>
+          </p:cNvPr>
+          <p:cNvSpPr>
+            <a:spLocks noGrp="1"/>
+          </p:cNvSpPr>
+          <p:nvPr>
+            <p:ph type="title"/>
+          </p:nvPr>
+        </p:nvSpPr>
+        <p:spPr/>
+        <p:txBody>
+          <a:bodyPr/>
+          <a:lstStyle/>
+          <a:p>
+            <a:r>
+              <a:rPr lang="en-US" altLang="ko-KR" dirty="0"/>
+              <a:t>2</a:t>
+            </a:r>
+            <a:r>
+              <a:rPr lang="ko-KR" altLang="en-US" dirty="0"/>
+              <a:t>차</a:t>
+            </a:r>
+          </a:p>
+        </p:txBody>
+      </p:sp>
+    </p:spTree>
+    <p:extLst>
+      <p:ext uri="{BB962C8B-B14F-4D97-AF65-F5344CB8AC3E}">
+        <p14:creationId xmlns:p14="http://schemas.microsoft.com/office/powerpoint/2010/main" val="3594174484"/>
+      </p:ext>
+    </p:extLst>
+  </p:cSld>
+  <p:clrMapOvr>
+    <a:masterClrMapping/>
+  </p:clrMapOvr>
+</p:sld>
+</file>
+
+<file path=ppt/slides/slide5.xml><?xml version="1.0" encoding="utf-8"?>
+<p:sld xmlns:a="http://schemas.openxmlformats.org/drawingml/2006/main" xmlns:r="http://schemas.openxmlformats.org/officeDocument/2006/relationships" xmlns:p="http://schemas.openxmlformats.org/presentationml/2006/main">
+  <p:cSld>
+    <p:spTree>
+      <p:nvGrpSpPr>
+        <p:cNvPr id="1" name=""/>
+        <p:cNvGrpSpPr/>
+        <p:nvPr/>
+      </p:nvGrpSpPr>
+      <p:grpSpPr>
+        <a:xfrm>
+          <a:off x="0" y="0"/>
+          <a:ext cx="0" cy="0"/>
+          <a:chOff x="0" y="0"/>
+          <a:chExt cx="0" cy="0"/>
+        </a:xfrm>
+      </p:grpSpPr>
+      <p:sp>
+        <p:nvSpPr>
+          <p:cNvPr id="4" name="직사각형 3">
+            <a:extLst>
+              <a:ext uri="{FF2B5EF4-FFF2-40B4-BE49-F238E27FC236}">
+                <a16:creationId xmlns:a16="http://schemas.microsoft.com/office/drawing/2014/main" id="{7856C619-E4AD-4483-A794-A4893E6E420C}"/>
+              </a:ext>
+            </a:extLst>
+          </p:cNvPr>
+          <p:cNvSpPr/>
+          <p:nvPr/>
+        </p:nvSpPr>
+        <p:spPr>
+          <a:xfrm>
+            <a:off x="866516" y="223735"/>
+            <a:ext cx="1440000" cy="360000"/>
+          </a:xfrm>
+          <a:prstGeom prst="rect">
+            <a:avLst/>
+          </a:prstGeom>
+          <a:solidFill>
+            <a:schemeClr val="accent6">
+              <a:lumMod val="75000"/>
+            </a:schemeClr>
+          </a:solidFill>
+          <a:ln>
+            <a:solidFill>
+              <a:srgbClr val="FF0000"/>
+            </a:solidFill>
+          </a:ln>
+        </p:spPr>
+        <p:style>
+          <a:lnRef idx="2">
+            <a:schemeClr val="accent1">
+              <a:shade val="50000"/>
+            </a:schemeClr>
+          </a:lnRef>
+          <a:fillRef idx="1">
+            <a:schemeClr val="accent1"/>
+          </a:fillRef>
+          <a:effectRef idx="0">
+            <a:schemeClr val="accent1"/>
+          </a:effectRef>
+          <a:fontRef idx="minor">
+            <a:schemeClr val="lt1"/>
+          </a:fontRef>
+        </p:style>
+        <p:txBody>
+          <a:bodyPr rtlCol="0" anchor="ctr"/>
+          <a:lstStyle/>
+          <a:p>
+            <a:pPr algn="ctr"/>
+            <a:r>
+              <a:rPr lang="ko-KR" altLang="en-US" sz="1400" dirty="0"/>
+              <a:t>회원가입</a:t>
+            </a:r>
+            <a:endParaRPr lang="en-US" altLang="ko-KR" sz="1400" dirty="0"/>
+          </a:p>
+        </p:txBody>
+      </p:sp>
+      <p:sp>
+        <p:nvSpPr>
+          <p:cNvPr id="5" name="직사각형 4">
+            <a:extLst>
+              <a:ext uri="{FF2B5EF4-FFF2-40B4-BE49-F238E27FC236}">
+                <a16:creationId xmlns:a16="http://schemas.microsoft.com/office/drawing/2014/main" id="{CD920B2D-E3AC-4730-A94E-ECA52B73D1AB}"/>
+              </a:ext>
+            </a:extLst>
+          </p:cNvPr>
+          <p:cNvSpPr/>
+          <p:nvPr/>
+        </p:nvSpPr>
+        <p:spPr>
+          <a:xfrm>
+            <a:off x="2584733" y="227017"/>
+            <a:ext cx="1440000" cy="360000"/>
+          </a:xfrm>
+          <a:prstGeom prst="rect">
+            <a:avLst/>
+          </a:prstGeom>
+          <a:solidFill>
+            <a:schemeClr val="accent6">
+              <a:lumMod val="75000"/>
+            </a:schemeClr>
+          </a:solidFill>
+          <a:ln>
+            <a:solidFill>
+              <a:srgbClr val="FF0000"/>
+            </a:solidFill>
+          </a:ln>
+        </p:spPr>
+        <p:style>
+          <a:lnRef idx="2">
+            <a:schemeClr val="accent1">
+              <a:shade val="50000"/>
+            </a:schemeClr>
+          </a:lnRef>
+          <a:fillRef idx="1">
+            <a:schemeClr val="accent1"/>
+          </a:fillRef>
+          <a:effectRef idx="0">
+            <a:schemeClr val="accent1"/>
+          </a:effectRef>
+          <a:fontRef idx="minor">
+            <a:schemeClr val="lt1"/>
+          </a:fontRef>
+        </p:style>
+        <p:txBody>
+          <a:bodyPr rtlCol="0" anchor="ctr"/>
+          <a:lstStyle/>
+          <a:p>
+            <a:pPr algn="ctr"/>
+            <a:r>
+              <a:rPr lang="ko-KR" altLang="en-US" sz="1400" dirty="0"/>
+              <a:t>로그인</a:t>
+            </a:r>
+            <a:endParaRPr lang="en-US" altLang="ko-KR" sz="1400" dirty="0"/>
+          </a:p>
+        </p:txBody>
+      </p:sp>
+      <p:sp>
+        <p:nvSpPr>
+          <p:cNvPr id="6" name="타원 5">
+            <a:extLst>
+              <a:ext uri="{FF2B5EF4-FFF2-40B4-BE49-F238E27FC236}">
+                <a16:creationId xmlns:a16="http://schemas.microsoft.com/office/drawing/2014/main" id="{C8D6FBD2-9C62-4D71-B570-BB224C4F09F3}"/>
+              </a:ext>
+            </a:extLst>
+          </p:cNvPr>
+          <p:cNvSpPr/>
+          <p:nvPr/>
+        </p:nvSpPr>
+        <p:spPr>
+          <a:xfrm>
+            <a:off x="183131" y="223735"/>
+            <a:ext cx="359924" cy="359924"/>
+          </a:xfrm>
+          <a:prstGeom prst="ellipse">
+            <a:avLst/>
+          </a:prstGeom>
+        </p:spPr>
+        <p:style>
+          <a:lnRef idx="2">
+            <a:schemeClr val="accent1">
+              <a:shade val="50000"/>
+            </a:schemeClr>
+          </a:lnRef>
+          <a:fillRef idx="1">
+            <a:schemeClr val="accent1"/>
+          </a:fillRef>
+          <a:effectRef idx="0">
+            <a:schemeClr val="accent1"/>
+          </a:effectRef>
+          <a:fontRef idx="minor">
+            <a:schemeClr val="lt1"/>
+          </a:fontRef>
+        </p:style>
+        <p:txBody>
+          <a:bodyPr rtlCol="0" anchor="ctr"/>
+          <a:lstStyle/>
+          <a:p>
+            <a:pPr algn="ctr"/>
+            <a:endParaRPr lang="ko-KR" altLang="en-US"/>
+          </a:p>
+        </p:txBody>
+      </p:sp>
+      <p:sp>
+        <p:nvSpPr>
+          <p:cNvPr id="7" name="직사각형 6">
+            <a:extLst>
+              <a:ext uri="{FF2B5EF4-FFF2-40B4-BE49-F238E27FC236}">
+                <a16:creationId xmlns:a16="http://schemas.microsoft.com/office/drawing/2014/main" id="{D119030E-1C22-4D28-AF70-7F74A3F2975F}"/>
+              </a:ext>
+            </a:extLst>
+          </p:cNvPr>
+          <p:cNvSpPr/>
+          <p:nvPr/>
+        </p:nvSpPr>
+        <p:spPr>
+          <a:xfrm>
+            <a:off x="118433" y="1311872"/>
+            <a:ext cx="1440000" cy="360000"/>
+          </a:xfrm>
+          <a:prstGeom prst="rect">
+            <a:avLst/>
+          </a:prstGeom>
+          <a:solidFill>
+            <a:schemeClr val="accent1">
+              <a:lumMod val="75000"/>
+            </a:schemeClr>
+          </a:solidFill>
+          <a:ln>
+            <a:solidFill>
+              <a:srgbClr val="FF0000"/>
+            </a:solidFill>
+          </a:ln>
+        </p:spPr>
+        <p:style>
+          <a:lnRef idx="2">
+            <a:schemeClr val="accent1">
+              <a:shade val="50000"/>
+            </a:schemeClr>
+          </a:lnRef>
+          <a:fillRef idx="1">
+            <a:schemeClr val="accent1"/>
+          </a:fillRef>
+          <a:effectRef idx="0">
+            <a:schemeClr val="accent1"/>
+          </a:effectRef>
+          <a:fontRef idx="minor">
+            <a:schemeClr val="lt1"/>
+          </a:fontRef>
+        </p:style>
+        <p:txBody>
+          <a:bodyPr rtlCol="0" anchor="ctr"/>
+          <a:lstStyle/>
+          <a:p>
+            <a:pPr algn="ctr"/>
+            <a:r>
+              <a:rPr lang="ko-KR" altLang="en-US" sz="1400" dirty="0"/>
+              <a:t>게시글 등록</a:t>
+            </a:r>
+            <a:endParaRPr lang="en-US" altLang="ko-KR" sz="1400" dirty="0"/>
+          </a:p>
+        </p:txBody>
+      </p:sp>
+      <p:sp>
+        <p:nvSpPr>
+          <p:cNvPr id="13" name="직사각형 12">
+            <a:extLst>
+              <a:ext uri="{FF2B5EF4-FFF2-40B4-BE49-F238E27FC236}">
+                <a16:creationId xmlns:a16="http://schemas.microsoft.com/office/drawing/2014/main" id="{CC3E30F3-EEE5-41CF-84A4-23C7D912A524}"/>
+              </a:ext>
+            </a:extLst>
+          </p:cNvPr>
+          <p:cNvSpPr/>
+          <p:nvPr/>
+        </p:nvSpPr>
+        <p:spPr>
+          <a:xfrm>
+            <a:off x="10680043" y="1311872"/>
+            <a:ext cx="1440000" cy="360000"/>
+          </a:xfrm>
+          <a:prstGeom prst="rect">
+            <a:avLst/>
+          </a:prstGeom>
+          <a:solidFill>
+            <a:schemeClr val="accent6">
+              <a:lumMod val="75000"/>
+            </a:schemeClr>
+          </a:solidFill>
+          <a:ln>
+            <a:solidFill>
+              <a:srgbClr val="FF0000"/>
+            </a:solidFill>
+          </a:ln>
+        </p:spPr>
+        <p:style>
+          <a:lnRef idx="2">
+            <a:schemeClr val="accent1">
+              <a:shade val="50000"/>
+            </a:schemeClr>
+          </a:lnRef>
+          <a:fillRef idx="1">
+            <a:schemeClr val="accent1"/>
+          </a:fillRef>
+          <a:effectRef idx="0">
+            <a:schemeClr val="accent1"/>
+          </a:effectRef>
+          <a:fontRef idx="minor">
+            <a:schemeClr val="lt1"/>
+          </a:fontRef>
+        </p:style>
+        <p:txBody>
+          <a:bodyPr rtlCol="0" anchor="ctr"/>
+          <a:lstStyle/>
+          <a:p>
+            <a:pPr algn="ctr"/>
+            <a:r>
+              <a:rPr lang="ko-KR" altLang="en-US" sz="1400" dirty="0" err="1"/>
+              <a:t>팔로우</a:t>
+            </a:r>
+            <a:r>
+              <a:rPr lang="ko-KR" altLang="en-US" sz="1400" dirty="0"/>
+              <a:t> 기능</a:t>
+            </a:r>
+            <a:endParaRPr lang="en-US" altLang="ko-KR" sz="1400" dirty="0"/>
+          </a:p>
+        </p:txBody>
+      </p:sp>
+      <p:sp>
+        <p:nvSpPr>
+          <p:cNvPr id="14" name="직사각형 13">
+            <a:extLst>
+              <a:ext uri="{FF2B5EF4-FFF2-40B4-BE49-F238E27FC236}">
+                <a16:creationId xmlns:a16="http://schemas.microsoft.com/office/drawing/2014/main" id="{0BD30CD7-F5FB-493A-848C-CC1803E3A94D}"/>
+              </a:ext>
+            </a:extLst>
+          </p:cNvPr>
+          <p:cNvSpPr/>
+          <p:nvPr/>
+        </p:nvSpPr>
+        <p:spPr>
+          <a:xfrm>
+            <a:off x="7640388" y="1306873"/>
+            <a:ext cx="1440000" cy="360000"/>
+          </a:xfrm>
+          <a:prstGeom prst="rect">
+            <a:avLst/>
+          </a:prstGeom>
+          <a:solidFill>
+            <a:schemeClr val="accent1">
+              <a:lumMod val="75000"/>
+            </a:schemeClr>
+          </a:solidFill>
+          <a:ln>
+            <a:solidFill>
+              <a:srgbClr val="FF0000"/>
+            </a:solidFill>
+          </a:ln>
+        </p:spPr>
+        <p:style>
+          <a:lnRef idx="2">
+            <a:schemeClr val="accent1">
+              <a:shade val="50000"/>
+            </a:schemeClr>
+          </a:lnRef>
+          <a:fillRef idx="1">
+            <a:schemeClr val="accent1"/>
+          </a:fillRef>
+          <a:effectRef idx="0">
+            <a:schemeClr val="accent1"/>
+          </a:effectRef>
+          <a:fontRef idx="minor">
+            <a:schemeClr val="lt1"/>
+          </a:fontRef>
+        </p:style>
+        <p:txBody>
+          <a:bodyPr rtlCol="0" anchor="ctr"/>
+          <a:lstStyle/>
+          <a:p>
+            <a:pPr algn="ctr"/>
+            <a:r>
+              <a:rPr lang="ko-KR" altLang="en-US" sz="1400" dirty="0"/>
+              <a:t>프로필 보기</a:t>
+            </a:r>
+            <a:endParaRPr lang="en-US" altLang="ko-KR" sz="1400" dirty="0"/>
+          </a:p>
+        </p:txBody>
+      </p:sp>
+      <p:cxnSp>
+        <p:nvCxnSpPr>
+          <p:cNvPr id="17" name="연결선: 꺾임 16">
+            <a:extLst>
+              <a:ext uri="{FF2B5EF4-FFF2-40B4-BE49-F238E27FC236}">
+                <a16:creationId xmlns:a16="http://schemas.microsoft.com/office/drawing/2014/main" id="{A4C7F794-1BF0-4525-BECE-681BD4A7FF1D}"/>
+              </a:ext>
+            </a:extLst>
+          </p:cNvPr>
+          <p:cNvCxnSpPr>
+            <a:cxnSpLocks/>
+            <a:stCxn id="5" idx="2"/>
+            <a:endCxn id="7" idx="0"/>
+          </p:cNvCxnSpPr>
+          <p:nvPr/>
+        </p:nvCxnSpPr>
+        <p:spPr>
+          <a:xfrm rot="5400000">
+            <a:off x="1709156" y="-283706"/>
+            <a:ext cx="724855" cy="2466300"/>
+          </a:xfrm>
+          <a:prstGeom prst="bentConnector3">
+            <a:avLst>
+              <a:gd name="adj1" fmla="val 50000"/>
+            </a:avLst>
+          </a:prstGeom>
+          <a:ln>
+            <a:tailEnd type="triangle"/>
+          </a:ln>
+        </p:spPr>
+        <p:style>
+          <a:lnRef idx="1">
+            <a:schemeClr val="accent1"/>
+          </a:lnRef>
+          <a:fillRef idx="0">
+            <a:schemeClr val="accent1"/>
+          </a:fillRef>
+          <a:effectRef idx="0">
+            <a:schemeClr val="accent1"/>
+          </a:effectRef>
+          <a:fontRef idx="minor">
+            <a:schemeClr val="tx1"/>
+          </a:fontRef>
+        </p:style>
+      </p:cxnSp>
+      <p:sp>
+        <p:nvSpPr>
+          <p:cNvPr id="20" name="직사각형 19">
+            <a:extLst>
+              <a:ext uri="{FF2B5EF4-FFF2-40B4-BE49-F238E27FC236}">
+                <a16:creationId xmlns:a16="http://schemas.microsoft.com/office/drawing/2014/main" id="{053D5B5E-E53B-492A-B065-90F4E453E1AC}"/>
+              </a:ext>
+            </a:extLst>
+          </p:cNvPr>
+          <p:cNvSpPr/>
+          <p:nvPr/>
+        </p:nvSpPr>
+        <p:spPr>
+          <a:xfrm>
+            <a:off x="116232" y="4334488"/>
+            <a:ext cx="1440000" cy="360000"/>
+          </a:xfrm>
+          <a:prstGeom prst="rect">
+            <a:avLst/>
+          </a:prstGeom>
+          <a:solidFill>
+            <a:schemeClr val="accent1">
+              <a:lumMod val="75000"/>
+            </a:schemeClr>
+          </a:solidFill>
+          <a:ln>
+            <a:solidFill>
+              <a:srgbClr val="FF0000"/>
+            </a:solidFill>
+          </a:ln>
+        </p:spPr>
+        <p:style>
+          <a:lnRef idx="2">
+            <a:schemeClr val="accent1">
+              <a:shade val="50000"/>
+            </a:schemeClr>
+          </a:lnRef>
+          <a:fillRef idx="1">
+            <a:schemeClr val="accent1"/>
+          </a:fillRef>
+          <a:effectRef idx="0">
+            <a:schemeClr val="accent1"/>
+          </a:effectRef>
+          <a:fontRef idx="minor">
+            <a:schemeClr val="lt1"/>
+          </a:fontRef>
+        </p:style>
+        <p:txBody>
+          <a:bodyPr rtlCol="0" anchor="ctr"/>
+          <a:lstStyle/>
+          <a:p>
+            <a:pPr algn="ctr"/>
+            <a:r>
+              <a:rPr lang="ko-KR" altLang="en-US" sz="1400" dirty="0"/>
+              <a:t>게시글 보기</a:t>
+            </a:r>
+            <a:endParaRPr lang="en-US" altLang="ko-KR" sz="1400" dirty="0"/>
+          </a:p>
+        </p:txBody>
+      </p:sp>
+      <p:sp>
+        <p:nvSpPr>
+          <p:cNvPr id="21" name="직사각형 20">
+            <a:extLst>
+              <a:ext uri="{FF2B5EF4-FFF2-40B4-BE49-F238E27FC236}">
+                <a16:creationId xmlns:a16="http://schemas.microsoft.com/office/drawing/2014/main" id="{126CA399-ECF8-4259-AE45-CE23527B72EB}"/>
+              </a:ext>
+            </a:extLst>
+          </p:cNvPr>
+          <p:cNvSpPr/>
+          <p:nvPr/>
+        </p:nvSpPr>
+        <p:spPr>
+          <a:xfrm>
+            <a:off x="4661663" y="4327203"/>
+            <a:ext cx="1440000" cy="360000"/>
+          </a:xfrm>
+          <a:prstGeom prst="rect">
+            <a:avLst/>
+          </a:prstGeom>
+          <a:solidFill>
+            <a:schemeClr val="accent6">
+              <a:lumMod val="75000"/>
+            </a:schemeClr>
+          </a:solidFill>
+          <a:ln>
+            <a:solidFill>
+              <a:srgbClr val="FF0000"/>
+            </a:solidFill>
+          </a:ln>
+        </p:spPr>
+        <p:style>
+          <a:lnRef idx="2">
+            <a:schemeClr val="accent1">
+              <a:shade val="50000"/>
+            </a:schemeClr>
+          </a:lnRef>
+          <a:fillRef idx="1">
+            <a:schemeClr val="accent1"/>
+          </a:fillRef>
+          <a:effectRef idx="0">
+            <a:schemeClr val="accent1"/>
+          </a:effectRef>
+          <a:fontRef idx="minor">
+            <a:schemeClr val="lt1"/>
+          </a:fontRef>
+        </p:style>
+        <p:txBody>
+          <a:bodyPr rtlCol="0" anchor="ctr"/>
+          <a:lstStyle/>
+          <a:p>
+            <a:pPr algn="ctr"/>
+            <a:r>
+              <a:rPr lang="ko-KR" altLang="en-US" sz="1400" dirty="0"/>
+              <a:t>검색</a:t>
+            </a:r>
+            <a:r>
+              <a:rPr lang="en-US" altLang="ko-KR" sz="1400" dirty="0"/>
+              <a:t>/</a:t>
+            </a:r>
+            <a:r>
+              <a:rPr lang="ko-KR" altLang="en-US" sz="1400" dirty="0"/>
+              <a:t>탐색</a:t>
+            </a:r>
+            <a:endParaRPr lang="en-US" altLang="ko-KR" sz="1400" dirty="0"/>
+          </a:p>
+        </p:txBody>
+      </p:sp>
+      <p:sp>
+        <p:nvSpPr>
+          <p:cNvPr id="22" name="직사각형 21">
+            <a:extLst>
+              <a:ext uri="{FF2B5EF4-FFF2-40B4-BE49-F238E27FC236}">
+                <a16:creationId xmlns:a16="http://schemas.microsoft.com/office/drawing/2014/main" id="{BE8371BE-52F3-4567-B8DD-595C35DA2AE6}"/>
+              </a:ext>
+            </a:extLst>
+          </p:cNvPr>
+          <p:cNvSpPr/>
+          <p:nvPr/>
+        </p:nvSpPr>
+        <p:spPr>
+          <a:xfrm>
+            <a:off x="9197011" y="1306872"/>
+            <a:ext cx="1440000" cy="360000"/>
+          </a:xfrm>
+          <a:prstGeom prst="rect">
+            <a:avLst/>
+          </a:prstGeom>
+          <a:solidFill>
+            <a:schemeClr val="accent6">
+              <a:lumMod val="75000"/>
+            </a:schemeClr>
+          </a:solidFill>
+          <a:ln>
+            <a:solidFill>
+              <a:srgbClr val="FF0000"/>
+            </a:solidFill>
+          </a:ln>
+        </p:spPr>
+        <p:style>
+          <a:lnRef idx="2">
+            <a:schemeClr val="accent1">
+              <a:shade val="50000"/>
+            </a:schemeClr>
+          </a:lnRef>
+          <a:fillRef idx="1">
+            <a:schemeClr val="accent1"/>
+          </a:fillRef>
+          <a:effectRef idx="0">
+            <a:schemeClr val="accent1"/>
+          </a:effectRef>
+          <a:fontRef idx="minor">
+            <a:schemeClr val="lt1"/>
+          </a:fontRef>
+        </p:style>
+        <p:txBody>
+          <a:bodyPr rtlCol="0" anchor="ctr"/>
+          <a:lstStyle/>
+          <a:p>
+            <a:pPr algn="ctr"/>
+            <a:r>
+              <a:rPr lang="ko-KR" altLang="en-US" sz="1400" dirty="0" err="1"/>
+              <a:t>홈화면</a:t>
+            </a:r>
+            <a:r>
+              <a:rPr lang="ko-KR" altLang="en-US" sz="1400" dirty="0"/>
+              <a:t> 보기</a:t>
+            </a:r>
+            <a:endParaRPr lang="en-US" altLang="ko-KR" sz="1400" dirty="0"/>
+          </a:p>
+        </p:txBody>
+      </p:sp>
+      <p:cxnSp>
+        <p:nvCxnSpPr>
+          <p:cNvPr id="24" name="직선 화살표 연결선 23">
+            <a:extLst>
+              <a:ext uri="{FF2B5EF4-FFF2-40B4-BE49-F238E27FC236}">
+                <a16:creationId xmlns:a16="http://schemas.microsoft.com/office/drawing/2014/main" id="{B9E70E87-FF99-457B-84E4-0768E0F2F2DB}"/>
+              </a:ext>
+            </a:extLst>
+          </p:cNvPr>
+          <p:cNvCxnSpPr>
+            <a:cxnSpLocks/>
+            <a:stCxn id="4" idx="3"/>
+            <a:endCxn id="5" idx="1"/>
+          </p:cNvCxnSpPr>
+          <p:nvPr/>
+        </p:nvCxnSpPr>
+        <p:spPr>
+          <a:xfrm>
+            <a:off x="2306516" y="403735"/>
+            <a:ext cx="278217" cy="3282"/>
+          </a:xfrm>
+          <a:prstGeom prst="straightConnector1">
+            <a:avLst/>
+          </a:prstGeom>
+          <a:ln>
+            <a:tailEnd type="triangle"/>
+          </a:ln>
+        </p:spPr>
+        <p:style>
+          <a:lnRef idx="1">
+            <a:schemeClr val="accent1"/>
+          </a:lnRef>
+          <a:fillRef idx="0">
+            <a:schemeClr val="accent1"/>
+          </a:fillRef>
+          <a:effectRef idx="0">
+            <a:schemeClr val="accent1"/>
+          </a:effectRef>
+          <a:fontRef idx="minor">
+            <a:schemeClr val="tx1"/>
+          </a:fontRef>
+        </p:style>
+      </p:cxnSp>
+      <p:cxnSp>
+        <p:nvCxnSpPr>
+          <p:cNvPr id="25" name="직선 화살표 연결선 24">
+            <a:extLst>
+              <a:ext uri="{FF2B5EF4-FFF2-40B4-BE49-F238E27FC236}">
+                <a16:creationId xmlns:a16="http://schemas.microsoft.com/office/drawing/2014/main" id="{7AAF0248-2B6B-4A80-829E-39C87F11ABD9}"/>
+              </a:ext>
+            </a:extLst>
+          </p:cNvPr>
+          <p:cNvCxnSpPr>
+            <a:cxnSpLocks/>
+            <a:stCxn id="7" idx="2"/>
+            <a:endCxn id="20" idx="0"/>
+          </p:cNvCxnSpPr>
+          <p:nvPr/>
+        </p:nvCxnSpPr>
+        <p:spPr>
+          <a:xfrm flipH="1">
+            <a:off x="836232" y="1671872"/>
+            <a:ext cx="2201" cy="2662616"/>
+          </a:xfrm>
+          <a:prstGeom prst="straightConnector1">
+            <a:avLst/>
+          </a:prstGeom>
+          <a:ln>
+            <a:tailEnd type="triangle"/>
+          </a:ln>
+        </p:spPr>
+        <p:style>
+          <a:lnRef idx="1">
+            <a:schemeClr val="accent1"/>
+          </a:lnRef>
+          <a:fillRef idx="0">
+            <a:schemeClr val="accent1"/>
+          </a:fillRef>
+          <a:effectRef idx="0">
+            <a:schemeClr val="accent1"/>
+          </a:effectRef>
+          <a:fontRef idx="minor">
+            <a:schemeClr val="tx1"/>
+          </a:fontRef>
+        </p:style>
+      </p:cxnSp>
+      <p:cxnSp>
+        <p:nvCxnSpPr>
+          <p:cNvPr id="34" name="직선 화살표 연결선 33">
+            <a:extLst>
+              <a:ext uri="{FF2B5EF4-FFF2-40B4-BE49-F238E27FC236}">
+                <a16:creationId xmlns:a16="http://schemas.microsoft.com/office/drawing/2014/main" id="{BCBC3452-6F2E-448D-AB04-2B546B25CA29}"/>
+              </a:ext>
+            </a:extLst>
+          </p:cNvPr>
+          <p:cNvCxnSpPr>
+            <a:cxnSpLocks/>
+            <a:stCxn id="6" idx="6"/>
+            <a:endCxn id="4" idx="1"/>
+          </p:cNvCxnSpPr>
+          <p:nvPr/>
+        </p:nvCxnSpPr>
+        <p:spPr>
+          <a:xfrm>
+            <a:off x="543055" y="403697"/>
+            <a:ext cx="323461" cy="38"/>
+          </a:xfrm>
+          <a:prstGeom prst="straightConnector1">
+            <a:avLst/>
+          </a:prstGeom>
+          <a:ln>
+            <a:tailEnd type="triangle"/>
+          </a:ln>
+        </p:spPr>
+        <p:style>
+          <a:lnRef idx="1">
+            <a:schemeClr val="accent1"/>
+          </a:lnRef>
+          <a:fillRef idx="0">
+            <a:schemeClr val="accent1"/>
+          </a:fillRef>
+          <a:effectRef idx="0">
+            <a:schemeClr val="accent1"/>
+          </a:effectRef>
+          <a:fontRef idx="minor">
+            <a:schemeClr val="tx1"/>
+          </a:fontRef>
+        </p:style>
+      </p:cxnSp>
+      <p:sp>
+        <p:nvSpPr>
+          <p:cNvPr id="51" name="직사각형 50">
+            <a:extLst>
+              <a:ext uri="{FF2B5EF4-FFF2-40B4-BE49-F238E27FC236}">
+                <a16:creationId xmlns:a16="http://schemas.microsoft.com/office/drawing/2014/main" id="{CD07105C-A9AC-415A-99AA-AF20A532E3DD}"/>
+              </a:ext>
+            </a:extLst>
+          </p:cNvPr>
+          <p:cNvSpPr/>
+          <p:nvPr/>
+        </p:nvSpPr>
+        <p:spPr>
+          <a:xfrm>
+            <a:off x="7491845" y="193393"/>
+            <a:ext cx="1440000" cy="360000"/>
+          </a:xfrm>
+          <a:prstGeom prst="rect">
+            <a:avLst/>
+          </a:prstGeom>
+          <a:solidFill>
+            <a:schemeClr val="accent6">
+              <a:lumMod val="75000"/>
+            </a:schemeClr>
+          </a:solidFill>
+          <a:ln>
+            <a:solidFill>
+              <a:schemeClr val="tx1"/>
+            </a:solidFill>
+          </a:ln>
+        </p:spPr>
+        <p:style>
+          <a:lnRef idx="2">
+            <a:schemeClr val="accent1">
+              <a:shade val="50000"/>
+            </a:schemeClr>
+          </a:lnRef>
+          <a:fillRef idx="1">
+            <a:schemeClr val="accent1"/>
+          </a:fillRef>
+          <a:effectRef idx="0">
+            <a:schemeClr val="accent1"/>
+          </a:effectRef>
+          <a:fontRef idx="minor">
+            <a:schemeClr val="lt1"/>
+          </a:fontRef>
+        </p:style>
+        <p:txBody>
+          <a:bodyPr rtlCol="0" anchor="ctr"/>
+          <a:lstStyle/>
+          <a:p>
+            <a:pPr algn="ctr"/>
+            <a:r>
+              <a:rPr lang="ko-KR" altLang="en-US" sz="1400" dirty="0" err="1"/>
+              <a:t>전우성</a:t>
+            </a:r>
+            <a:endParaRPr lang="en-US" altLang="ko-KR" sz="1400" dirty="0"/>
+          </a:p>
+        </p:txBody>
+      </p:sp>
+      <p:sp>
+        <p:nvSpPr>
+          <p:cNvPr id="52" name="직사각형 51">
+            <a:extLst>
+              <a:ext uri="{FF2B5EF4-FFF2-40B4-BE49-F238E27FC236}">
+                <a16:creationId xmlns:a16="http://schemas.microsoft.com/office/drawing/2014/main" id="{F1C2B16D-600D-4CDB-A95D-4EF34A2B8A5E}"/>
+              </a:ext>
+            </a:extLst>
+          </p:cNvPr>
+          <p:cNvSpPr/>
+          <p:nvPr/>
+        </p:nvSpPr>
+        <p:spPr>
+          <a:xfrm>
+            <a:off x="9019249" y="193393"/>
+            <a:ext cx="1440000" cy="360000"/>
+          </a:xfrm>
+          <a:prstGeom prst="rect">
+            <a:avLst/>
+          </a:prstGeom>
+          <a:solidFill>
+            <a:schemeClr val="accent1">
+              <a:lumMod val="75000"/>
+            </a:schemeClr>
+          </a:solidFill>
+          <a:ln>
+            <a:solidFill>
+              <a:schemeClr val="tx1"/>
+            </a:solidFill>
+          </a:ln>
+        </p:spPr>
+        <p:style>
+          <a:lnRef idx="2">
+            <a:schemeClr val="accent1">
+              <a:shade val="50000"/>
+            </a:schemeClr>
+          </a:lnRef>
+          <a:fillRef idx="1">
+            <a:schemeClr val="accent1"/>
+          </a:fillRef>
+          <a:effectRef idx="0">
+            <a:schemeClr val="accent1"/>
+          </a:effectRef>
+          <a:fontRef idx="minor">
+            <a:schemeClr val="lt1"/>
+          </a:fontRef>
+        </p:style>
+        <p:txBody>
+          <a:bodyPr rtlCol="0" anchor="ctr"/>
+          <a:lstStyle/>
+          <a:p>
+            <a:pPr algn="ctr"/>
+            <a:r>
+              <a:rPr lang="ko-KR" altLang="en-US" sz="1400" dirty="0" err="1"/>
+              <a:t>주현종</a:t>
+            </a:r>
+            <a:endParaRPr lang="en-US" altLang="ko-KR" sz="1400" dirty="0"/>
+          </a:p>
+        </p:txBody>
+      </p:sp>
+      <p:sp>
+        <p:nvSpPr>
+          <p:cNvPr id="53" name="직사각형 52">
+            <a:extLst>
+              <a:ext uri="{FF2B5EF4-FFF2-40B4-BE49-F238E27FC236}">
+                <a16:creationId xmlns:a16="http://schemas.microsoft.com/office/drawing/2014/main" id="{7FFE4C43-FC6C-4F00-ADDE-64245692E41F}"/>
+              </a:ext>
+            </a:extLst>
+          </p:cNvPr>
+          <p:cNvSpPr/>
+          <p:nvPr/>
+        </p:nvSpPr>
+        <p:spPr>
+          <a:xfrm>
+            <a:off x="10568869" y="193393"/>
+            <a:ext cx="1440000" cy="360000"/>
+          </a:xfrm>
+          <a:prstGeom prst="rect">
+            <a:avLst/>
+          </a:prstGeom>
+          <a:solidFill>
+            <a:schemeClr val="accent4">
+              <a:lumMod val="75000"/>
+            </a:schemeClr>
+          </a:solidFill>
+          <a:ln>
+            <a:solidFill>
+              <a:schemeClr val="tx1"/>
+            </a:solidFill>
+          </a:ln>
+        </p:spPr>
+        <p:style>
+          <a:lnRef idx="2">
+            <a:schemeClr val="accent1">
+              <a:shade val="50000"/>
+            </a:schemeClr>
+          </a:lnRef>
+          <a:fillRef idx="1">
+            <a:schemeClr val="accent1"/>
+          </a:fillRef>
+          <a:effectRef idx="0">
+            <a:schemeClr val="accent1"/>
+          </a:effectRef>
+          <a:fontRef idx="minor">
+            <a:schemeClr val="lt1"/>
+          </a:fontRef>
+        </p:style>
+        <p:txBody>
+          <a:bodyPr rtlCol="0" anchor="ctr"/>
+          <a:lstStyle/>
+          <a:p>
+            <a:pPr algn="ctr"/>
+            <a:r>
+              <a:rPr lang="ko-KR" altLang="en-US" sz="1400" dirty="0" err="1"/>
+              <a:t>김건승</a:t>
+            </a:r>
+            <a:endParaRPr lang="en-US" altLang="ko-KR" sz="1400" dirty="0"/>
+          </a:p>
+        </p:txBody>
+      </p:sp>
+      <p:sp>
+        <p:nvSpPr>
+          <p:cNvPr id="23" name="직사각형 22">
+            <a:extLst>
+              <a:ext uri="{FF2B5EF4-FFF2-40B4-BE49-F238E27FC236}">
+                <a16:creationId xmlns:a16="http://schemas.microsoft.com/office/drawing/2014/main" id="{B9ECB89F-6337-4E1C-B82F-E7A2B9CC514B}"/>
+              </a:ext>
+            </a:extLst>
+          </p:cNvPr>
+          <p:cNvSpPr/>
+          <p:nvPr/>
+        </p:nvSpPr>
+        <p:spPr>
+          <a:xfrm>
+            <a:off x="3235033" y="5979285"/>
+            <a:ext cx="1440000" cy="360000"/>
+          </a:xfrm>
+          <a:prstGeom prst="rect">
+            <a:avLst/>
+          </a:prstGeom>
+          <a:solidFill>
+            <a:schemeClr val="accent6">
+              <a:lumMod val="75000"/>
+            </a:schemeClr>
+          </a:solidFill>
+          <a:ln w="25400">
+            <a:solidFill>
+              <a:srgbClr val="00B0F0"/>
+            </a:solidFill>
+          </a:ln>
+        </p:spPr>
+        <p:style>
+          <a:lnRef idx="2">
+            <a:schemeClr val="accent1">
+              <a:shade val="50000"/>
+            </a:schemeClr>
+          </a:lnRef>
+          <a:fillRef idx="1">
+            <a:schemeClr val="accent1"/>
+          </a:fillRef>
+          <a:effectRef idx="0">
+            <a:schemeClr val="accent1"/>
+          </a:effectRef>
+          <a:fontRef idx="minor">
+            <a:schemeClr val="lt1"/>
+          </a:fontRef>
+        </p:style>
+        <p:txBody>
+          <a:bodyPr rtlCol="0" anchor="ctr"/>
+          <a:lstStyle/>
+          <a:p>
+            <a:pPr algn="ctr"/>
+            <a:r>
+              <a:rPr lang="ko-KR" altLang="en-US" sz="1400" dirty="0"/>
+              <a:t>알림</a:t>
+            </a:r>
+            <a:endParaRPr lang="en-US" altLang="ko-KR" sz="1400" dirty="0"/>
+          </a:p>
+        </p:txBody>
+      </p:sp>
+      <p:sp>
+        <p:nvSpPr>
+          <p:cNvPr id="26" name="직사각형 25">
+            <a:extLst>
+              <a:ext uri="{FF2B5EF4-FFF2-40B4-BE49-F238E27FC236}">
+                <a16:creationId xmlns:a16="http://schemas.microsoft.com/office/drawing/2014/main" id="{7FF73CC5-803E-40AE-8716-CD0E4E147310}"/>
+              </a:ext>
+            </a:extLst>
+          </p:cNvPr>
+          <p:cNvSpPr/>
+          <p:nvPr/>
+        </p:nvSpPr>
+        <p:spPr>
+          <a:xfrm>
+            <a:off x="4620132" y="1310383"/>
+            <a:ext cx="1440000" cy="360000"/>
+          </a:xfrm>
+          <a:prstGeom prst="rect">
+            <a:avLst/>
+          </a:prstGeom>
+          <a:solidFill>
+            <a:schemeClr val="accent6">
+              <a:lumMod val="75000"/>
+            </a:schemeClr>
+          </a:solidFill>
+          <a:ln w="25400">
+            <a:solidFill>
+              <a:srgbClr val="FFFF00"/>
+            </a:solidFill>
+          </a:ln>
+        </p:spPr>
+        <p:style>
+          <a:lnRef idx="2">
+            <a:schemeClr val="accent1">
+              <a:shade val="50000"/>
+            </a:schemeClr>
+          </a:lnRef>
+          <a:fillRef idx="1">
+            <a:schemeClr val="accent1"/>
+          </a:fillRef>
+          <a:effectRef idx="0">
+            <a:schemeClr val="accent1"/>
+          </a:effectRef>
+          <a:fontRef idx="minor">
+            <a:schemeClr val="lt1"/>
+          </a:fontRef>
+        </p:style>
+        <p:txBody>
+          <a:bodyPr rtlCol="0" anchor="ctr"/>
+          <a:lstStyle/>
+          <a:p>
+            <a:pPr algn="ctr"/>
+            <a:r>
+              <a:rPr lang="ko-KR" altLang="en-US" sz="1400" dirty="0"/>
+              <a:t>회원 탈퇴</a:t>
+            </a:r>
+            <a:endParaRPr lang="en-US" altLang="ko-KR" sz="1400" dirty="0"/>
+          </a:p>
+        </p:txBody>
+      </p:sp>
+      <p:sp>
+        <p:nvSpPr>
+          <p:cNvPr id="27" name="직사각형 26">
+            <a:extLst>
+              <a:ext uri="{FF2B5EF4-FFF2-40B4-BE49-F238E27FC236}">
+                <a16:creationId xmlns:a16="http://schemas.microsoft.com/office/drawing/2014/main" id="{28B1A44F-20B4-45D5-A6EB-0C19E262DC56}"/>
+              </a:ext>
+            </a:extLst>
+          </p:cNvPr>
+          <p:cNvSpPr/>
+          <p:nvPr/>
+        </p:nvSpPr>
+        <p:spPr>
+          <a:xfrm>
+            <a:off x="3121377" y="1309371"/>
+            <a:ext cx="1440000" cy="360000"/>
+          </a:xfrm>
+          <a:prstGeom prst="rect">
+            <a:avLst/>
+          </a:prstGeom>
+          <a:solidFill>
+            <a:schemeClr val="accent4">
+              <a:lumMod val="75000"/>
+            </a:schemeClr>
+          </a:solidFill>
+          <a:ln w="25400">
+            <a:solidFill>
+              <a:srgbClr val="FF0000"/>
+            </a:solidFill>
+          </a:ln>
+        </p:spPr>
+        <p:style>
+          <a:lnRef idx="2">
+            <a:schemeClr val="accent1">
+              <a:shade val="50000"/>
+            </a:schemeClr>
+          </a:lnRef>
+          <a:fillRef idx="1">
+            <a:schemeClr val="accent1"/>
+          </a:fillRef>
+          <a:effectRef idx="0">
+            <a:schemeClr val="accent1"/>
+          </a:effectRef>
+          <a:fontRef idx="minor">
+            <a:schemeClr val="lt1"/>
+          </a:fontRef>
+        </p:style>
+        <p:txBody>
+          <a:bodyPr rtlCol="0" anchor="ctr"/>
+          <a:lstStyle/>
+          <a:p>
+            <a:pPr algn="ctr"/>
+            <a:r>
+              <a:rPr lang="ko-KR" altLang="en-US" sz="1400" dirty="0"/>
+              <a:t>프로필 편집</a:t>
+            </a:r>
+            <a:endParaRPr lang="en-US" altLang="ko-KR" sz="1400" dirty="0"/>
+          </a:p>
+        </p:txBody>
+      </p:sp>
+      <p:sp>
+        <p:nvSpPr>
+          <p:cNvPr id="29" name="직사각형 28">
+            <a:extLst>
+              <a:ext uri="{FF2B5EF4-FFF2-40B4-BE49-F238E27FC236}">
+                <a16:creationId xmlns:a16="http://schemas.microsoft.com/office/drawing/2014/main" id="{B69107BD-8002-485C-AD01-65B38F828778}"/>
+              </a:ext>
+            </a:extLst>
+          </p:cNvPr>
+          <p:cNvSpPr/>
+          <p:nvPr/>
+        </p:nvSpPr>
+        <p:spPr>
+          <a:xfrm>
+            <a:off x="1616617" y="1306874"/>
+            <a:ext cx="1440000" cy="360000"/>
+          </a:xfrm>
+          <a:prstGeom prst="rect">
+            <a:avLst/>
+          </a:prstGeom>
+          <a:solidFill>
+            <a:schemeClr val="accent4">
+              <a:lumMod val="75000"/>
+            </a:schemeClr>
+          </a:solidFill>
+          <a:ln w="25400">
+            <a:solidFill>
+              <a:srgbClr val="FF0000"/>
+            </a:solidFill>
+          </a:ln>
+        </p:spPr>
+        <p:style>
+          <a:lnRef idx="2">
+            <a:schemeClr val="accent1">
+              <a:shade val="50000"/>
+            </a:schemeClr>
+          </a:lnRef>
+          <a:fillRef idx="1">
+            <a:schemeClr val="accent1"/>
+          </a:fillRef>
+          <a:effectRef idx="0">
+            <a:schemeClr val="accent1"/>
+          </a:effectRef>
+          <a:fontRef idx="minor">
+            <a:schemeClr val="lt1"/>
+          </a:fontRef>
+        </p:style>
+        <p:txBody>
+          <a:bodyPr rtlCol="0" anchor="ctr"/>
+          <a:lstStyle/>
+          <a:p>
+            <a:pPr algn="ctr"/>
+            <a:r>
+              <a:rPr lang="ko-KR" altLang="en-US" sz="1400" dirty="0"/>
+              <a:t>계정 설정</a:t>
+            </a:r>
+            <a:endParaRPr lang="en-US" altLang="ko-KR" sz="1400" dirty="0"/>
+          </a:p>
+        </p:txBody>
+      </p:sp>
+      <p:sp>
+        <p:nvSpPr>
+          <p:cNvPr id="32" name="직사각형 31">
+            <a:extLst>
+              <a:ext uri="{FF2B5EF4-FFF2-40B4-BE49-F238E27FC236}">
+                <a16:creationId xmlns:a16="http://schemas.microsoft.com/office/drawing/2014/main" id="{2B514E71-11B4-481E-A78F-5B87477B5146}"/>
+              </a:ext>
+            </a:extLst>
+          </p:cNvPr>
+          <p:cNvSpPr/>
+          <p:nvPr/>
+        </p:nvSpPr>
+        <p:spPr>
+          <a:xfrm>
+            <a:off x="3108547" y="4330393"/>
+            <a:ext cx="1440000" cy="360000"/>
+          </a:xfrm>
+          <a:prstGeom prst="rect">
+            <a:avLst/>
+          </a:prstGeom>
+          <a:solidFill>
+            <a:schemeClr val="accent1">
+              <a:lumMod val="75000"/>
+            </a:schemeClr>
+          </a:solidFill>
+          <a:ln w="25400">
+            <a:solidFill>
+              <a:srgbClr val="00B0F0"/>
+            </a:solidFill>
+          </a:ln>
+        </p:spPr>
+        <p:style>
+          <a:lnRef idx="2">
+            <a:schemeClr val="accent1">
+              <a:shade val="50000"/>
+            </a:schemeClr>
+          </a:lnRef>
+          <a:fillRef idx="1">
+            <a:schemeClr val="accent1"/>
+          </a:fillRef>
+          <a:effectRef idx="0">
+            <a:schemeClr val="accent1"/>
+          </a:effectRef>
+          <a:fontRef idx="minor">
+            <a:schemeClr val="lt1"/>
+          </a:fontRef>
+        </p:style>
+        <p:txBody>
+          <a:bodyPr rtlCol="0" anchor="ctr"/>
+          <a:lstStyle/>
+          <a:p>
+            <a:pPr algn="ctr"/>
+            <a:r>
+              <a:rPr lang="ko-KR" altLang="en-US" sz="1400" dirty="0"/>
+              <a:t>게시글 삭제</a:t>
+            </a:r>
+            <a:endParaRPr lang="en-US" altLang="ko-KR" sz="1400" dirty="0"/>
+          </a:p>
+        </p:txBody>
+      </p:sp>
+      <p:sp>
+        <p:nvSpPr>
+          <p:cNvPr id="33" name="직사각형 32">
+            <a:extLst>
+              <a:ext uri="{FF2B5EF4-FFF2-40B4-BE49-F238E27FC236}">
+                <a16:creationId xmlns:a16="http://schemas.microsoft.com/office/drawing/2014/main" id="{B089A535-95B4-4F5A-AA62-DB99CECB6901}"/>
+              </a:ext>
+            </a:extLst>
+          </p:cNvPr>
+          <p:cNvSpPr/>
+          <p:nvPr/>
+        </p:nvSpPr>
+        <p:spPr>
+          <a:xfrm>
+            <a:off x="1609885" y="4331296"/>
+            <a:ext cx="1440000" cy="360000"/>
+          </a:xfrm>
+          <a:prstGeom prst="rect">
+            <a:avLst/>
+          </a:prstGeom>
+          <a:solidFill>
+            <a:schemeClr val="accent1">
+              <a:lumMod val="75000"/>
+            </a:schemeClr>
+          </a:solidFill>
+          <a:ln w="25400">
+            <a:solidFill>
+              <a:srgbClr val="FFFF00"/>
+            </a:solidFill>
+          </a:ln>
+        </p:spPr>
+        <p:style>
+          <a:lnRef idx="2">
+            <a:schemeClr val="accent1">
+              <a:shade val="50000"/>
+            </a:schemeClr>
+          </a:lnRef>
+          <a:fillRef idx="1">
+            <a:schemeClr val="accent1"/>
+          </a:fillRef>
+          <a:effectRef idx="0">
+            <a:schemeClr val="accent1"/>
+          </a:effectRef>
+          <a:fontRef idx="minor">
+            <a:schemeClr val="lt1"/>
+          </a:fontRef>
+        </p:style>
+        <p:txBody>
+          <a:bodyPr rtlCol="0" anchor="ctr"/>
+          <a:lstStyle/>
+          <a:p>
+            <a:pPr algn="ctr"/>
+            <a:r>
+              <a:rPr lang="ko-KR" altLang="en-US" sz="1400" dirty="0"/>
+              <a:t>게시글 수정</a:t>
+            </a:r>
+            <a:endParaRPr lang="en-US" altLang="ko-KR" sz="1400" dirty="0"/>
+          </a:p>
+        </p:txBody>
+      </p:sp>
+      <p:sp>
+        <p:nvSpPr>
+          <p:cNvPr id="35" name="직사각형 34">
+            <a:extLst>
+              <a:ext uri="{FF2B5EF4-FFF2-40B4-BE49-F238E27FC236}">
+                <a16:creationId xmlns:a16="http://schemas.microsoft.com/office/drawing/2014/main" id="{7EFCA2C4-0B57-41A8-9B13-E3963A5EEB46}"/>
+              </a:ext>
+            </a:extLst>
+          </p:cNvPr>
+          <p:cNvSpPr/>
+          <p:nvPr/>
+        </p:nvSpPr>
+        <p:spPr>
+          <a:xfrm>
+            <a:off x="116232" y="5232792"/>
+            <a:ext cx="1440000" cy="360000"/>
+          </a:xfrm>
+          <a:prstGeom prst="rect">
+            <a:avLst/>
+          </a:prstGeom>
+          <a:solidFill>
+            <a:schemeClr val="accent1">
+              <a:lumMod val="75000"/>
+            </a:schemeClr>
+          </a:solidFill>
+          <a:ln w="25400">
+            <a:solidFill>
+              <a:srgbClr val="00B0F0"/>
+            </a:solidFill>
+          </a:ln>
+        </p:spPr>
+        <p:style>
+          <a:lnRef idx="2">
+            <a:schemeClr val="accent1">
+              <a:shade val="50000"/>
+            </a:schemeClr>
+          </a:lnRef>
+          <a:fillRef idx="1">
+            <a:schemeClr val="accent1"/>
+          </a:fillRef>
+          <a:effectRef idx="0">
+            <a:schemeClr val="accent1"/>
+          </a:effectRef>
+          <a:fontRef idx="minor">
+            <a:schemeClr val="lt1"/>
+          </a:fontRef>
+        </p:style>
+        <p:txBody>
+          <a:bodyPr rtlCol="0" anchor="ctr"/>
+          <a:lstStyle/>
+          <a:p>
+            <a:pPr algn="ctr"/>
+            <a:r>
+              <a:rPr lang="ko-KR" altLang="en-US" sz="1400" dirty="0"/>
+              <a:t>게시글 좋아요</a:t>
+            </a:r>
+            <a:endParaRPr lang="en-US" altLang="ko-KR" sz="1400" dirty="0"/>
+          </a:p>
+        </p:txBody>
+      </p:sp>
+      <p:sp>
+        <p:nvSpPr>
+          <p:cNvPr id="36" name="직사각형 35">
+            <a:extLst>
+              <a:ext uri="{FF2B5EF4-FFF2-40B4-BE49-F238E27FC236}">
+                <a16:creationId xmlns:a16="http://schemas.microsoft.com/office/drawing/2014/main" id="{C5F6E84B-80CD-4FF2-B995-2C057190C77A}"/>
+              </a:ext>
+            </a:extLst>
+          </p:cNvPr>
+          <p:cNvSpPr/>
+          <p:nvPr/>
+        </p:nvSpPr>
+        <p:spPr>
+          <a:xfrm>
+            <a:off x="1644116" y="5979285"/>
+            <a:ext cx="1440000" cy="360000"/>
+          </a:xfrm>
+          <a:prstGeom prst="rect">
+            <a:avLst/>
+          </a:prstGeom>
+          <a:solidFill>
+            <a:schemeClr val="accent1">
+              <a:lumMod val="75000"/>
+            </a:schemeClr>
+          </a:solidFill>
+          <a:ln w="25400">
+            <a:solidFill>
+              <a:srgbClr val="00B0F0"/>
+            </a:solidFill>
+          </a:ln>
+        </p:spPr>
+        <p:style>
+          <a:lnRef idx="2">
+            <a:schemeClr val="accent1">
+              <a:shade val="50000"/>
+            </a:schemeClr>
+          </a:lnRef>
+          <a:fillRef idx="1">
+            <a:schemeClr val="accent1"/>
+          </a:fillRef>
+          <a:effectRef idx="0">
+            <a:schemeClr val="accent1"/>
+          </a:effectRef>
+          <a:fontRef idx="minor">
+            <a:schemeClr val="lt1"/>
+          </a:fontRef>
+        </p:style>
+        <p:txBody>
+          <a:bodyPr rtlCol="0" anchor="ctr"/>
+          <a:lstStyle/>
+          <a:p>
+            <a:pPr algn="ctr"/>
+            <a:r>
+              <a:rPr lang="ko-KR" altLang="en-US" sz="1400" dirty="0"/>
+              <a:t>사용자 언급</a:t>
+            </a:r>
+            <a:endParaRPr lang="en-US" altLang="ko-KR" sz="1400" dirty="0"/>
+          </a:p>
+        </p:txBody>
+      </p:sp>
+      <p:sp>
+        <p:nvSpPr>
+          <p:cNvPr id="37" name="직사각형 36">
+            <a:extLst>
+              <a:ext uri="{FF2B5EF4-FFF2-40B4-BE49-F238E27FC236}">
+                <a16:creationId xmlns:a16="http://schemas.microsoft.com/office/drawing/2014/main" id="{B47AD1F3-56E8-4D41-A071-C1F3A3884BB5}"/>
+              </a:ext>
+            </a:extLst>
+          </p:cNvPr>
+          <p:cNvSpPr/>
+          <p:nvPr/>
+        </p:nvSpPr>
+        <p:spPr>
+          <a:xfrm>
+            <a:off x="6124938" y="1311872"/>
+            <a:ext cx="1440000" cy="360000"/>
+          </a:xfrm>
+          <a:prstGeom prst="rect">
+            <a:avLst/>
+          </a:prstGeom>
+          <a:solidFill>
+            <a:schemeClr val="accent6">
+              <a:lumMod val="75000"/>
+            </a:schemeClr>
+          </a:solidFill>
+          <a:ln w="25400">
+            <a:solidFill>
+              <a:srgbClr val="FFFF00"/>
+            </a:solidFill>
+          </a:ln>
+        </p:spPr>
+        <p:style>
+          <a:lnRef idx="2">
+            <a:schemeClr val="accent1">
+              <a:shade val="50000"/>
+            </a:schemeClr>
+          </a:lnRef>
+          <a:fillRef idx="1">
+            <a:schemeClr val="accent1"/>
+          </a:fillRef>
+          <a:effectRef idx="0">
+            <a:schemeClr val="accent1"/>
+          </a:effectRef>
+          <a:fontRef idx="minor">
+            <a:schemeClr val="lt1"/>
+          </a:fontRef>
+        </p:style>
+        <p:txBody>
+          <a:bodyPr rtlCol="0" anchor="ctr"/>
+          <a:lstStyle/>
+          <a:p>
+            <a:pPr algn="ctr"/>
+            <a:r>
+              <a:rPr lang="ko-KR" altLang="en-US" sz="1400" dirty="0"/>
+              <a:t>비밀번호 찾기</a:t>
+            </a:r>
+            <a:endParaRPr lang="en-US" altLang="ko-KR" sz="1400" dirty="0"/>
+          </a:p>
+        </p:txBody>
+      </p:sp>
+      <p:sp>
+        <p:nvSpPr>
+          <p:cNvPr id="38" name="직사각형 37">
+            <a:extLst>
+              <a:ext uri="{FF2B5EF4-FFF2-40B4-BE49-F238E27FC236}">
+                <a16:creationId xmlns:a16="http://schemas.microsoft.com/office/drawing/2014/main" id="{B349CA13-2D78-463F-9551-AFFE2D428978}"/>
+              </a:ext>
+            </a:extLst>
+          </p:cNvPr>
+          <p:cNvSpPr/>
+          <p:nvPr/>
+        </p:nvSpPr>
+        <p:spPr>
+          <a:xfrm>
+            <a:off x="3235032" y="5225462"/>
+            <a:ext cx="1440000" cy="360000"/>
+          </a:xfrm>
+          <a:prstGeom prst="rect">
+            <a:avLst/>
+          </a:prstGeom>
+          <a:solidFill>
+            <a:schemeClr val="accent1">
+              <a:lumMod val="75000"/>
+            </a:schemeClr>
+          </a:solidFill>
+          <a:ln w="25400">
+            <a:solidFill>
+              <a:srgbClr val="00B0F0"/>
+            </a:solidFill>
+          </a:ln>
+        </p:spPr>
+        <p:style>
+          <a:lnRef idx="2">
+            <a:schemeClr val="accent1">
+              <a:shade val="50000"/>
+            </a:schemeClr>
+          </a:lnRef>
+          <a:fillRef idx="1">
+            <a:schemeClr val="accent1"/>
+          </a:fillRef>
+          <a:effectRef idx="0">
+            <a:schemeClr val="accent1"/>
+          </a:effectRef>
+          <a:fontRef idx="minor">
+            <a:schemeClr val="lt1"/>
+          </a:fontRef>
+        </p:style>
+        <p:txBody>
+          <a:bodyPr rtlCol="0" anchor="ctr"/>
+          <a:lstStyle/>
+          <a:p>
+            <a:pPr algn="ctr"/>
+            <a:r>
+              <a:rPr lang="ko-KR" altLang="en-US" sz="1400" dirty="0"/>
+              <a:t>게시글 </a:t>
+            </a:r>
+            <a:r>
+              <a:rPr lang="ko-KR" altLang="en-US" sz="1400" dirty="0" err="1"/>
+              <a:t>히트수</a:t>
+            </a:r>
+            <a:endParaRPr lang="en-US" altLang="ko-KR" sz="1400" dirty="0"/>
+          </a:p>
+        </p:txBody>
+      </p:sp>
+      <p:sp>
+        <p:nvSpPr>
+          <p:cNvPr id="40" name="직사각형 39">
+            <a:extLst>
+              <a:ext uri="{FF2B5EF4-FFF2-40B4-BE49-F238E27FC236}">
+                <a16:creationId xmlns:a16="http://schemas.microsoft.com/office/drawing/2014/main" id="{EF716D34-5E7C-40A6-B6A1-A21A97FC3B89}"/>
+              </a:ext>
+            </a:extLst>
+          </p:cNvPr>
+          <p:cNvSpPr/>
+          <p:nvPr/>
+        </p:nvSpPr>
+        <p:spPr>
+          <a:xfrm>
+            <a:off x="6147038" y="4318871"/>
+            <a:ext cx="1440000" cy="360000"/>
+          </a:xfrm>
+          <a:prstGeom prst="rect">
+            <a:avLst/>
+          </a:prstGeom>
+          <a:solidFill>
+            <a:schemeClr val="accent1">
+              <a:lumMod val="75000"/>
+            </a:schemeClr>
+          </a:solidFill>
+          <a:ln w="25400">
+            <a:solidFill>
+              <a:srgbClr val="FFFF00"/>
+            </a:solidFill>
+          </a:ln>
+        </p:spPr>
+        <p:style>
+          <a:lnRef idx="2">
+            <a:schemeClr val="accent1">
+              <a:shade val="50000"/>
+            </a:schemeClr>
+          </a:lnRef>
+          <a:fillRef idx="1">
+            <a:schemeClr val="accent1"/>
+          </a:fillRef>
+          <a:effectRef idx="0">
+            <a:schemeClr val="accent1"/>
+          </a:effectRef>
+          <a:fontRef idx="minor">
+            <a:schemeClr val="lt1"/>
+          </a:fontRef>
+        </p:style>
+        <p:txBody>
+          <a:bodyPr rtlCol="0" anchor="ctr"/>
+          <a:lstStyle/>
+          <a:p>
+            <a:pPr algn="ctr"/>
+            <a:r>
+              <a:rPr lang="ko-KR" altLang="en-US" sz="1400" dirty="0"/>
+              <a:t>내 프로필</a:t>
+            </a:r>
+            <a:endParaRPr lang="en-US" altLang="ko-KR" sz="1400" dirty="0"/>
+          </a:p>
+        </p:txBody>
+      </p:sp>
+      <p:sp>
+        <p:nvSpPr>
+          <p:cNvPr id="41" name="직사각형 40">
+            <a:extLst>
+              <a:ext uri="{FF2B5EF4-FFF2-40B4-BE49-F238E27FC236}">
+                <a16:creationId xmlns:a16="http://schemas.microsoft.com/office/drawing/2014/main" id="{F0F1420E-162C-445D-BFEF-0135A5568FBE}"/>
+              </a:ext>
+            </a:extLst>
+          </p:cNvPr>
+          <p:cNvSpPr/>
+          <p:nvPr/>
+        </p:nvSpPr>
+        <p:spPr>
+          <a:xfrm>
+            <a:off x="7652462" y="4318871"/>
+            <a:ext cx="1440000" cy="360000"/>
+          </a:xfrm>
+          <a:prstGeom prst="rect">
+            <a:avLst/>
+          </a:prstGeom>
+          <a:solidFill>
+            <a:schemeClr val="accent1">
+              <a:lumMod val="75000"/>
+            </a:schemeClr>
+          </a:solidFill>
+          <a:ln w="25400">
+            <a:solidFill>
+              <a:srgbClr val="FFFF00"/>
+            </a:solidFill>
+          </a:ln>
+        </p:spPr>
+        <p:style>
+          <a:lnRef idx="2">
+            <a:schemeClr val="accent1">
+              <a:shade val="50000"/>
+            </a:schemeClr>
+          </a:lnRef>
+          <a:fillRef idx="1">
+            <a:schemeClr val="accent1"/>
+          </a:fillRef>
+          <a:effectRef idx="0">
+            <a:schemeClr val="accent1"/>
+          </a:effectRef>
+          <a:fontRef idx="minor">
+            <a:schemeClr val="lt1"/>
+          </a:fontRef>
+        </p:style>
+        <p:txBody>
+          <a:bodyPr rtlCol="0" anchor="ctr"/>
+          <a:lstStyle/>
+          <a:p>
+            <a:pPr algn="ctr"/>
+            <a:r>
+              <a:rPr lang="ko-KR" altLang="en-US" sz="1400" dirty="0"/>
+              <a:t>사용자 프로필</a:t>
+            </a:r>
+            <a:endParaRPr lang="en-US" altLang="ko-KR" sz="1400" dirty="0"/>
+          </a:p>
+        </p:txBody>
+      </p:sp>
+      <p:sp>
+        <p:nvSpPr>
+          <p:cNvPr id="42" name="직사각형 41">
+            <a:extLst>
+              <a:ext uri="{FF2B5EF4-FFF2-40B4-BE49-F238E27FC236}">
+                <a16:creationId xmlns:a16="http://schemas.microsoft.com/office/drawing/2014/main" id="{2E438522-2492-4364-AF14-2CF0625C3091}"/>
+              </a:ext>
+            </a:extLst>
+          </p:cNvPr>
+          <p:cNvSpPr/>
+          <p:nvPr/>
+        </p:nvSpPr>
+        <p:spPr>
+          <a:xfrm>
+            <a:off x="4770456" y="5225467"/>
+            <a:ext cx="1440000" cy="360000"/>
+          </a:xfrm>
+          <a:prstGeom prst="rect">
+            <a:avLst/>
+          </a:prstGeom>
+          <a:solidFill>
+            <a:srgbClr val="FF0000"/>
+          </a:solidFill>
+          <a:ln w="25400">
+            <a:solidFill>
+              <a:srgbClr val="FF0000"/>
+            </a:solidFill>
+          </a:ln>
+        </p:spPr>
+        <p:style>
+          <a:lnRef idx="2">
+            <a:schemeClr val="accent1">
+              <a:shade val="50000"/>
+            </a:schemeClr>
+          </a:lnRef>
+          <a:fillRef idx="1">
+            <a:schemeClr val="accent1"/>
+          </a:fillRef>
+          <a:effectRef idx="0">
+            <a:schemeClr val="accent1"/>
+          </a:effectRef>
+          <a:fontRef idx="minor">
+            <a:schemeClr val="lt1"/>
+          </a:fontRef>
+        </p:style>
+        <p:txBody>
+          <a:bodyPr rtlCol="0" anchor="ctr"/>
+          <a:lstStyle/>
+          <a:p>
+            <a:pPr algn="ctr"/>
+            <a:r>
+              <a:rPr lang="ko-KR" altLang="en-US" sz="1400" dirty="0"/>
+              <a:t>게시글 관리</a:t>
+            </a:r>
+            <a:endParaRPr lang="en-US" altLang="ko-KR" sz="1400" dirty="0"/>
+          </a:p>
+        </p:txBody>
+      </p:sp>
+      <p:sp>
+        <p:nvSpPr>
+          <p:cNvPr id="43" name="직사각형 42">
+            <a:extLst>
+              <a:ext uri="{FF2B5EF4-FFF2-40B4-BE49-F238E27FC236}">
+                <a16:creationId xmlns:a16="http://schemas.microsoft.com/office/drawing/2014/main" id="{7749FAE9-E54E-4F66-958C-6F926FBFE3DA}"/>
+              </a:ext>
+            </a:extLst>
+          </p:cNvPr>
+          <p:cNvSpPr/>
+          <p:nvPr/>
+        </p:nvSpPr>
+        <p:spPr>
+          <a:xfrm>
+            <a:off x="7654902" y="5202998"/>
+            <a:ext cx="1440000" cy="360000"/>
+          </a:xfrm>
+          <a:prstGeom prst="rect">
+            <a:avLst/>
+          </a:prstGeom>
+          <a:solidFill>
+            <a:srgbClr val="FF0000"/>
+          </a:solidFill>
+          <a:ln w="25400">
+            <a:solidFill>
+              <a:srgbClr val="FF0000"/>
+            </a:solidFill>
+          </a:ln>
+        </p:spPr>
+        <p:style>
+          <a:lnRef idx="2">
+            <a:schemeClr val="accent1">
+              <a:shade val="50000"/>
+            </a:schemeClr>
+          </a:lnRef>
+          <a:fillRef idx="1">
+            <a:schemeClr val="accent1"/>
+          </a:fillRef>
+          <a:effectRef idx="0">
+            <a:schemeClr val="accent1"/>
+          </a:effectRef>
+          <a:fontRef idx="minor">
+            <a:schemeClr val="lt1"/>
+          </a:fontRef>
+        </p:style>
+        <p:txBody>
+          <a:bodyPr rtlCol="0" anchor="ctr"/>
+          <a:lstStyle/>
+          <a:p>
+            <a:pPr algn="ctr"/>
+            <a:r>
+              <a:rPr lang="ko-KR" altLang="en-US" sz="1400" dirty="0"/>
+              <a:t>사용자 관리</a:t>
+            </a:r>
+            <a:endParaRPr lang="en-US" altLang="ko-KR" sz="1400" dirty="0"/>
+          </a:p>
+        </p:txBody>
+      </p:sp>
+      <p:sp>
+        <p:nvSpPr>
+          <p:cNvPr id="44" name="직사각형 43">
+            <a:extLst>
+              <a:ext uri="{FF2B5EF4-FFF2-40B4-BE49-F238E27FC236}">
+                <a16:creationId xmlns:a16="http://schemas.microsoft.com/office/drawing/2014/main" id="{AC36732E-4287-4CBE-9B49-01467F1A9A24}"/>
+              </a:ext>
+            </a:extLst>
+          </p:cNvPr>
+          <p:cNvSpPr/>
+          <p:nvPr/>
+        </p:nvSpPr>
+        <p:spPr>
+          <a:xfrm>
+            <a:off x="1627847" y="5233103"/>
+            <a:ext cx="1440000" cy="360000"/>
+          </a:xfrm>
+          <a:prstGeom prst="rect">
+            <a:avLst/>
+          </a:prstGeom>
+          <a:solidFill>
+            <a:schemeClr val="accent1">
+              <a:lumMod val="75000"/>
+            </a:schemeClr>
+          </a:solidFill>
+          <a:ln w="25400">
+            <a:solidFill>
+              <a:srgbClr val="FFFF00"/>
+            </a:solidFill>
+          </a:ln>
+        </p:spPr>
+        <p:style>
+          <a:lnRef idx="2">
+            <a:schemeClr val="accent1">
+              <a:shade val="50000"/>
+            </a:schemeClr>
+          </a:lnRef>
+          <a:fillRef idx="1">
+            <a:schemeClr val="accent1"/>
+          </a:fillRef>
+          <a:effectRef idx="0">
+            <a:schemeClr val="accent1"/>
+          </a:effectRef>
+          <a:fontRef idx="minor">
+            <a:schemeClr val="lt1"/>
+          </a:fontRef>
+        </p:style>
+        <p:txBody>
+          <a:bodyPr rtlCol="0" anchor="ctr"/>
+          <a:lstStyle/>
+          <a:p>
+            <a:pPr algn="ctr"/>
+            <a:r>
+              <a:rPr lang="ko-KR" altLang="en-US" sz="1400" dirty="0"/>
+              <a:t>댓글</a:t>
+            </a:r>
+            <a:r>
+              <a:rPr lang="en-US" altLang="ko-KR" sz="1400" dirty="0"/>
+              <a:t>&amp;</a:t>
+            </a:r>
+            <a:r>
+              <a:rPr lang="ko-KR" altLang="en-US" sz="1400" dirty="0" err="1"/>
+              <a:t>대댓글</a:t>
+            </a:r>
+            <a:endParaRPr lang="en-US" altLang="ko-KR" sz="1400" dirty="0"/>
+          </a:p>
+        </p:txBody>
+      </p:sp>
+      <p:cxnSp>
+        <p:nvCxnSpPr>
+          <p:cNvPr id="95" name="연결선: 꺾임 94">
+            <a:extLst>
+              <a:ext uri="{FF2B5EF4-FFF2-40B4-BE49-F238E27FC236}">
+                <a16:creationId xmlns:a16="http://schemas.microsoft.com/office/drawing/2014/main" id="{36DD18CB-411E-44A0-A55D-97DAA85BD7BB}"/>
+              </a:ext>
+            </a:extLst>
+          </p:cNvPr>
+          <p:cNvCxnSpPr>
+            <a:cxnSpLocks/>
+            <a:stCxn id="5" idx="2"/>
+            <a:endCxn id="22" idx="0"/>
+          </p:cNvCxnSpPr>
+          <p:nvPr/>
+        </p:nvCxnSpPr>
+        <p:spPr>
+          <a:xfrm rot="16200000" flipH="1">
+            <a:off x="6250945" y="-2359195"/>
+            <a:ext cx="719855" cy="6612278"/>
+          </a:xfrm>
+          <a:prstGeom prst="bentConnector3">
+            <a:avLst>
+              <a:gd name="adj1" fmla="val 50000"/>
+            </a:avLst>
+          </a:prstGeom>
+          <a:ln>
+            <a:tailEnd type="triangle"/>
+          </a:ln>
+        </p:spPr>
+        <p:style>
+          <a:lnRef idx="1">
+            <a:schemeClr val="accent1"/>
+          </a:lnRef>
+          <a:fillRef idx="0">
+            <a:schemeClr val="accent1"/>
+          </a:fillRef>
+          <a:effectRef idx="0">
+            <a:schemeClr val="accent1"/>
+          </a:effectRef>
+          <a:fontRef idx="minor">
+            <a:schemeClr val="tx1"/>
+          </a:fontRef>
+        </p:style>
+      </p:cxnSp>
+      <p:cxnSp>
+        <p:nvCxnSpPr>
+          <p:cNvPr id="100" name="연결선: 꺾임 99">
+            <a:extLst>
+              <a:ext uri="{FF2B5EF4-FFF2-40B4-BE49-F238E27FC236}">
+                <a16:creationId xmlns:a16="http://schemas.microsoft.com/office/drawing/2014/main" id="{6080DAA9-806B-44C9-BA04-3737509CACA7}"/>
+              </a:ext>
+            </a:extLst>
+          </p:cNvPr>
+          <p:cNvCxnSpPr>
+            <a:cxnSpLocks/>
+            <a:stCxn id="5" idx="2"/>
+            <a:endCxn id="13" idx="0"/>
+          </p:cNvCxnSpPr>
+          <p:nvPr/>
+        </p:nvCxnSpPr>
+        <p:spPr>
+          <a:xfrm rot="16200000" flipH="1">
+            <a:off x="6989961" y="-3098211"/>
+            <a:ext cx="724855" cy="8095310"/>
+          </a:xfrm>
+          <a:prstGeom prst="bentConnector3">
+            <a:avLst>
+              <a:gd name="adj1" fmla="val 50000"/>
+            </a:avLst>
+          </a:prstGeom>
+          <a:ln>
+            <a:tailEnd type="triangle"/>
+          </a:ln>
+        </p:spPr>
+        <p:style>
+          <a:lnRef idx="1">
+            <a:schemeClr val="accent1"/>
+          </a:lnRef>
+          <a:fillRef idx="0">
+            <a:schemeClr val="accent1"/>
+          </a:fillRef>
+          <a:effectRef idx="0">
+            <a:schemeClr val="accent1"/>
+          </a:effectRef>
+          <a:fontRef idx="minor">
+            <a:schemeClr val="tx1"/>
+          </a:fontRef>
+        </p:style>
+      </p:cxnSp>
+      <p:cxnSp>
+        <p:nvCxnSpPr>
+          <p:cNvPr id="105" name="직선 화살표 연결선 104">
+            <a:extLst>
+              <a:ext uri="{FF2B5EF4-FFF2-40B4-BE49-F238E27FC236}">
+                <a16:creationId xmlns:a16="http://schemas.microsoft.com/office/drawing/2014/main" id="{CC732CA8-62CD-4B2C-A46C-4FABE88AE439}"/>
+              </a:ext>
+            </a:extLst>
+          </p:cNvPr>
+          <p:cNvCxnSpPr>
+            <a:cxnSpLocks/>
+            <a:stCxn id="41" idx="2"/>
+            <a:endCxn id="43" idx="0"/>
+          </p:cNvCxnSpPr>
+          <p:nvPr/>
+        </p:nvCxnSpPr>
+        <p:spPr>
+          <a:xfrm>
+            <a:off x="8372462" y="4678871"/>
+            <a:ext cx="2440" cy="524127"/>
+          </a:xfrm>
+          <a:prstGeom prst="straightConnector1">
+            <a:avLst/>
+          </a:prstGeom>
+          <a:ln>
+            <a:tailEnd type="triangle"/>
+          </a:ln>
+        </p:spPr>
+        <p:style>
+          <a:lnRef idx="1">
+            <a:schemeClr val="accent1"/>
+          </a:lnRef>
+          <a:fillRef idx="0">
+            <a:schemeClr val="accent1"/>
+          </a:fillRef>
+          <a:effectRef idx="0">
+            <a:schemeClr val="accent1"/>
+          </a:effectRef>
+          <a:fontRef idx="minor">
+            <a:schemeClr val="tx1"/>
+          </a:fontRef>
+        </p:style>
+      </p:cxnSp>
+      <p:sp>
+        <p:nvSpPr>
+          <p:cNvPr id="108" name="직사각형 107">
+            <a:extLst>
+              <a:ext uri="{FF2B5EF4-FFF2-40B4-BE49-F238E27FC236}">
+                <a16:creationId xmlns:a16="http://schemas.microsoft.com/office/drawing/2014/main" id="{82ECD866-0F95-4A1A-9AEA-03CB4A5A5FD7}"/>
+              </a:ext>
+            </a:extLst>
+          </p:cNvPr>
+          <p:cNvSpPr/>
+          <p:nvPr/>
+        </p:nvSpPr>
+        <p:spPr>
+          <a:xfrm>
+            <a:off x="10680043" y="4311300"/>
+            <a:ext cx="1440000" cy="360000"/>
+          </a:xfrm>
+          <a:prstGeom prst="rect">
+            <a:avLst/>
+          </a:prstGeom>
+          <a:solidFill>
+            <a:schemeClr val="accent6">
+              <a:lumMod val="75000"/>
+            </a:schemeClr>
+          </a:solidFill>
+          <a:ln w="25400">
+            <a:solidFill>
+              <a:srgbClr val="FFFF00"/>
+            </a:solidFill>
+          </a:ln>
+        </p:spPr>
+        <p:style>
+          <a:lnRef idx="2">
+            <a:schemeClr val="accent1">
+              <a:shade val="50000"/>
+            </a:schemeClr>
+          </a:lnRef>
+          <a:fillRef idx="1">
+            <a:schemeClr val="accent1"/>
+          </a:fillRef>
+          <a:effectRef idx="0">
+            <a:schemeClr val="accent1"/>
+          </a:effectRef>
+          <a:fontRef idx="minor">
+            <a:schemeClr val="lt1"/>
+          </a:fontRef>
+        </p:style>
+        <p:txBody>
+          <a:bodyPr rtlCol="0" anchor="ctr"/>
+          <a:lstStyle/>
+          <a:p>
+            <a:pPr algn="ctr"/>
+            <a:r>
+              <a:rPr lang="ko-KR" altLang="en-US" sz="1400" dirty="0" err="1"/>
+              <a:t>팔로워</a:t>
+            </a:r>
+            <a:r>
+              <a:rPr lang="ko-KR" altLang="en-US" sz="1400" dirty="0"/>
+              <a:t> 목록</a:t>
+            </a:r>
+            <a:endParaRPr lang="en-US" altLang="ko-KR" sz="1400" dirty="0"/>
+          </a:p>
+        </p:txBody>
+      </p:sp>
+      <p:sp>
+        <p:nvSpPr>
+          <p:cNvPr id="109" name="직사각형 108">
+            <a:extLst>
+              <a:ext uri="{FF2B5EF4-FFF2-40B4-BE49-F238E27FC236}">
+                <a16:creationId xmlns:a16="http://schemas.microsoft.com/office/drawing/2014/main" id="{22692520-00C5-4592-869F-9A45151A957E}"/>
+              </a:ext>
+            </a:extLst>
+          </p:cNvPr>
+          <p:cNvSpPr/>
+          <p:nvPr/>
+        </p:nvSpPr>
+        <p:spPr>
+          <a:xfrm>
+            <a:off x="9186774" y="4311296"/>
+            <a:ext cx="1440000" cy="360000"/>
+          </a:xfrm>
+          <a:prstGeom prst="rect">
+            <a:avLst/>
+          </a:prstGeom>
+          <a:solidFill>
+            <a:schemeClr val="accent6">
+              <a:lumMod val="75000"/>
+            </a:schemeClr>
+          </a:solidFill>
+          <a:ln w="25400">
+            <a:solidFill>
+              <a:srgbClr val="FFFF00"/>
+            </a:solidFill>
+          </a:ln>
+        </p:spPr>
+        <p:style>
+          <a:lnRef idx="2">
+            <a:schemeClr val="accent1">
+              <a:shade val="50000"/>
+            </a:schemeClr>
+          </a:lnRef>
+          <a:fillRef idx="1">
+            <a:schemeClr val="accent1"/>
+          </a:fillRef>
+          <a:effectRef idx="0">
+            <a:schemeClr val="accent1"/>
+          </a:effectRef>
+          <a:fontRef idx="minor">
+            <a:schemeClr val="lt1"/>
+          </a:fontRef>
+        </p:style>
+        <p:txBody>
+          <a:bodyPr rtlCol="0" anchor="ctr"/>
+          <a:lstStyle/>
+          <a:p>
+            <a:pPr algn="ctr"/>
+            <a:r>
+              <a:rPr lang="ko-KR" altLang="en-US" sz="1400" dirty="0" err="1"/>
+              <a:t>팔로잉</a:t>
+            </a:r>
+            <a:r>
+              <a:rPr lang="ko-KR" altLang="en-US" sz="1400" dirty="0"/>
+              <a:t> 목록</a:t>
+            </a:r>
+            <a:endParaRPr lang="en-US" altLang="ko-KR" sz="1400" dirty="0"/>
+          </a:p>
+        </p:txBody>
+      </p:sp>
+      <p:cxnSp>
+        <p:nvCxnSpPr>
+          <p:cNvPr id="110" name="연결선: 꺾임 109">
+            <a:extLst>
+              <a:ext uri="{FF2B5EF4-FFF2-40B4-BE49-F238E27FC236}">
+                <a16:creationId xmlns:a16="http://schemas.microsoft.com/office/drawing/2014/main" id="{80247106-0EE0-4E7D-85BA-8856C0E0D388}"/>
+              </a:ext>
+            </a:extLst>
+          </p:cNvPr>
+          <p:cNvCxnSpPr>
+            <a:cxnSpLocks/>
+            <a:stCxn id="5" idx="2"/>
+            <a:endCxn id="27" idx="0"/>
+          </p:cNvCxnSpPr>
+          <p:nvPr/>
+        </p:nvCxnSpPr>
+        <p:spPr>
+          <a:xfrm rot="16200000" flipH="1">
+            <a:off x="3211878" y="679872"/>
+            <a:ext cx="722354" cy="536644"/>
+          </a:xfrm>
+          <a:prstGeom prst="bentConnector3">
+            <a:avLst>
+              <a:gd name="adj1" fmla="val 50000"/>
+            </a:avLst>
+          </a:prstGeom>
+          <a:ln>
+            <a:tailEnd type="triangle"/>
+          </a:ln>
+        </p:spPr>
+        <p:style>
+          <a:lnRef idx="1">
+            <a:schemeClr val="accent1"/>
+          </a:lnRef>
+          <a:fillRef idx="0">
+            <a:schemeClr val="accent1"/>
+          </a:fillRef>
+          <a:effectRef idx="0">
+            <a:schemeClr val="accent1"/>
+          </a:effectRef>
+          <a:fontRef idx="minor">
+            <a:schemeClr val="tx1"/>
+          </a:fontRef>
+        </p:style>
+      </p:cxnSp>
+      <p:cxnSp>
+        <p:nvCxnSpPr>
+          <p:cNvPr id="113" name="연결선: 꺾임 112">
+            <a:extLst>
+              <a:ext uri="{FF2B5EF4-FFF2-40B4-BE49-F238E27FC236}">
+                <a16:creationId xmlns:a16="http://schemas.microsoft.com/office/drawing/2014/main" id="{5EFDEBAD-69BA-4CC9-876B-BC8D82F0EFF9}"/>
+              </a:ext>
+            </a:extLst>
+          </p:cNvPr>
+          <p:cNvCxnSpPr>
+            <a:cxnSpLocks/>
+            <a:stCxn id="5" idx="2"/>
+            <a:endCxn id="26" idx="0"/>
+          </p:cNvCxnSpPr>
+          <p:nvPr/>
+        </p:nvCxnSpPr>
+        <p:spPr>
+          <a:xfrm rot="16200000" flipH="1">
+            <a:off x="3960749" y="-69000"/>
+            <a:ext cx="723366" cy="2035399"/>
+          </a:xfrm>
+          <a:prstGeom prst="bentConnector3">
+            <a:avLst>
+              <a:gd name="adj1" fmla="val 50000"/>
+            </a:avLst>
+          </a:prstGeom>
+          <a:ln>
+            <a:tailEnd type="triangle"/>
+          </a:ln>
+        </p:spPr>
+        <p:style>
+          <a:lnRef idx="1">
+            <a:schemeClr val="accent1"/>
+          </a:lnRef>
+          <a:fillRef idx="0">
+            <a:schemeClr val="accent1"/>
+          </a:fillRef>
+          <a:effectRef idx="0">
+            <a:schemeClr val="accent1"/>
+          </a:effectRef>
+          <a:fontRef idx="minor">
+            <a:schemeClr val="tx1"/>
+          </a:fontRef>
+        </p:style>
+      </p:cxnSp>
+      <p:cxnSp>
+        <p:nvCxnSpPr>
+          <p:cNvPr id="116" name="연결선: 꺾임 115">
+            <a:extLst>
+              <a:ext uri="{FF2B5EF4-FFF2-40B4-BE49-F238E27FC236}">
+                <a16:creationId xmlns:a16="http://schemas.microsoft.com/office/drawing/2014/main" id="{9D8052FD-C8B2-41C8-97BB-9AD8BCCDE269}"/>
+              </a:ext>
+            </a:extLst>
+          </p:cNvPr>
+          <p:cNvCxnSpPr>
+            <a:cxnSpLocks/>
+            <a:stCxn id="5" idx="2"/>
+            <a:endCxn id="29" idx="0"/>
+          </p:cNvCxnSpPr>
+          <p:nvPr/>
+        </p:nvCxnSpPr>
+        <p:spPr>
+          <a:xfrm rot="5400000">
+            <a:off x="2460747" y="462887"/>
+            <a:ext cx="719857" cy="968116"/>
+          </a:xfrm>
+          <a:prstGeom prst="bentConnector3">
+            <a:avLst>
+              <a:gd name="adj1" fmla="val 50000"/>
+            </a:avLst>
+          </a:prstGeom>
+          <a:ln>
+            <a:tailEnd type="triangle"/>
+          </a:ln>
+        </p:spPr>
+        <p:style>
+          <a:lnRef idx="1">
+            <a:schemeClr val="accent1"/>
+          </a:lnRef>
+          <a:fillRef idx="0">
+            <a:schemeClr val="accent1"/>
+          </a:fillRef>
+          <a:effectRef idx="0">
+            <a:schemeClr val="accent1"/>
+          </a:effectRef>
+          <a:fontRef idx="minor">
+            <a:schemeClr val="tx1"/>
+          </a:fontRef>
+        </p:style>
+      </p:cxnSp>
+      <p:cxnSp>
+        <p:nvCxnSpPr>
+          <p:cNvPr id="142" name="연결선: 꺾임 141">
+            <a:extLst>
+              <a:ext uri="{FF2B5EF4-FFF2-40B4-BE49-F238E27FC236}">
+                <a16:creationId xmlns:a16="http://schemas.microsoft.com/office/drawing/2014/main" id="{032CA258-9E89-4C04-9393-DB5F4F8809AD}"/>
+              </a:ext>
+            </a:extLst>
+          </p:cNvPr>
+          <p:cNvCxnSpPr>
+            <a:cxnSpLocks/>
+            <a:stCxn id="5" idx="2"/>
+            <a:endCxn id="14" idx="0"/>
+          </p:cNvCxnSpPr>
+          <p:nvPr/>
+        </p:nvCxnSpPr>
+        <p:spPr>
+          <a:xfrm rot="16200000" flipH="1">
+            <a:off x="5472632" y="-1580883"/>
+            <a:ext cx="719856" cy="5055655"/>
+          </a:xfrm>
+          <a:prstGeom prst="bentConnector3">
+            <a:avLst>
+              <a:gd name="adj1" fmla="val 50000"/>
+            </a:avLst>
+          </a:prstGeom>
+          <a:ln>
+            <a:tailEnd type="triangle"/>
+          </a:ln>
+        </p:spPr>
+        <p:style>
+          <a:lnRef idx="1">
+            <a:schemeClr val="accent1"/>
+          </a:lnRef>
+          <a:fillRef idx="0">
+            <a:schemeClr val="accent1"/>
+          </a:fillRef>
+          <a:effectRef idx="0">
+            <a:schemeClr val="accent1"/>
+          </a:effectRef>
+          <a:fontRef idx="minor">
+            <a:schemeClr val="tx1"/>
+          </a:fontRef>
+        </p:style>
+      </p:cxnSp>
+      <p:cxnSp>
+        <p:nvCxnSpPr>
+          <p:cNvPr id="145" name="연결선: 꺾임 144">
+            <a:extLst>
+              <a:ext uri="{FF2B5EF4-FFF2-40B4-BE49-F238E27FC236}">
+                <a16:creationId xmlns:a16="http://schemas.microsoft.com/office/drawing/2014/main" id="{63F0911F-E5D3-4A19-B5DC-4AE5674D213D}"/>
+              </a:ext>
+            </a:extLst>
+          </p:cNvPr>
+          <p:cNvCxnSpPr>
+            <a:cxnSpLocks/>
+            <a:stCxn id="14" idx="2"/>
+            <a:endCxn id="40" idx="0"/>
+          </p:cNvCxnSpPr>
+          <p:nvPr/>
+        </p:nvCxnSpPr>
+        <p:spPr>
+          <a:xfrm rot="5400000">
+            <a:off x="6287714" y="2246197"/>
+            <a:ext cx="2651998" cy="1493350"/>
+          </a:xfrm>
+          <a:prstGeom prst="bentConnector3">
+            <a:avLst>
+              <a:gd name="adj1" fmla="val 50000"/>
+            </a:avLst>
+          </a:prstGeom>
+          <a:ln>
+            <a:tailEnd type="triangle"/>
+          </a:ln>
+        </p:spPr>
+        <p:style>
+          <a:lnRef idx="1">
+            <a:schemeClr val="accent1"/>
+          </a:lnRef>
+          <a:fillRef idx="0">
+            <a:schemeClr val="accent1"/>
+          </a:fillRef>
+          <a:effectRef idx="0">
+            <a:schemeClr val="accent1"/>
+          </a:effectRef>
+          <a:fontRef idx="minor">
+            <a:schemeClr val="tx1"/>
+          </a:fontRef>
+        </p:style>
+      </p:cxnSp>
+      <p:cxnSp>
+        <p:nvCxnSpPr>
+          <p:cNvPr id="149" name="연결선: 꺾임 148">
+            <a:extLst>
+              <a:ext uri="{FF2B5EF4-FFF2-40B4-BE49-F238E27FC236}">
+                <a16:creationId xmlns:a16="http://schemas.microsoft.com/office/drawing/2014/main" id="{807A752A-7EBE-46F7-B0FA-B392245D0245}"/>
+              </a:ext>
+            </a:extLst>
+          </p:cNvPr>
+          <p:cNvCxnSpPr>
+            <a:cxnSpLocks/>
+            <a:stCxn id="7" idx="2"/>
+            <a:endCxn id="33" idx="0"/>
+          </p:cNvCxnSpPr>
+          <p:nvPr/>
+        </p:nvCxnSpPr>
+        <p:spPr>
+          <a:xfrm rot="16200000" flipH="1">
+            <a:off x="254447" y="2255858"/>
+            <a:ext cx="2659424" cy="1491452"/>
+          </a:xfrm>
+          <a:prstGeom prst="bentConnector3">
+            <a:avLst>
+              <a:gd name="adj1" fmla="val 50000"/>
+            </a:avLst>
+          </a:prstGeom>
+          <a:ln>
+            <a:tailEnd type="triangle"/>
+          </a:ln>
+        </p:spPr>
+        <p:style>
+          <a:lnRef idx="1">
+            <a:schemeClr val="accent1"/>
+          </a:lnRef>
+          <a:fillRef idx="0">
+            <a:schemeClr val="accent1"/>
+          </a:fillRef>
+          <a:effectRef idx="0">
+            <a:schemeClr val="accent1"/>
+          </a:effectRef>
+          <a:fontRef idx="minor">
+            <a:schemeClr val="tx1"/>
+          </a:fontRef>
+        </p:style>
+      </p:cxnSp>
+      <p:cxnSp>
+        <p:nvCxnSpPr>
+          <p:cNvPr id="152" name="연결선: 꺾임 151">
+            <a:extLst>
+              <a:ext uri="{FF2B5EF4-FFF2-40B4-BE49-F238E27FC236}">
+                <a16:creationId xmlns:a16="http://schemas.microsoft.com/office/drawing/2014/main" id="{F997E3FB-40F4-4EE6-9E1F-EF3E03E46295}"/>
+              </a:ext>
+            </a:extLst>
+          </p:cNvPr>
+          <p:cNvCxnSpPr>
+            <a:cxnSpLocks/>
+            <a:stCxn id="7" idx="2"/>
+            <a:endCxn id="32" idx="0"/>
+          </p:cNvCxnSpPr>
+          <p:nvPr/>
+        </p:nvCxnSpPr>
+        <p:spPr>
+          <a:xfrm rot="16200000" flipH="1">
+            <a:off x="1004230" y="1506075"/>
+            <a:ext cx="2658521" cy="2990114"/>
+          </a:xfrm>
+          <a:prstGeom prst="bentConnector3">
+            <a:avLst>
+              <a:gd name="adj1" fmla="val 50000"/>
+            </a:avLst>
+          </a:prstGeom>
+          <a:ln>
+            <a:tailEnd type="triangle"/>
+          </a:ln>
+        </p:spPr>
+        <p:style>
+          <a:lnRef idx="1">
+            <a:schemeClr val="accent1"/>
+          </a:lnRef>
+          <a:fillRef idx="0">
+            <a:schemeClr val="accent1"/>
+          </a:fillRef>
+          <a:effectRef idx="0">
+            <a:schemeClr val="accent1"/>
+          </a:effectRef>
+          <a:fontRef idx="minor">
+            <a:schemeClr val="tx1"/>
+          </a:fontRef>
+        </p:style>
+      </p:cxnSp>
+      <p:cxnSp>
+        <p:nvCxnSpPr>
+          <p:cNvPr id="168" name="연결선: 꺾임 167">
+            <a:extLst>
+              <a:ext uri="{FF2B5EF4-FFF2-40B4-BE49-F238E27FC236}">
+                <a16:creationId xmlns:a16="http://schemas.microsoft.com/office/drawing/2014/main" id="{8D6BD66C-CE72-478D-9EED-4EAE2ABD7DAB}"/>
+              </a:ext>
+            </a:extLst>
+          </p:cNvPr>
+          <p:cNvCxnSpPr>
+            <a:cxnSpLocks/>
+            <a:stCxn id="7" idx="2"/>
+            <a:endCxn id="21" idx="0"/>
+          </p:cNvCxnSpPr>
+          <p:nvPr/>
+        </p:nvCxnSpPr>
+        <p:spPr>
+          <a:xfrm rot="16200000" flipH="1">
+            <a:off x="1782383" y="727922"/>
+            <a:ext cx="2655331" cy="4543230"/>
+          </a:xfrm>
+          <a:prstGeom prst="bentConnector3">
+            <a:avLst>
+              <a:gd name="adj1" fmla="val 50000"/>
+            </a:avLst>
+          </a:prstGeom>
+          <a:ln>
+            <a:tailEnd type="triangle"/>
+          </a:ln>
+        </p:spPr>
+        <p:style>
+          <a:lnRef idx="1">
+            <a:schemeClr val="accent1"/>
+          </a:lnRef>
+          <a:fillRef idx="0">
+            <a:schemeClr val="accent1"/>
+          </a:fillRef>
+          <a:effectRef idx="0">
+            <a:schemeClr val="accent1"/>
+          </a:effectRef>
+          <a:fontRef idx="minor">
+            <a:schemeClr val="tx1"/>
+          </a:fontRef>
+        </p:style>
+      </p:cxnSp>
+      <p:cxnSp>
+        <p:nvCxnSpPr>
+          <p:cNvPr id="174" name="직선 화살표 연결선 173">
+            <a:extLst>
+              <a:ext uri="{FF2B5EF4-FFF2-40B4-BE49-F238E27FC236}">
+                <a16:creationId xmlns:a16="http://schemas.microsoft.com/office/drawing/2014/main" id="{23032E39-CCCD-4585-B999-227A3E851882}"/>
+              </a:ext>
+            </a:extLst>
+          </p:cNvPr>
+          <p:cNvCxnSpPr>
+            <a:cxnSpLocks/>
+            <a:stCxn id="20" idx="2"/>
+            <a:endCxn id="35" idx="0"/>
+          </p:cNvCxnSpPr>
+          <p:nvPr/>
+        </p:nvCxnSpPr>
+        <p:spPr>
+          <a:xfrm>
+            <a:off x="836232" y="4694488"/>
+            <a:ext cx="0" cy="538304"/>
+          </a:xfrm>
+          <a:prstGeom prst="straightConnector1">
+            <a:avLst/>
+          </a:prstGeom>
+          <a:ln>
+            <a:tailEnd type="triangle"/>
+          </a:ln>
+        </p:spPr>
+        <p:style>
+          <a:lnRef idx="1">
+            <a:schemeClr val="accent1"/>
+          </a:lnRef>
+          <a:fillRef idx="0">
+            <a:schemeClr val="accent1"/>
+          </a:fillRef>
+          <a:effectRef idx="0">
+            <a:schemeClr val="accent1"/>
+          </a:effectRef>
+          <a:fontRef idx="minor">
+            <a:schemeClr val="tx1"/>
+          </a:fontRef>
+        </p:style>
+      </p:cxnSp>
+      <p:cxnSp>
+        <p:nvCxnSpPr>
+          <p:cNvPr id="177" name="연결선: 꺾임 176">
+            <a:extLst>
+              <a:ext uri="{FF2B5EF4-FFF2-40B4-BE49-F238E27FC236}">
+                <a16:creationId xmlns:a16="http://schemas.microsoft.com/office/drawing/2014/main" id="{5DC3CF01-575E-49C2-BE7F-4FBBF6FD7A8B}"/>
+              </a:ext>
+            </a:extLst>
+          </p:cNvPr>
+          <p:cNvCxnSpPr>
+            <a:cxnSpLocks/>
+            <a:stCxn id="20" idx="2"/>
+            <a:endCxn id="44" idx="0"/>
+          </p:cNvCxnSpPr>
+          <p:nvPr/>
+        </p:nvCxnSpPr>
+        <p:spPr>
+          <a:xfrm rot="16200000" flipH="1">
+            <a:off x="1322732" y="4207987"/>
+            <a:ext cx="538615" cy="1511615"/>
+          </a:xfrm>
+          <a:prstGeom prst="bentConnector3">
+            <a:avLst>
+              <a:gd name="adj1" fmla="val 50000"/>
+            </a:avLst>
+          </a:prstGeom>
+          <a:ln>
+            <a:tailEnd type="triangle"/>
+          </a:ln>
+        </p:spPr>
+        <p:style>
+          <a:lnRef idx="1">
+            <a:schemeClr val="accent1"/>
+          </a:lnRef>
+          <a:fillRef idx="0">
+            <a:schemeClr val="accent1"/>
+          </a:fillRef>
+          <a:effectRef idx="0">
+            <a:schemeClr val="accent1"/>
+          </a:effectRef>
+          <a:fontRef idx="minor">
+            <a:schemeClr val="tx1"/>
+          </a:fontRef>
+        </p:style>
+      </p:cxnSp>
+      <p:cxnSp>
+        <p:nvCxnSpPr>
+          <p:cNvPr id="180" name="연결선: 꺾임 179">
+            <a:extLst>
+              <a:ext uri="{FF2B5EF4-FFF2-40B4-BE49-F238E27FC236}">
+                <a16:creationId xmlns:a16="http://schemas.microsoft.com/office/drawing/2014/main" id="{AEFE1CDE-A5EF-4F25-9882-63A1CD7125CA}"/>
+              </a:ext>
+            </a:extLst>
+          </p:cNvPr>
+          <p:cNvCxnSpPr>
+            <a:cxnSpLocks/>
+            <a:stCxn id="20" idx="2"/>
+            <a:endCxn id="38" idx="0"/>
+          </p:cNvCxnSpPr>
+          <p:nvPr/>
+        </p:nvCxnSpPr>
+        <p:spPr>
+          <a:xfrm rot="16200000" flipH="1">
+            <a:off x="2130145" y="3400575"/>
+            <a:ext cx="530974" cy="3118800"/>
+          </a:xfrm>
+          <a:prstGeom prst="bentConnector3">
+            <a:avLst>
+              <a:gd name="adj1" fmla="val 50000"/>
+            </a:avLst>
+          </a:prstGeom>
+          <a:ln>
+            <a:tailEnd type="triangle"/>
+          </a:ln>
+        </p:spPr>
+        <p:style>
+          <a:lnRef idx="1">
+            <a:schemeClr val="accent1"/>
+          </a:lnRef>
+          <a:fillRef idx="0">
+            <a:schemeClr val="accent1"/>
+          </a:fillRef>
+          <a:effectRef idx="0">
+            <a:schemeClr val="accent1"/>
+          </a:effectRef>
+          <a:fontRef idx="minor">
+            <a:schemeClr val="tx1"/>
+          </a:fontRef>
+        </p:style>
+      </p:cxnSp>
+      <p:cxnSp>
+        <p:nvCxnSpPr>
+          <p:cNvPr id="215" name="연결선: 꺾임 214">
+            <a:extLst>
+              <a:ext uri="{FF2B5EF4-FFF2-40B4-BE49-F238E27FC236}">
+                <a16:creationId xmlns:a16="http://schemas.microsoft.com/office/drawing/2014/main" id="{52372C30-A676-4694-8183-B18FA301B80A}"/>
+              </a:ext>
+            </a:extLst>
+          </p:cNvPr>
+          <p:cNvCxnSpPr>
+            <a:cxnSpLocks/>
+            <a:stCxn id="13" idx="2"/>
+            <a:endCxn id="109" idx="0"/>
+          </p:cNvCxnSpPr>
+          <p:nvPr/>
+        </p:nvCxnSpPr>
+        <p:spPr>
+          <a:xfrm rot="5400000">
+            <a:off x="9333697" y="2244950"/>
+            <a:ext cx="2639424" cy="1493269"/>
+          </a:xfrm>
+          <a:prstGeom prst="bentConnector3">
+            <a:avLst>
+              <a:gd name="adj1" fmla="val 50000"/>
+            </a:avLst>
+          </a:prstGeom>
+          <a:ln>
+            <a:tailEnd type="triangle"/>
+          </a:ln>
+        </p:spPr>
+        <p:style>
+          <a:lnRef idx="1">
+            <a:schemeClr val="accent1"/>
+          </a:lnRef>
+          <a:fillRef idx="0">
+            <a:schemeClr val="accent1"/>
+          </a:fillRef>
+          <a:effectRef idx="0">
+            <a:schemeClr val="accent1"/>
+          </a:effectRef>
+          <a:fontRef idx="minor">
+            <a:schemeClr val="tx1"/>
+          </a:fontRef>
+        </p:style>
+      </p:cxnSp>
+      <p:cxnSp>
+        <p:nvCxnSpPr>
+          <p:cNvPr id="226" name="연결선: 꺾임 225">
+            <a:extLst>
+              <a:ext uri="{FF2B5EF4-FFF2-40B4-BE49-F238E27FC236}">
+                <a16:creationId xmlns:a16="http://schemas.microsoft.com/office/drawing/2014/main" id="{67A7B0FC-8FB1-48EC-A05B-34690BB8B637}"/>
+              </a:ext>
+            </a:extLst>
+          </p:cNvPr>
+          <p:cNvCxnSpPr>
+            <a:cxnSpLocks/>
+            <a:stCxn id="20" idx="2"/>
+            <a:endCxn id="42" idx="0"/>
+          </p:cNvCxnSpPr>
+          <p:nvPr/>
+        </p:nvCxnSpPr>
+        <p:spPr>
+          <a:xfrm rot="16200000" flipH="1">
+            <a:off x="2897855" y="2632865"/>
+            <a:ext cx="530979" cy="4654224"/>
+          </a:xfrm>
+          <a:prstGeom prst="bentConnector3">
+            <a:avLst>
+              <a:gd name="adj1" fmla="val 50000"/>
+            </a:avLst>
+          </a:prstGeom>
+          <a:ln>
+            <a:tailEnd type="triangle"/>
+          </a:ln>
+        </p:spPr>
+        <p:style>
+          <a:lnRef idx="1">
+            <a:schemeClr val="accent1"/>
+          </a:lnRef>
+          <a:fillRef idx="0">
+            <a:schemeClr val="accent1"/>
+          </a:fillRef>
+          <a:effectRef idx="0">
+            <a:schemeClr val="accent1"/>
+          </a:effectRef>
+          <a:fontRef idx="minor">
+            <a:schemeClr val="tx1"/>
+          </a:fontRef>
+        </p:style>
+      </p:cxnSp>
+      <p:cxnSp>
+        <p:nvCxnSpPr>
+          <p:cNvPr id="233" name="직선 화살표 연결선 232">
+            <a:extLst>
+              <a:ext uri="{FF2B5EF4-FFF2-40B4-BE49-F238E27FC236}">
+                <a16:creationId xmlns:a16="http://schemas.microsoft.com/office/drawing/2014/main" id="{2D616F71-C8C4-4E18-8D08-3835A811BABB}"/>
+              </a:ext>
+            </a:extLst>
+          </p:cNvPr>
+          <p:cNvCxnSpPr>
+            <a:cxnSpLocks/>
+            <a:stCxn id="14" idx="2"/>
+            <a:endCxn id="41" idx="0"/>
+          </p:cNvCxnSpPr>
+          <p:nvPr/>
+        </p:nvCxnSpPr>
+        <p:spPr>
+          <a:xfrm>
+            <a:off x="8360388" y="1666873"/>
+            <a:ext cx="12074" cy="2651998"/>
+          </a:xfrm>
+          <a:prstGeom prst="straightConnector1">
+            <a:avLst/>
+          </a:prstGeom>
+          <a:ln>
+            <a:tailEnd type="triangle"/>
+          </a:ln>
+        </p:spPr>
+        <p:style>
+          <a:lnRef idx="1">
+            <a:schemeClr val="accent1"/>
+          </a:lnRef>
+          <a:fillRef idx="0">
+            <a:schemeClr val="accent1"/>
+          </a:fillRef>
+          <a:effectRef idx="0">
+            <a:schemeClr val="accent1"/>
+          </a:effectRef>
+          <a:fontRef idx="minor">
+            <a:schemeClr val="tx1"/>
+          </a:fontRef>
+        </p:style>
+      </p:cxnSp>
+      <p:cxnSp>
+        <p:nvCxnSpPr>
+          <p:cNvPr id="236" name="직선 화살표 연결선 235">
+            <a:extLst>
+              <a:ext uri="{FF2B5EF4-FFF2-40B4-BE49-F238E27FC236}">
+                <a16:creationId xmlns:a16="http://schemas.microsoft.com/office/drawing/2014/main" id="{87423F0C-5B85-4A75-9920-AF742C5C03DA}"/>
+              </a:ext>
+            </a:extLst>
+          </p:cNvPr>
+          <p:cNvCxnSpPr>
+            <a:cxnSpLocks/>
+            <a:stCxn id="13" idx="2"/>
+            <a:endCxn id="108" idx="0"/>
+          </p:cNvCxnSpPr>
+          <p:nvPr/>
+        </p:nvCxnSpPr>
+        <p:spPr>
+          <a:xfrm>
+            <a:off x="11400043" y="1671872"/>
+            <a:ext cx="0" cy="2639428"/>
+          </a:xfrm>
+          <a:prstGeom prst="straightConnector1">
+            <a:avLst/>
+          </a:prstGeom>
+          <a:ln>
+            <a:tailEnd type="triangle"/>
+          </a:ln>
+        </p:spPr>
+        <p:style>
+          <a:lnRef idx="1">
+            <a:schemeClr val="accent1"/>
+          </a:lnRef>
+          <a:fillRef idx="0">
+            <a:schemeClr val="accent1"/>
+          </a:fillRef>
+          <a:effectRef idx="0">
+            <a:schemeClr val="accent1"/>
+          </a:effectRef>
+          <a:fontRef idx="minor">
+            <a:schemeClr val="tx1"/>
+          </a:fontRef>
+        </p:style>
+      </p:cxnSp>
+      <p:sp>
+        <p:nvSpPr>
+          <p:cNvPr id="239" name="직사각형 238">
+            <a:extLst>
+              <a:ext uri="{FF2B5EF4-FFF2-40B4-BE49-F238E27FC236}">
+                <a16:creationId xmlns:a16="http://schemas.microsoft.com/office/drawing/2014/main" id="{B9A131F5-4A33-46FE-AD94-B04D63233412}"/>
+              </a:ext>
+            </a:extLst>
+          </p:cNvPr>
+          <p:cNvSpPr/>
+          <p:nvPr/>
+        </p:nvSpPr>
+        <p:spPr>
+          <a:xfrm>
+            <a:off x="7652462" y="6026112"/>
+            <a:ext cx="4253659" cy="638495"/>
+          </a:xfrm>
+          <a:prstGeom prst="rect">
+            <a:avLst/>
+          </a:prstGeom>
+        </p:spPr>
+        <p:style>
+          <a:lnRef idx="2">
+            <a:schemeClr val="accent3">
+              <a:shade val="50000"/>
+            </a:schemeClr>
+          </a:lnRef>
+          <a:fillRef idx="1">
+            <a:schemeClr val="accent3"/>
+          </a:fillRef>
+          <a:effectRef idx="0">
+            <a:schemeClr val="accent3"/>
+          </a:effectRef>
+          <a:fontRef idx="minor">
+            <a:schemeClr val="lt1"/>
+          </a:fontRef>
+        </p:style>
+        <p:txBody>
+          <a:bodyPr rtlCol="0" anchor="ctr"/>
+          <a:lstStyle/>
+          <a:p>
+            <a:pPr algn="ctr"/>
+            <a:r>
+              <a:rPr lang="ko-KR" altLang="en-US" dirty="0"/>
+              <a:t>전체 기능 우선 순위</a:t>
+            </a:r>
+            <a:endParaRPr lang="en-US" altLang="ko-KR" dirty="0"/>
+          </a:p>
+          <a:p>
+            <a:pPr algn="ctr"/>
+            <a:r>
+              <a:rPr lang="en-US" altLang="ko-KR" dirty="0"/>
+              <a:t>(</a:t>
+            </a:r>
+            <a:r>
+              <a:rPr lang="ko-KR" altLang="en-US" dirty="0"/>
+              <a:t>빨간 테두리 우선 구현</a:t>
+            </a:r>
+            <a:r>
+              <a:rPr lang="en-US" altLang="ko-KR" dirty="0"/>
+              <a:t>)</a:t>
+            </a:r>
+            <a:endParaRPr lang="ko-KR" altLang="en-US" dirty="0"/>
+          </a:p>
+        </p:txBody>
+      </p:sp>
+      <p:cxnSp>
+        <p:nvCxnSpPr>
+          <p:cNvPr id="240" name="연결선: 꺾임 239">
+            <a:extLst>
+              <a:ext uri="{FF2B5EF4-FFF2-40B4-BE49-F238E27FC236}">
+                <a16:creationId xmlns:a16="http://schemas.microsoft.com/office/drawing/2014/main" id="{EBD8ED6C-C02C-431F-B75A-60F260230A95}"/>
+              </a:ext>
+            </a:extLst>
+          </p:cNvPr>
+          <p:cNvCxnSpPr>
+            <a:cxnSpLocks/>
+            <a:stCxn id="44" idx="2"/>
+            <a:endCxn id="23" idx="0"/>
+          </p:cNvCxnSpPr>
+          <p:nvPr/>
+        </p:nvCxnSpPr>
+        <p:spPr>
+          <a:xfrm rot="16200000" flipH="1">
+            <a:off x="2958349" y="4982601"/>
+            <a:ext cx="386182" cy="1607186"/>
+          </a:xfrm>
+          <a:prstGeom prst="bentConnector3">
+            <a:avLst>
+              <a:gd name="adj1" fmla="val 50000"/>
+            </a:avLst>
+          </a:prstGeom>
+          <a:ln>
+            <a:tailEnd type="triangle"/>
+          </a:ln>
+        </p:spPr>
+        <p:style>
+          <a:lnRef idx="1">
+            <a:schemeClr val="accent1"/>
+          </a:lnRef>
+          <a:fillRef idx="0">
+            <a:schemeClr val="accent1"/>
+          </a:fillRef>
+          <a:effectRef idx="0">
+            <a:schemeClr val="accent1"/>
+          </a:effectRef>
+          <a:fontRef idx="minor">
+            <a:schemeClr val="tx1"/>
+          </a:fontRef>
+        </p:style>
+      </p:cxnSp>
+      <p:cxnSp>
+        <p:nvCxnSpPr>
+          <p:cNvPr id="250" name="직선 화살표 연결선 249">
+            <a:extLst>
+              <a:ext uri="{FF2B5EF4-FFF2-40B4-BE49-F238E27FC236}">
+                <a16:creationId xmlns:a16="http://schemas.microsoft.com/office/drawing/2014/main" id="{9B35E8F2-B9B7-4B8B-8C04-F79483E66BF6}"/>
+              </a:ext>
+            </a:extLst>
+          </p:cNvPr>
+          <p:cNvCxnSpPr>
+            <a:cxnSpLocks/>
+            <a:stCxn id="44" idx="2"/>
+            <a:endCxn id="36" idx="0"/>
+          </p:cNvCxnSpPr>
+          <p:nvPr/>
+        </p:nvCxnSpPr>
+        <p:spPr>
+          <a:xfrm>
+            <a:off x="2347847" y="5593103"/>
+            <a:ext cx="16269" cy="386182"/>
+          </a:xfrm>
+          <a:prstGeom prst="straightConnector1">
+            <a:avLst/>
+          </a:prstGeom>
+          <a:ln>
+            <a:tailEnd type="triangle"/>
+          </a:ln>
+        </p:spPr>
+        <p:style>
+          <a:lnRef idx="1">
+            <a:schemeClr val="accent1"/>
+          </a:lnRef>
+          <a:fillRef idx="0">
+            <a:schemeClr val="accent1"/>
+          </a:fillRef>
+          <a:effectRef idx="0">
+            <a:schemeClr val="accent1"/>
+          </a:effectRef>
+          <a:fontRef idx="minor">
+            <a:schemeClr val="tx1"/>
+          </a:fontRef>
+        </p:style>
+      </p:cxnSp>
+      <p:cxnSp>
+        <p:nvCxnSpPr>
+          <p:cNvPr id="59" name="연결선: 꺾임 58">
+            <a:extLst>
+              <a:ext uri="{FF2B5EF4-FFF2-40B4-BE49-F238E27FC236}">
+                <a16:creationId xmlns:a16="http://schemas.microsoft.com/office/drawing/2014/main" id="{7BCE6AE0-613E-4273-BBAD-F574F87B06AA}"/>
+              </a:ext>
+            </a:extLst>
+          </p:cNvPr>
+          <p:cNvCxnSpPr>
+            <a:cxnSpLocks/>
+            <a:stCxn id="5" idx="2"/>
+            <a:endCxn id="37" idx="0"/>
+          </p:cNvCxnSpPr>
+          <p:nvPr/>
+        </p:nvCxnSpPr>
+        <p:spPr>
+          <a:xfrm rot="16200000" flipH="1">
+            <a:off x="4712408" y="-820659"/>
+            <a:ext cx="724855" cy="3540205"/>
+          </a:xfrm>
+          <a:prstGeom prst="bentConnector3">
+            <a:avLst>
+              <a:gd name="adj1" fmla="val 50000"/>
+            </a:avLst>
+          </a:prstGeom>
+          <a:ln>
+            <a:tailEnd type="triangle"/>
+          </a:ln>
+        </p:spPr>
+        <p:style>
+          <a:lnRef idx="1">
+            <a:schemeClr val="accent1"/>
+          </a:lnRef>
+          <a:fillRef idx="0">
+            <a:schemeClr val="accent1"/>
+          </a:fillRef>
+          <a:effectRef idx="0">
+            <a:schemeClr val="accent1"/>
+          </a:effectRef>
+          <a:fontRef idx="minor">
+            <a:schemeClr val="tx1"/>
+          </a:fontRef>
+        </p:style>
+      </p:cxnSp>
+      <p:sp>
+        <p:nvSpPr>
+          <p:cNvPr id="63" name="직사각형 62">
+            <a:extLst>
+              <a:ext uri="{FF2B5EF4-FFF2-40B4-BE49-F238E27FC236}">
+                <a16:creationId xmlns:a16="http://schemas.microsoft.com/office/drawing/2014/main" id="{C682B21E-B0EC-45D9-9C9E-90E10D93F3A7}"/>
+              </a:ext>
+            </a:extLst>
+          </p:cNvPr>
+          <p:cNvSpPr/>
+          <p:nvPr/>
+        </p:nvSpPr>
+        <p:spPr>
+          <a:xfrm>
+            <a:off x="5771033" y="193393"/>
+            <a:ext cx="1633408" cy="360000"/>
+          </a:xfrm>
+          <a:prstGeom prst="rect">
+            <a:avLst/>
+          </a:prstGeom>
+          <a:solidFill>
+            <a:srgbClr val="FF0000"/>
+          </a:solidFill>
+          <a:ln>
+            <a:solidFill>
+              <a:schemeClr val="tx1"/>
+            </a:solidFill>
+          </a:ln>
+        </p:spPr>
+        <p:style>
+          <a:lnRef idx="2">
+            <a:schemeClr val="accent1">
+              <a:shade val="50000"/>
+            </a:schemeClr>
+          </a:lnRef>
+          <a:fillRef idx="1">
+            <a:schemeClr val="accent1"/>
+          </a:fillRef>
+          <a:effectRef idx="0">
+            <a:schemeClr val="accent1"/>
+          </a:effectRef>
+          <a:fontRef idx="minor">
+            <a:schemeClr val="lt1"/>
+          </a:fontRef>
+        </p:style>
+        <p:txBody>
+          <a:bodyPr rtlCol="0" anchor="ctr"/>
+          <a:lstStyle/>
+          <a:p>
+            <a:pPr algn="ctr"/>
+            <a:r>
+              <a:rPr lang="ko-KR" altLang="en-US" sz="1400" dirty="0"/>
+              <a:t>관리자 기능</a:t>
+            </a:r>
+            <a:r>
+              <a:rPr lang="en-US" altLang="ko-KR" sz="1400" dirty="0"/>
+              <a:t>(</a:t>
+            </a:r>
+            <a:r>
+              <a:rPr lang="ko-KR" altLang="en-US" sz="1400" dirty="0"/>
+              <a:t>필수</a:t>
+            </a:r>
+            <a:r>
+              <a:rPr lang="en-US" altLang="ko-KR" sz="1400" dirty="0"/>
+              <a:t>)</a:t>
+            </a:r>
+          </a:p>
+        </p:txBody>
+      </p:sp>
+      <p:sp>
+        <p:nvSpPr>
+          <p:cNvPr id="66" name="직사각형 65">
+            <a:extLst>
+              <a:ext uri="{FF2B5EF4-FFF2-40B4-BE49-F238E27FC236}">
+                <a16:creationId xmlns:a16="http://schemas.microsoft.com/office/drawing/2014/main" id="{F7D67204-D0B0-47D0-87E6-7C77C7400A8D}"/>
+              </a:ext>
+            </a:extLst>
+          </p:cNvPr>
+          <p:cNvSpPr/>
+          <p:nvPr/>
+        </p:nvSpPr>
+        <p:spPr>
+          <a:xfrm>
+            <a:off x="1611702" y="2056344"/>
+            <a:ext cx="1440000" cy="360000"/>
+          </a:xfrm>
+          <a:prstGeom prst="rect">
+            <a:avLst/>
+          </a:prstGeom>
+          <a:solidFill>
+            <a:schemeClr val="accent4">
+              <a:lumMod val="75000"/>
+            </a:schemeClr>
+          </a:solidFill>
+          <a:ln w="25400">
+            <a:solidFill>
+              <a:srgbClr val="FF0000"/>
+            </a:solidFill>
+          </a:ln>
+        </p:spPr>
+        <p:style>
+          <a:lnRef idx="2">
+            <a:schemeClr val="accent1">
+              <a:shade val="50000"/>
+            </a:schemeClr>
+          </a:lnRef>
+          <a:fillRef idx="1">
+            <a:schemeClr val="accent1"/>
+          </a:fillRef>
+          <a:effectRef idx="0">
+            <a:schemeClr val="accent1"/>
+          </a:effectRef>
+          <a:fontRef idx="minor">
+            <a:schemeClr val="lt1"/>
+          </a:fontRef>
+        </p:style>
+        <p:txBody>
+          <a:bodyPr rtlCol="0" anchor="ctr"/>
+          <a:lstStyle/>
+          <a:p>
+            <a:pPr algn="ctr"/>
+            <a:r>
+              <a:rPr lang="ko-KR" altLang="en-US" sz="1400" dirty="0"/>
+              <a:t>비밀번호 변경</a:t>
+            </a:r>
+            <a:endParaRPr lang="en-US" altLang="ko-KR" sz="1400" dirty="0"/>
+          </a:p>
+        </p:txBody>
+      </p:sp>
+      <p:sp>
+        <p:nvSpPr>
+          <p:cNvPr id="67" name="직사각형 66">
+            <a:extLst>
+              <a:ext uri="{FF2B5EF4-FFF2-40B4-BE49-F238E27FC236}">
+                <a16:creationId xmlns:a16="http://schemas.microsoft.com/office/drawing/2014/main" id="{807A6D0E-45AB-4AC0-A995-DFD61CE4E51A}"/>
+              </a:ext>
+            </a:extLst>
+          </p:cNvPr>
+          <p:cNvSpPr/>
+          <p:nvPr/>
+        </p:nvSpPr>
+        <p:spPr>
+          <a:xfrm>
+            <a:off x="3117330" y="2063189"/>
+            <a:ext cx="1440000" cy="360000"/>
+          </a:xfrm>
+          <a:prstGeom prst="rect">
+            <a:avLst/>
+          </a:prstGeom>
+          <a:solidFill>
+            <a:schemeClr val="accent4">
+              <a:lumMod val="75000"/>
+            </a:schemeClr>
+          </a:solidFill>
+          <a:ln w="25400">
+            <a:solidFill>
+              <a:srgbClr val="FF0000"/>
+            </a:solidFill>
+          </a:ln>
+        </p:spPr>
+        <p:style>
+          <a:lnRef idx="2">
+            <a:schemeClr val="accent1">
+              <a:shade val="50000"/>
+            </a:schemeClr>
+          </a:lnRef>
+          <a:fillRef idx="1">
+            <a:schemeClr val="accent1"/>
+          </a:fillRef>
+          <a:effectRef idx="0">
+            <a:schemeClr val="accent1"/>
+          </a:effectRef>
+          <a:fontRef idx="minor">
+            <a:schemeClr val="lt1"/>
+          </a:fontRef>
+        </p:style>
+        <p:txBody>
+          <a:bodyPr rtlCol="0" anchor="ctr"/>
+          <a:lstStyle/>
+          <a:p>
+            <a:pPr algn="ctr"/>
+            <a:r>
+              <a:rPr lang="ko-KR" altLang="en-US" sz="1400" dirty="0"/>
+              <a:t>계정 공개 범위</a:t>
+            </a:r>
+            <a:endParaRPr lang="en-US" altLang="ko-KR" sz="1400" dirty="0"/>
+          </a:p>
+        </p:txBody>
+      </p:sp>
+      <p:sp>
+        <p:nvSpPr>
+          <p:cNvPr id="68" name="직사각형 67">
+            <a:extLst>
+              <a:ext uri="{FF2B5EF4-FFF2-40B4-BE49-F238E27FC236}">
+                <a16:creationId xmlns:a16="http://schemas.microsoft.com/office/drawing/2014/main" id="{800627A3-9846-49DD-9F22-6E5BC667750A}"/>
+              </a:ext>
+            </a:extLst>
+          </p:cNvPr>
+          <p:cNvSpPr/>
+          <p:nvPr/>
+        </p:nvSpPr>
+        <p:spPr>
+          <a:xfrm>
+            <a:off x="4619176" y="2063189"/>
+            <a:ext cx="1440000" cy="360000"/>
+          </a:xfrm>
+          <a:prstGeom prst="rect">
+            <a:avLst/>
+          </a:prstGeom>
+          <a:solidFill>
+            <a:schemeClr val="accent6">
+              <a:lumMod val="75000"/>
+            </a:schemeClr>
+          </a:solidFill>
+          <a:ln w="25400">
+            <a:solidFill>
+              <a:srgbClr val="00B0F0"/>
+            </a:solidFill>
+          </a:ln>
+        </p:spPr>
+        <p:style>
+          <a:lnRef idx="2">
+            <a:schemeClr val="accent1">
+              <a:shade val="50000"/>
+            </a:schemeClr>
+          </a:lnRef>
+          <a:fillRef idx="1">
+            <a:schemeClr val="accent1"/>
+          </a:fillRef>
+          <a:effectRef idx="0">
+            <a:schemeClr val="accent1"/>
+          </a:effectRef>
+          <a:fontRef idx="minor">
+            <a:schemeClr val="lt1"/>
+          </a:fontRef>
+        </p:style>
+        <p:txBody>
+          <a:bodyPr rtlCol="0" anchor="ctr"/>
+          <a:lstStyle/>
+          <a:p>
+            <a:pPr algn="ctr"/>
+            <a:r>
+              <a:rPr lang="ko-KR" altLang="en-US" sz="1400" dirty="0"/>
+              <a:t>차단된 계정</a:t>
+            </a:r>
+            <a:endParaRPr lang="en-US" altLang="ko-KR" sz="1400" dirty="0"/>
+          </a:p>
+        </p:txBody>
+      </p:sp>
+      <p:cxnSp>
+        <p:nvCxnSpPr>
+          <p:cNvPr id="69" name="연결선: 꺾임 68">
+            <a:extLst>
+              <a:ext uri="{FF2B5EF4-FFF2-40B4-BE49-F238E27FC236}">
+                <a16:creationId xmlns:a16="http://schemas.microsoft.com/office/drawing/2014/main" id="{33785144-BFE0-410A-AD5B-18B4DEB2E5D4}"/>
+              </a:ext>
+            </a:extLst>
+          </p:cNvPr>
+          <p:cNvCxnSpPr>
+            <a:cxnSpLocks/>
+            <a:stCxn id="29" idx="2"/>
+            <a:endCxn id="67" idx="0"/>
+          </p:cNvCxnSpPr>
+          <p:nvPr/>
+        </p:nvCxnSpPr>
+        <p:spPr>
+          <a:xfrm rot="16200000" flipH="1">
+            <a:off x="2888816" y="1114674"/>
+            <a:ext cx="396315" cy="1500713"/>
+          </a:xfrm>
+          <a:prstGeom prst="bentConnector3">
+            <a:avLst>
+              <a:gd name="adj1" fmla="val 50000"/>
+            </a:avLst>
+          </a:prstGeom>
+          <a:ln>
+            <a:tailEnd type="triangle"/>
+          </a:ln>
+        </p:spPr>
+        <p:style>
+          <a:lnRef idx="1">
+            <a:schemeClr val="accent1"/>
+          </a:lnRef>
+          <a:fillRef idx="0">
+            <a:schemeClr val="accent1"/>
+          </a:fillRef>
+          <a:effectRef idx="0">
+            <a:schemeClr val="accent1"/>
+          </a:effectRef>
+          <a:fontRef idx="minor">
+            <a:schemeClr val="tx1"/>
+          </a:fontRef>
+        </p:style>
+      </p:cxnSp>
+      <p:cxnSp>
+        <p:nvCxnSpPr>
+          <p:cNvPr id="72" name="연결선: 꺾임 71">
+            <a:extLst>
+              <a:ext uri="{FF2B5EF4-FFF2-40B4-BE49-F238E27FC236}">
+                <a16:creationId xmlns:a16="http://schemas.microsoft.com/office/drawing/2014/main" id="{6BA6E474-4C76-4759-BA7D-958EBAB888C4}"/>
+              </a:ext>
+            </a:extLst>
+          </p:cNvPr>
+          <p:cNvCxnSpPr>
+            <a:cxnSpLocks/>
+            <a:stCxn id="29" idx="2"/>
+            <a:endCxn id="68" idx="0"/>
+          </p:cNvCxnSpPr>
+          <p:nvPr/>
+        </p:nvCxnSpPr>
+        <p:spPr>
+          <a:xfrm rot="16200000" flipH="1">
+            <a:off x="3639739" y="363751"/>
+            <a:ext cx="396315" cy="3002559"/>
+          </a:xfrm>
+          <a:prstGeom prst="bentConnector3">
+            <a:avLst>
+              <a:gd name="adj1" fmla="val 50000"/>
+            </a:avLst>
+          </a:prstGeom>
+          <a:ln>
+            <a:tailEnd type="triangle"/>
+          </a:ln>
+        </p:spPr>
+        <p:style>
+          <a:lnRef idx="1">
+            <a:schemeClr val="accent1"/>
+          </a:lnRef>
+          <a:fillRef idx="0">
+            <a:schemeClr val="accent1"/>
+          </a:fillRef>
+          <a:effectRef idx="0">
+            <a:schemeClr val="accent1"/>
+          </a:effectRef>
+          <a:fontRef idx="minor">
+            <a:schemeClr val="tx1"/>
+          </a:fontRef>
+        </p:style>
+      </p:cxnSp>
+      <p:cxnSp>
+        <p:nvCxnSpPr>
+          <p:cNvPr id="75" name="직선 화살표 연결선 74">
+            <a:extLst>
+              <a:ext uri="{FF2B5EF4-FFF2-40B4-BE49-F238E27FC236}">
+                <a16:creationId xmlns:a16="http://schemas.microsoft.com/office/drawing/2014/main" id="{02DBED61-25C1-465E-B8FA-64F856548878}"/>
+              </a:ext>
+            </a:extLst>
+          </p:cNvPr>
+          <p:cNvCxnSpPr>
+            <a:cxnSpLocks/>
+            <a:stCxn id="29" idx="2"/>
+            <a:endCxn id="66" idx="0"/>
+          </p:cNvCxnSpPr>
+          <p:nvPr/>
+        </p:nvCxnSpPr>
+        <p:spPr>
+          <a:xfrm flipH="1">
+            <a:off x="2331702" y="1666874"/>
+            <a:ext cx="4915" cy="389470"/>
+          </a:xfrm>
+          <a:prstGeom prst="straightConnector1">
+            <a:avLst/>
+          </a:prstGeom>
+          <a:ln>
+            <a:tailEnd type="triangle"/>
+          </a:ln>
+        </p:spPr>
+        <p:style>
+          <a:lnRef idx="1">
+            <a:schemeClr val="accent1"/>
+          </a:lnRef>
+          <a:fillRef idx="0">
+            <a:schemeClr val="accent1"/>
+          </a:fillRef>
+          <a:effectRef idx="0">
+            <a:schemeClr val="accent1"/>
+          </a:effectRef>
+          <a:fontRef idx="minor">
+            <a:schemeClr val="tx1"/>
+          </a:fontRef>
+        </p:style>
+      </p:cxnSp>
+    </p:spTree>
+    <p:extLst>
+      <p:ext uri="{BB962C8B-B14F-4D97-AF65-F5344CB8AC3E}">
+        <p14:creationId xmlns:p14="http://schemas.microsoft.com/office/powerpoint/2010/main" val="3565395851"/>
       </p:ext>
     </p:extLst>
   </p:cSld>

--- a/Documents/0. 일정표/작업 우선 순위.pptx
+++ b/Documents/0. 일정표/작업 우선 순위.pptx
@@ -10,6 +10,8 @@
     <p:sldId id="258" r:id="rId4"/>
     <p:sldId id="260" r:id="rId5"/>
     <p:sldId id="259" r:id="rId6"/>
+    <p:sldId id="262" r:id="rId7"/>
+    <p:sldId id="263" r:id="rId8"/>
   </p:sldIdLst>
   <p:sldSz cx="12192000" cy="6858000"/>
   <p:notesSz cx="6858000" cy="9144000"/>
@@ -263,7 +265,7 @@
           <a:p>
             <a:fld id="{C9D477A0-61BB-437C-8506-793B74E9B943}" type="datetimeFigureOut">
               <a:rPr lang="ko-KR" altLang="en-US" smtClean="0"/>
-              <a:t>2024-02-15</a:t>
+              <a:t>2024-02-19</a:t>
             </a:fld>
             <a:endParaRPr lang="ko-KR" altLang="en-US"/>
           </a:p>
@@ -461,7 +463,7 @@
           <a:p>
             <a:fld id="{C9D477A0-61BB-437C-8506-793B74E9B943}" type="datetimeFigureOut">
               <a:rPr lang="ko-KR" altLang="en-US" smtClean="0"/>
-              <a:t>2024-02-15</a:t>
+              <a:t>2024-02-19</a:t>
             </a:fld>
             <a:endParaRPr lang="ko-KR" altLang="en-US"/>
           </a:p>
@@ -669,7 +671,7 @@
           <a:p>
             <a:fld id="{C9D477A0-61BB-437C-8506-793B74E9B943}" type="datetimeFigureOut">
               <a:rPr lang="ko-KR" altLang="en-US" smtClean="0"/>
-              <a:t>2024-02-15</a:t>
+              <a:t>2024-02-19</a:t>
             </a:fld>
             <a:endParaRPr lang="ko-KR" altLang="en-US"/>
           </a:p>
@@ -867,7 +869,7 @@
           <a:p>
             <a:fld id="{C9D477A0-61BB-437C-8506-793B74E9B943}" type="datetimeFigureOut">
               <a:rPr lang="ko-KR" altLang="en-US" smtClean="0"/>
-              <a:t>2024-02-15</a:t>
+              <a:t>2024-02-19</a:t>
             </a:fld>
             <a:endParaRPr lang="ko-KR" altLang="en-US"/>
           </a:p>
@@ -1142,7 +1144,7 @@
           <a:p>
             <a:fld id="{C9D477A0-61BB-437C-8506-793B74E9B943}" type="datetimeFigureOut">
               <a:rPr lang="ko-KR" altLang="en-US" smtClean="0"/>
-              <a:t>2024-02-15</a:t>
+              <a:t>2024-02-19</a:t>
             </a:fld>
             <a:endParaRPr lang="ko-KR" altLang="en-US"/>
           </a:p>
@@ -1407,7 +1409,7 @@
           <a:p>
             <a:fld id="{C9D477A0-61BB-437C-8506-793B74E9B943}" type="datetimeFigureOut">
               <a:rPr lang="ko-KR" altLang="en-US" smtClean="0"/>
-              <a:t>2024-02-15</a:t>
+              <a:t>2024-02-19</a:t>
             </a:fld>
             <a:endParaRPr lang="ko-KR" altLang="en-US"/>
           </a:p>
@@ -1819,7 +1821,7 @@
           <a:p>
             <a:fld id="{C9D477A0-61BB-437C-8506-793B74E9B943}" type="datetimeFigureOut">
               <a:rPr lang="ko-KR" altLang="en-US" smtClean="0"/>
-              <a:t>2024-02-15</a:t>
+              <a:t>2024-02-19</a:t>
             </a:fld>
             <a:endParaRPr lang="ko-KR" altLang="en-US"/>
           </a:p>
@@ -1960,7 +1962,7 @@
           <a:p>
             <a:fld id="{C9D477A0-61BB-437C-8506-793B74E9B943}" type="datetimeFigureOut">
               <a:rPr lang="ko-KR" altLang="en-US" smtClean="0"/>
-              <a:t>2024-02-15</a:t>
+              <a:t>2024-02-19</a:t>
             </a:fld>
             <a:endParaRPr lang="ko-KR" altLang="en-US"/>
           </a:p>
@@ -2073,7 +2075,7 @@
           <a:p>
             <a:fld id="{C9D477A0-61BB-437C-8506-793B74E9B943}" type="datetimeFigureOut">
               <a:rPr lang="ko-KR" altLang="en-US" smtClean="0"/>
-              <a:t>2024-02-15</a:t>
+              <a:t>2024-02-19</a:t>
             </a:fld>
             <a:endParaRPr lang="ko-KR" altLang="en-US"/>
           </a:p>
@@ -2384,7 +2386,7 @@
           <a:p>
             <a:fld id="{C9D477A0-61BB-437C-8506-793B74E9B943}" type="datetimeFigureOut">
               <a:rPr lang="ko-KR" altLang="en-US" smtClean="0"/>
-              <a:t>2024-02-15</a:t>
+              <a:t>2024-02-19</a:t>
             </a:fld>
             <a:endParaRPr lang="ko-KR" altLang="en-US"/>
           </a:p>
@@ -2672,7 +2674,7 @@
           <a:p>
             <a:fld id="{C9D477A0-61BB-437C-8506-793B74E9B943}" type="datetimeFigureOut">
               <a:rPr lang="ko-KR" altLang="en-US" smtClean="0"/>
-              <a:t>2024-02-15</a:t>
+              <a:t>2024-02-19</a:t>
             </a:fld>
             <a:endParaRPr lang="ko-KR" altLang="en-US"/>
           </a:p>
@@ -2913,7 +2915,7 @@
           <a:p>
             <a:fld id="{C9D477A0-61BB-437C-8506-793B74E9B943}" type="datetimeFigureOut">
               <a:rPr lang="ko-KR" altLang="en-US" smtClean="0"/>
-              <a:t>2024-02-15</a:t>
+              <a:t>2024-02-19</a:t>
             </a:fld>
             <a:endParaRPr lang="ko-KR" altLang="en-US"/>
           </a:p>
@@ -10857,6 +10859,3755 @@
 </p:sld>
 </file>
 
+<file path=ppt/slides/slide6.xml><?xml version="1.0" encoding="utf-8"?>
+<p:sld xmlns:a="http://schemas.openxmlformats.org/drawingml/2006/main" xmlns:r="http://schemas.openxmlformats.org/officeDocument/2006/relationships" xmlns:p="http://schemas.openxmlformats.org/presentationml/2006/main">
+  <p:cSld>
+    <p:spTree>
+      <p:nvGrpSpPr>
+        <p:cNvPr id="1" name=""/>
+        <p:cNvGrpSpPr/>
+        <p:nvPr/>
+      </p:nvGrpSpPr>
+      <p:grpSpPr>
+        <a:xfrm>
+          <a:off x="0" y="0"/>
+          <a:ext cx="0" cy="0"/>
+          <a:chOff x="0" y="0"/>
+          <a:chExt cx="0" cy="0"/>
+        </a:xfrm>
+      </p:grpSpPr>
+      <p:sp>
+        <p:nvSpPr>
+          <p:cNvPr id="2" name="제목 1">
+            <a:extLst>
+              <a:ext uri="{FF2B5EF4-FFF2-40B4-BE49-F238E27FC236}">
+                <a16:creationId xmlns:a16="http://schemas.microsoft.com/office/drawing/2014/main" id="{8F297AC2-73CD-4171-8841-0FAA1D756B52}"/>
+              </a:ext>
+            </a:extLst>
+          </p:cNvPr>
+          <p:cNvSpPr>
+            <a:spLocks noGrp="1"/>
+          </p:cNvSpPr>
+          <p:nvPr>
+            <p:ph type="title"/>
+          </p:nvPr>
+        </p:nvSpPr>
+        <p:spPr/>
+        <p:txBody>
+          <a:bodyPr/>
+          <a:lstStyle/>
+          <a:p>
+            <a:r>
+              <a:rPr lang="en-US" altLang="ko-KR" dirty="0"/>
+              <a:t>3</a:t>
+            </a:r>
+            <a:r>
+              <a:rPr lang="ko-KR" altLang="en-US" dirty="0"/>
+              <a:t>차</a:t>
+            </a:r>
+          </a:p>
+        </p:txBody>
+      </p:sp>
+    </p:spTree>
+    <p:extLst>
+      <p:ext uri="{BB962C8B-B14F-4D97-AF65-F5344CB8AC3E}">
+        <p14:creationId xmlns:p14="http://schemas.microsoft.com/office/powerpoint/2010/main" val="614196948"/>
+      </p:ext>
+    </p:extLst>
+  </p:cSld>
+  <p:clrMapOvr>
+    <a:masterClrMapping/>
+  </p:clrMapOvr>
+</p:sld>
+</file>
+
+<file path=ppt/slides/slide7.xml><?xml version="1.0" encoding="utf-8"?>
+<p:sld xmlns:a="http://schemas.openxmlformats.org/drawingml/2006/main" xmlns:r="http://schemas.openxmlformats.org/officeDocument/2006/relationships" xmlns:p="http://schemas.openxmlformats.org/presentationml/2006/main">
+  <p:cSld>
+    <p:spTree>
+      <p:nvGrpSpPr>
+        <p:cNvPr id="1" name=""/>
+        <p:cNvGrpSpPr/>
+        <p:nvPr/>
+      </p:nvGrpSpPr>
+      <p:grpSpPr>
+        <a:xfrm>
+          <a:off x="0" y="0"/>
+          <a:ext cx="0" cy="0"/>
+          <a:chOff x="0" y="0"/>
+          <a:chExt cx="0" cy="0"/>
+        </a:xfrm>
+      </p:grpSpPr>
+      <p:sp>
+        <p:nvSpPr>
+          <p:cNvPr id="4" name="직사각형 3">
+            <a:extLst>
+              <a:ext uri="{FF2B5EF4-FFF2-40B4-BE49-F238E27FC236}">
+                <a16:creationId xmlns:a16="http://schemas.microsoft.com/office/drawing/2014/main" id="{7856C619-E4AD-4483-A794-A4893E6E420C}"/>
+              </a:ext>
+            </a:extLst>
+          </p:cNvPr>
+          <p:cNvSpPr/>
+          <p:nvPr/>
+        </p:nvSpPr>
+        <p:spPr>
+          <a:xfrm>
+            <a:off x="866516" y="223735"/>
+            <a:ext cx="1440000" cy="360000"/>
+          </a:xfrm>
+          <a:prstGeom prst="rect">
+            <a:avLst/>
+          </a:prstGeom>
+          <a:solidFill>
+            <a:schemeClr val="accent6">
+              <a:lumMod val="75000"/>
+            </a:schemeClr>
+          </a:solidFill>
+          <a:ln>
+            <a:solidFill>
+              <a:srgbClr val="FF0000"/>
+            </a:solidFill>
+          </a:ln>
+        </p:spPr>
+        <p:style>
+          <a:lnRef idx="2">
+            <a:schemeClr val="accent1">
+              <a:shade val="50000"/>
+            </a:schemeClr>
+          </a:lnRef>
+          <a:fillRef idx="1">
+            <a:schemeClr val="accent1"/>
+          </a:fillRef>
+          <a:effectRef idx="0">
+            <a:schemeClr val="accent1"/>
+          </a:effectRef>
+          <a:fontRef idx="minor">
+            <a:schemeClr val="lt1"/>
+          </a:fontRef>
+        </p:style>
+        <p:txBody>
+          <a:bodyPr rtlCol="0" anchor="ctr"/>
+          <a:lstStyle/>
+          <a:p>
+            <a:pPr algn="ctr"/>
+            <a:r>
+              <a:rPr lang="ko-KR" altLang="en-US" sz="1400" dirty="0"/>
+              <a:t>회원가입</a:t>
+            </a:r>
+            <a:endParaRPr lang="en-US" altLang="ko-KR" sz="1400" dirty="0"/>
+          </a:p>
+        </p:txBody>
+      </p:sp>
+      <p:sp>
+        <p:nvSpPr>
+          <p:cNvPr id="5" name="직사각형 4">
+            <a:extLst>
+              <a:ext uri="{FF2B5EF4-FFF2-40B4-BE49-F238E27FC236}">
+                <a16:creationId xmlns:a16="http://schemas.microsoft.com/office/drawing/2014/main" id="{CD920B2D-E3AC-4730-A94E-ECA52B73D1AB}"/>
+              </a:ext>
+            </a:extLst>
+          </p:cNvPr>
+          <p:cNvSpPr/>
+          <p:nvPr/>
+        </p:nvSpPr>
+        <p:spPr>
+          <a:xfrm>
+            <a:off x="2584733" y="227017"/>
+            <a:ext cx="1440000" cy="360000"/>
+          </a:xfrm>
+          <a:prstGeom prst="rect">
+            <a:avLst/>
+          </a:prstGeom>
+          <a:solidFill>
+            <a:schemeClr val="accent6">
+              <a:lumMod val="75000"/>
+            </a:schemeClr>
+          </a:solidFill>
+          <a:ln>
+            <a:solidFill>
+              <a:srgbClr val="FF0000"/>
+            </a:solidFill>
+          </a:ln>
+        </p:spPr>
+        <p:style>
+          <a:lnRef idx="2">
+            <a:schemeClr val="accent1">
+              <a:shade val="50000"/>
+            </a:schemeClr>
+          </a:lnRef>
+          <a:fillRef idx="1">
+            <a:schemeClr val="accent1"/>
+          </a:fillRef>
+          <a:effectRef idx="0">
+            <a:schemeClr val="accent1"/>
+          </a:effectRef>
+          <a:fontRef idx="minor">
+            <a:schemeClr val="lt1"/>
+          </a:fontRef>
+        </p:style>
+        <p:txBody>
+          <a:bodyPr rtlCol="0" anchor="ctr"/>
+          <a:lstStyle/>
+          <a:p>
+            <a:pPr algn="ctr"/>
+            <a:r>
+              <a:rPr lang="ko-KR" altLang="en-US" sz="1400" dirty="0"/>
+              <a:t>로그인</a:t>
+            </a:r>
+            <a:endParaRPr lang="en-US" altLang="ko-KR" sz="1400" dirty="0"/>
+          </a:p>
+        </p:txBody>
+      </p:sp>
+      <p:sp>
+        <p:nvSpPr>
+          <p:cNvPr id="6" name="타원 5">
+            <a:extLst>
+              <a:ext uri="{FF2B5EF4-FFF2-40B4-BE49-F238E27FC236}">
+                <a16:creationId xmlns:a16="http://schemas.microsoft.com/office/drawing/2014/main" id="{C8D6FBD2-9C62-4D71-B570-BB224C4F09F3}"/>
+              </a:ext>
+            </a:extLst>
+          </p:cNvPr>
+          <p:cNvSpPr/>
+          <p:nvPr/>
+        </p:nvSpPr>
+        <p:spPr>
+          <a:xfrm>
+            <a:off x="183131" y="223735"/>
+            <a:ext cx="359924" cy="359924"/>
+          </a:xfrm>
+          <a:prstGeom prst="ellipse">
+            <a:avLst/>
+          </a:prstGeom>
+        </p:spPr>
+        <p:style>
+          <a:lnRef idx="2">
+            <a:schemeClr val="accent1">
+              <a:shade val="50000"/>
+            </a:schemeClr>
+          </a:lnRef>
+          <a:fillRef idx="1">
+            <a:schemeClr val="accent1"/>
+          </a:fillRef>
+          <a:effectRef idx="0">
+            <a:schemeClr val="accent1"/>
+          </a:effectRef>
+          <a:fontRef idx="minor">
+            <a:schemeClr val="lt1"/>
+          </a:fontRef>
+        </p:style>
+        <p:txBody>
+          <a:bodyPr rtlCol="0" anchor="ctr"/>
+          <a:lstStyle/>
+          <a:p>
+            <a:pPr algn="ctr"/>
+            <a:endParaRPr lang="ko-KR" altLang="en-US"/>
+          </a:p>
+        </p:txBody>
+      </p:sp>
+      <p:sp>
+        <p:nvSpPr>
+          <p:cNvPr id="7" name="직사각형 6">
+            <a:extLst>
+              <a:ext uri="{FF2B5EF4-FFF2-40B4-BE49-F238E27FC236}">
+                <a16:creationId xmlns:a16="http://schemas.microsoft.com/office/drawing/2014/main" id="{D119030E-1C22-4D28-AF70-7F74A3F2975F}"/>
+              </a:ext>
+            </a:extLst>
+          </p:cNvPr>
+          <p:cNvSpPr/>
+          <p:nvPr/>
+        </p:nvSpPr>
+        <p:spPr>
+          <a:xfrm>
+            <a:off x="118433" y="1311872"/>
+            <a:ext cx="1440000" cy="360000"/>
+          </a:xfrm>
+          <a:prstGeom prst="rect">
+            <a:avLst/>
+          </a:prstGeom>
+          <a:solidFill>
+            <a:schemeClr val="accent1">
+              <a:lumMod val="75000"/>
+            </a:schemeClr>
+          </a:solidFill>
+          <a:ln>
+            <a:solidFill>
+              <a:srgbClr val="FF0000"/>
+            </a:solidFill>
+          </a:ln>
+        </p:spPr>
+        <p:style>
+          <a:lnRef idx="2">
+            <a:schemeClr val="accent1">
+              <a:shade val="50000"/>
+            </a:schemeClr>
+          </a:lnRef>
+          <a:fillRef idx="1">
+            <a:schemeClr val="accent1"/>
+          </a:fillRef>
+          <a:effectRef idx="0">
+            <a:schemeClr val="accent1"/>
+          </a:effectRef>
+          <a:fontRef idx="minor">
+            <a:schemeClr val="lt1"/>
+          </a:fontRef>
+        </p:style>
+        <p:txBody>
+          <a:bodyPr rtlCol="0" anchor="ctr"/>
+          <a:lstStyle/>
+          <a:p>
+            <a:pPr algn="ctr"/>
+            <a:r>
+              <a:rPr lang="ko-KR" altLang="en-US" sz="1400" dirty="0"/>
+              <a:t>게시글 등록</a:t>
+            </a:r>
+            <a:endParaRPr lang="en-US" altLang="ko-KR" sz="1400" dirty="0"/>
+          </a:p>
+        </p:txBody>
+      </p:sp>
+      <p:sp>
+        <p:nvSpPr>
+          <p:cNvPr id="13" name="직사각형 12">
+            <a:extLst>
+              <a:ext uri="{FF2B5EF4-FFF2-40B4-BE49-F238E27FC236}">
+                <a16:creationId xmlns:a16="http://schemas.microsoft.com/office/drawing/2014/main" id="{CC3E30F3-EEE5-41CF-84A4-23C7D912A524}"/>
+              </a:ext>
+            </a:extLst>
+          </p:cNvPr>
+          <p:cNvSpPr/>
+          <p:nvPr/>
+        </p:nvSpPr>
+        <p:spPr>
+          <a:xfrm>
+            <a:off x="10680043" y="1311872"/>
+            <a:ext cx="1440000" cy="360000"/>
+          </a:xfrm>
+          <a:prstGeom prst="rect">
+            <a:avLst/>
+          </a:prstGeom>
+          <a:solidFill>
+            <a:schemeClr val="accent6">
+              <a:lumMod val="75000"/>
+            </a:schemeClr>
+          </a:solidFill>
+          <a:ln>
+            <a:solidFill>
+              <a:srgbClr val="FF0000"/>
+            </a:solidFill>
+          </a:ln>
+        </p:spPr>
+        <p:style>
+          <a:lnRef idx="2">
+            <a:schemeClr val="accent1">
+              <a:shade val="50000"/>
+            </a:schemeClr>
+          </a:lnRef>
+          <a:fillRef idx="1">
+            <a:schemeClr val="accent1"/>
+          </a:fillRef>
+          <a:effectRef idx="0">
+            <a:schemeClr val="accent1"/>
+          </a:effectRef>
+          <a:fontRef idx="minor">
+            <a:schemeClr val="lt1"/>
+          </a:fontRef>
+        </p:style>
+        <p:txBody>
+          <a:bodyPr rtlCol="0" anchor="ctr"/>
+          <a:lstStyle/>
+          <a:p>
+            <a:pPr algn="ctr"/>
+            <a:r>
+              <a:rPr lang="ko-KR" altLang="en-US" sz="1400" dirty="0" err="1"/>
+              <a:t>팔로우</a:t>
+            </a:r>
+            <a:r>
+              <a:rPr lang="ko-KR" altLang="en-US" sz="1400" dirty="0"/>
+              <a:t> 기능</a:t>
+            </a:r>
+            <a:endParaRPr lang="en-US" altLang="ko-KR" sz="1400" dirty="0"/>
+          </a:p>
+        </p:txBody>
+      </p:sp>
+      <p:sp>
+        <p:nvSpPr>
+          <p:cNvPr id="14" name="직사각형 13">
+            <a:extLst>
+              <a:ext uri="{FF2B5EF4-FFF2-40B4-BE49-F238E27FC236}">
+                <a16:creationId xmlns:a16="http://schemas.microsoft.com/office/drawing/2014/main" id="{0BD30CD7-F5FB-493A-848C-CC1803E3A94D}"/>
+              </a:ext>
+            </a:extLst>
+          </p:cNvPr>
+          <p:cNvSpPr/>
+          <p:nvPr/>
+        </p:nvSpPr>
+        <p:spPr>
+          <a:xfrm>
+            <a:off x="7640388" y="1306873"/>
+            <a:ext cx="1440000" cy="360000"/>
+          </a:xfrm>
+          <a:prstGeom prst="rect">
+            <a:avLst/>
+          </a:prstGeom>
+          <a:solidFill>
+            <a:schemeClr val="accent1">
+              <a:lumMod val="75000"/>
+            </a:schemeClr>
+          </a:solidFill>
+          <a:ln>
+            <a:solidFill>
+              <a:srgbClr val="FF0000"/>
+            </a:solidFill>
+          </a:ln>
+        </p:spPr>
+        <p:style>
+          <a:lnRef idx="2">
+            <a:schemeClr val="accent1">
+              <a:shade val="50000"/>
+            </a:schemeClr>
+          </a:lnRef>
+          <a:fillRef idx="1">
+            <a:schemeClr val="accent1"/>
+          </a:fillRef>
+          <a:effectRef idx="0">
+            <a:schemeClr val="accent1"/>
+          </a:effectRef>
+          <a:fontRef idx="minor">
+            <a:schemeClr val="lt1"/>
+          </a:fontRef>
+        </p:style>
+        <p:txBody>
+          <a:bodyPr rtlCol="0" anchor="ctr"/>
+          <a:lstStyle/>
+          <a:p>
+            <a:pPr algn="ctr"/>
+            <a:r>
+              <a:rPr lang="ko-KR" altLang="en-US" sz="1400" dirty="0"/>
+              <a:t>프로필 보기</a:t>
+            </a:r>
+            <a:endParaRPr lang="en-US" altLang="ko-KR" sz="1400" dirty="0"/>
+          </a:p>
+        </p:txBody>
+      </p:sp>
+      <p:cxnSp>
+        <p:nvCxnSpPr>
+          <p:cNvPr id="17" name="연결선: 꺾임 16">
+            <a:extLst>
+              <a:ext uri="{FF2B5EF4-FFF2-40B4-BE49-F238E27FC236}">
+                <a16:creationId xmlns:a16="http://schemas.microsoft.com/office/drawing/2014/main" id="{A4C7F794-1BF0-4525-BECE-681BD4A7FF1D}"/>
+              </a:ext>
+            </a:extLst>
+          </p:cNvPr>
+          <p:cNvCxnSpPr>
+            <a:cxnSpLocks/>
+            <a:stCxn id="5" idx="2"/>
+            <a:endCxn id="7" idx="0"/>
+          </p:cNvCxnSpPr>
+          <p:nvPr/>
+        </p:nvCxnSpPr>
+        <p:spPr>
+          <a:xfrm rot="5400000">
+            <a:off x="1709156" y="-283706"/>
+            <a:ext cx="724855" cy="2466300"/>
+          </a:xfrm>
+          <a:prstGeom prst="bentConnector3">
+            <a:avLst>
+              <a:gd name="adj1" fmla="val 50000"/>
+            </a:avLst>
+          </a:prstGeom>
+          <a:ln>
+            <a:tailEnd type="triangle"/>
+          </a:ln>
+        </p:spPr>
+        <p:style>
+          <a:lnRef idx="1">
+            <a:schemeClr val="accent1"/>
+          </a:lnRef>
+          <a:fillRef idx="0">
+            <a:schemeClr val="accent1"/>
+          </a:fillRef>
+          <a:effectRef idx="0">
+            <a:schemeClr val="accent1"/>
+          </a:effectRef>
+          <a:fontRef idx="minor">
+            <a:schemeClr val="tx1"/>
+          </a:fontRef>
+        </p:style>
+      </p:cxnSp>
+      <p:sp>
+        <p:nvSpPr>
+          <p:cNvPr id="20" name="직사각형 19">
+            <a:extLst>
+              <a:ext uri="{FF2B5EF4-FFF2-40B4-BE49-F238E27FC236}">
+                <a16:creationId xmlns:a16="http://schemas.microsoft.com/office/drawing/2014/main" id="{053D5B5E-E53B-492A-B065-90F4E453E1AC}"/>
+              </a:ext>
+            </a:extLst>
+          </p:cNvPr>
+          <p:cNvSpPr/>
+          <p:nvPr/>
+        </p:nvSpPr>
+        <p:spPr>
+          <a:xfrm>
+            <a:off x="116232" y="4334488"/>
+            <a:ext cx="1440000" cy="360000"/>
+          </a:xfrm>
+          <a:prstGeom prst="rect">
+            <a:avLst/>
+          </a:prstGeom>
+          <a:solidFill>
+            <a:schemeClr val="accent1">
+              <a:lumMod val="75000"/>
+            </a:schemeClr>
+          </a:solidFill>
+          <a:ln>
+            <a:solidFill>
+              <a:srgbClr val="FF0000"/>
+            </a:solidFill>
+          </a:ln>
+        </p:spPr>
+        <p:style>
+          <a:lnRef idx="2">
+            <a:schemeClr val="accent1">
+              <a:shade val="50000"/>
+            </a:schemeClr>
+          </a:lnRef>
+          <a:fillRef idx="1">
+            <a:schemeClr val="accent1"/>
+          </a:fillRef>
+          <a:effectRef idx="0">
+            <a:schemeClr val="accent1"/>
+          </a:effectRef>
+          <a:fontRef idx="minor">
+            <a:schemeClr val="lt1"/>
+          </a:fontRef>
+        </p:style>
+        <p:txBody>
+          <a:bodyPr rtlCol="0" anchor="ctr"/>
+          <a:lstStyle/>
+          <a:p>
+            <a:pPr algn="ctr"/>
+            <a:r>
+              <a:rPr lang="ko-KR" altLang="en-US" sz="1400" dirty="0"/>
+              <a:t>게시글 보기</a:t>
+            </a:r>
+            <a:endParaRPr lang="en-US" altLang="ko-KR" sz="1400" dirty="0"/>
+          </a:p>
+        </p:txBody>
+      </p:sp>
+      <p:sp>
+        <p:nvSpPr>
+          <p:cNvPr id="21" name="직사각형 20">
+            <a:extLst>
+              <a:ext uri="{FF2B5EF4-FFF2-40B4-BE49-F238E27FC236}">
+                <a16:creationId xmlns:a16="http://schemas.microsoft.com/office/drawing/2014/main" id="{126CA399-ECF8-4259-AE45-CE23527B72EB}"/>
+              </a:ext>
+            </a:extLst>
+          </p:cNvPr>
+          <p:cNvSpPr/>
+          <p:nvPr/>
+        </p:nvSpPr>
+        <p:spPr>
+          <a:xfrm>
+            <a:off x="4661663" y="4327203"/>
+            <a:ext cx="1440000" cy="360000"/>
+          </a:xfrm>
+          <a:prstGeom prst="rect">
+            <a:avLst/>
+          </a:prstGeom>
+          <a:solidFill>
+            <a:schemeClr val="accent6">
+              <a:lumMod val="75000"/>
+            </a:schemeClr>
+          </a:solidFill>
+          <a:ln>
+            <a:solidFill>
+              <a:srgbClr val="FF0000"/>
+            </a:solidFill>
+          </a:ln>
+        </p:spPr>
+        <p:style>
+          <a:lnRef idx="2">
+            <a:schemeClr val="accent1">
+              <a:shade val="50000"/>
+            </a:schemeClr>
+          </a:lnRef>
+          <a:fillRef idx="1">
+            <a:schemeClr val="accent1"/>
+          </a:fillRef>
+          <a:effectRef idx="0">
+            <a:schemeClr val="accent1"/>
+          </a:effectRef>
+          <a:fontRef idx="minor">
+            <a:schemeClr val="lt1"/>
+          </a:fontRef>
+        </p:style>
+        <p:txBody>
+          <a:bodyPr rtlCol="0" anchor="ctr"/>
+          <a:lstStyle/>
+          <a:p>
+            <a:pPr algn="ctr"/>
+            <a:r>
+              <a:rPr lang="ko-KR" altLang="en-US" sz="1400" dirty="0"/>
+              <a:t>검색</a:t>
+            </a:r>
+            <a:r>
+              <a:rPr lang="en-US" altLang="ko-KR" sz="1400" dirty="0"/>
+              <a:t>/</a:t>
+            </a:r>
+            <a:r>
+              <a:rPr lang="ko-KR" altLang="en-US" sz="1400" dirty="0"/>
+              <a:t>탐색</a:t>
+            </a:r>
+            <a:endParaRPr lang="en-US" altLang="ko-KR" sz="1400" dirty="0"/>
+          </a:p>
+        </p:txBody>
+      </p:sp>
+      <p:sp>
+        <p:nvSpPr>
+          <p:cNvPr id="22" name="직사각형 21">
+            <a:extLst>
+              <a:ext uri="{FF2B5EF4-FFF2-40B4-BE49-F238E27FC236}">
+                <a16:creationId xmlns:a16="http://schemas.microsoft.com/office/drawing/2014/main" id="{BE8371BE-52F3-4567-B8DD-595C35DA2AE6}"/>
+              </a:ext>
+            </a:extLst>
+          </p:cNvPr>
+          <p:cNvSpPr/>
+          <p:nvPr/>
+        </p:nvSpPr>
+        <p:spPr>
+          <a:xfrm>
+            <a:off x="9197011" y="1306872"/>
+            <a:ext cx="1440000" cy="360000"/>
+          </a:xfrm>
+          <a:prstGeom prst="rect">
+            <a:avLst/>
+          </a:prstGeom>
+          <a:solidFill>
+            <a:schemeClr val="accent6">
+              <a:lumMod val="75000"/>
+            </a:schemeClr>
+          </a:solidFill>
+          <a:ln>
+            <a:solidFill>
+              <a:srgbClr val="FF0000"/>
+            </a:solidFill>
+          </a:ln>
+        </p:spPr>
+        <p:style>
+          <a:lnRef idx="2">
+            <a:schemeClr val="accent1">
+              <a:shade val="50000"/>
+            </a:schemeClr>
+          </a:lnRef>
+          <a:fillRef idx="1">
+            <a:schemeClr val="accent1"/>
+          </a:fillRef>
+          <a:effectRef idx="0">
+            <a:schemeClr val="accent1"/>
+          </a:effectRef>
+          <a:fontRef idx="minor">
+            <a:schemeClr val="lt1"/>
+          </a:fontRef>
+        </p:style>
+        <p:txBody>
+          <a:bodyPr rtlCol="0" anchor="ctr"/>
+          <a:lstStyle/>
+          <a:p>
+            <a:pPr algn="ctr"/>
+            <a:r>
+              <a:rPr lang="ko-KR" altLang="en-US" sz="1400" dirty="0" err="1"/>
+              <a:t>홈화면</a:t>
+            </a:r>
+            <a:r>
+              <a:rPr lang="ko-KR" altLang="en-US" sz="1400" dirty="0"/>
+              <a:t> 보기</a:t>
+            </a:r>
+            <a:endParaRPr lang="en-US" altLang="ko-KR" sz="1400" dirty="0"/>
+          </a:p>
+        </p:txBody>
+      </p:sp>
+      <p:cxnSp>
+        <p:nvCxnSpPr>
+          <p:cNvPr id="24" name="직선 화살표 연결선 23">
+            <a:extLst>
+              <a:ext uri="{FF2B5EF4-FFF2-40B4-BE49-F238E27FC236}">
+                <a16:creationId xmlns:a16="http://schemas.microsoft.com/office/drawing/2014/main" id="{B9E70E87-FF99-457B-84E4-0768E0F2F2DB}"/>
+              </a:ext>
+            </a:extLst>
+          </p:cNvPr>
+          <p:cNvCxnSpPr>
+            <a:cxnSpLocks/>
+            <a:stCxn id="4" idx="3"/>
+            <a:endCxn id="5" idx="1"/>
+          </p:cNvCxnSpPr>
+          <p:nvPr/>
+        </p:nvCxnSpPr>
+        <p:spPr>
+          <a:xfrm>
+            <a:off x="2306516" y="403735"/>
+            <a:ext cx="278217" cy="3282"/>
+          </a:xfrm>
+          <a:prstGeom prst="straightConnector1">
+            <a:avLst/>
+          </a:prstGeom>
+          <a:ln>
+            <a:tailEnd type="triangle"/>
+          </a:ln>
+        </p:spPr>
+        <p:style>
+          <a:lnRef idx="1">
+            <a:schemeClr val="accent1"/>
+          </a:lnRef>
+          <a:fillRef idx="0">
+            <a:schemeClr val="accent1"/>
+          </a:fillRef>
+          <a:effectRef idx="0">
+            <a:schemeClr val="accent1"/>
+          </a:effectRef>
+          <a:fontRef idx="minor">
+            <a:schemeClr val="tx1"/>
+          </a:fontRef>
+        </p:style>
+      </p:cxnSp>
+      <p:cxnSp>
+        <p:nvCxnSpPr>
+          <p:cNvPr id="25" name="직선 화살표 연결선 24">
+            <a:extLst>
+              <a:ext uri="{FF2B5EF4-FFF2-40B4-BE49-F238E27FC236}">
+                <a16:creationId xmlns:a16="http://schemas.microsoft.com/office/drawing/2014/main" id="{7AAF0248-2B6B-4A80-829E-39C87F11ABD9}"/>
+              </a:ext>
+            </a:extLst>
+          </p:cNvPr>
+          <p:cNvCxnSpPr>
+            <a:cxnSpLocks/>
+            <a:stCxn id="7" idx="2"/>
+            <a:endCxn id="20" idx="0"/>
+          </p:cNvCxnSpPr>
+          <p:nvPr/>
+        </p:nvCxnSpPr>
+        <p:spPr>
+          <a:xfrm flipH="1">
+            <a:off x="836232" y="1671872"/>
+            <a:ext cx="2201" cy="2662616"/>
+          </a:xfrm>
+          <a:prstGeom prst="straightConnector1">
+            <a:avLst/>
+          </a:prstGeom>
+          <a:ln>
+            <a:tailEnd type="triangle"/>
+          </a:ln>
+        </p:spPr>
+        <p:style>
+          <a:lnRef idx="1">
+            <a:schemeClr val="accent1"/>
+          </a:lnRef>
+          <a:fillRef idx="0">
+            <a:schemeClr val="accent1"/>
+          </a:fillRef>
+          <a:effectRef idx="0">
+            <a:schemeClr val="accent1"/>
+          </a:effectRef>
+          <a:fontRef idx="minor">
+            <a:schemeClr val="tx1"/>
+          </a:fontRef>
+        </p:style>
+      </p:cxnSp>
+      <p:cxnSp>
+        <p:nvCxnSpPr>
+          <p:cNvPr id="34" name="직선 화살표 연결선 33">
+            <a:extLst>
+              <a:ext uri="{FF2B5EF4-FFF2-40B4-BE49-F238E27FC236}">
+                <a16:creationId xmlns:a16="http://schemas.microsoft.com/office/drawing/2014/main" id="{BCBC3452-6F2E-448D-AB04-2B546B25CA29}"/>
+              </a:ext>
+            </a:extLst>
+          </p:cNvPr>
+          <p:cNvCxnSpPr>
+            <a:cxnSpLocks/>
+            <a:stCxn id="6" idx="6"/>
+            <a:endCxn id="4" idx="1"/>
+          </p:cNvCxnSpPr>
+          <p:nvPr/>
+        </p:nvCxnSpPr>
+        <p:spPr>
+          <a:xfrm>
+            <a:off x="543055" y="403697"/>
+            <a:ext cx="323461" cy="38"/>
+          </a:xfrm>
+          <a:prstGeom prst="straightConnector1">
+            <a:avLst/>
+          </a:prstGeom>
+          <a:ln>
+            <a:tailEnd type="triangle"/>
+          </a:ln>
+        </p:spPr>
+        <p:style>
+          <a:lnRef idx="1">
+            <a:schemeClr val="accent1"/>
+          </a:lnRef>
+          <a:fillRef idx="0">
+            <a:schemeClr val="accent1"/>
+          </a:fillRef>
+          <a:effectRef idx="0">
+            <a:schemeClr val="accent1"/>
+          </a:effectRef>
+          <a:fontRef idx="minor">
+            <a:schemeClr val="tx1"/>
+          </a:fontRef>
+        </p:style>
+      </p:cxnSp>
+      <p:sp>
+        <p:nvSpPr>
+          <p:cNvPr id="51" name="직사각형 50">
+            <a:extLst>
+              <a:ext uri="{FF2B5EF4-FFF2-40B4-BE49-F238E27FC236}">
+                <a16:creationId xmlns:a16="http://schemas.microsoft.com/office/drawing/2014/main" id="{CD07105C-A9AC-415A-99AA-AF20A532E3DD}"/>
+              </a:ext>
+            </a:extLst>
+          </p:cNvPr>
+          <p:cNvSpPr/>
+          <p:nvPr/>
+        </p:nvSpPr>
+        <p:spPr>
+          <a:xfrm>
+            <a:off x="7491845" y="193393"/>
+            <a:ext cx="1440000" cy="360000"/>
+          </a:xfrm>
+          <a:prstGeom prst="rect">
+            <a:avLst/>
+          </a:prstGeom>
+          <a:solidFill>
+            <a:schemeClr val="accent6">
+              <a:lumMod val="75000"/>
+            </a:schemeClr>
+          </a:solidFill>
+          <a:ln>
+            <a:solidFill>
+              <a:schemeClr val="tx1"/>
+            </a:solidFill>
+          </a:ln>
+        </p:spPr>
+        <p:style>
+          <a:lnRef idx="2">
+            <a:schemeClr val="accent1">
+              <a:shade val="50000"/>
+            </a:schemeClr>
+          </a:lnRef>
+          <a:fillRef idx="1">
+            <a:schemeClr val="accent1"/>
+          </a:fillRef>
+          <a:effectRef idx="0">
+            <a:schemeClr val="accent1"/>
+          </a:effectRef>
+          <a:fontRef idx="minor">
+            <a:schemeClr val="lt1"/>
+          </a:fontRef>
+        </p:style>
+        <p:txBody>
+          <a:bodyPr rtlCol="0" anchor="ctr"/>
+          <a:lstStyle/>
+          <a:p>
+            <a:pPr algn="ctr"/>
+            <a:r>
+              <a:rPr lang="ko-KR" altLang="en-US" sz="1400" dirty="0" err="1"/>
+              <a:t>전우성</a:t>
+            </a:r>
+            <a:endParaRPr lang="en-US" altLang="ko-KR" sz="1400" dirty="0"/>
+          </a:p>
+        </p:txBody>
+      </p:sp>
+      <p:sp>
+        <p:nvSpPr>
+          <p:cNvPr id="52" name="직사각형 51">
+            <a:extLst>
+              <a:ext uri="{FF2B5EF4-FFF2-40B4-BE49-F238E27FC236}">
+                <a16:creationId xmlns:a16="http://schemas.microsoft.com/office/drawing/2014/main" id="{F1C2B16D-600D-4CDB-A95D-4EF34A2B8A5E}"/>
+              </a:ext>
+            </a:extLst>
+          </p:cNvPr>
+          <p:cNvSpPr/>
+          <p:nvPr/>
+        </p:nvSpPr>
+        <p:spPr>
+          <a:xfrm>
+            <a:off x="9019249" y="193393"/>
+            <a:ext cx="1440000" cy="360000"/>
+          </a:xfrm>
+          <a:prstGeom prst="rect">
+            <a:avLst/>
+          </a:prstGeom>
+          <a:solidFill>
+            <a:schemeClr val="accent1">
+              <a:lumMod val="75000"/>
+            </a:schemeClr>
+          </a:solidFill>
+          <a:ln>
+            <a:solidFill>
+              <a:schemeClr val="tx1"/>
+            </a:solidFill>
+          </a:ln>
+        </p:spPr>
+        <p:style>
+          <a:lnRef idx="2">
+            <a:schemeClr val="accent1">
+              <a:shade val="50000"/>
+            </a:schemeClr>
+          </a:lnRef>
+          <a:fillRef idx="1">
+            <a:schemeClr val="accent1"/>
+          </a:fillRef>
+          <a:effectRef idx="0">
+            <a:schemeClr val="accent1"/>
+          </a:effectRef>
+          <a:fontRef idx="minor">
+            <a:schemeClr val="lt1"/>
+          </a:fontRef>
+        </p:style>
+        <p:txBody>
+          <a:bodyPr rtlCol="0" anchor="ctr"/>
+          <a:lstStyle/>
+          <a:p>
+            <a:pPr algn="ctr"/>
+            <a:r>
+              <a:rPr lang="ko-KR" altLang="en-US" sz="1400" dirty="0" err="1"/>
+              <a:t>주현종</a:t>
+            </a:r>
+            <a:endParaRPr lang="en-US" altLang="ko-KR" sz="1400" dirty="0"/>
+          </a:p>
+        </p:txBody>
+      </p:sp>
+      <p:sp>
+        <p:nvSpPr>
+          <p:cNvPr id="53" name="직사각형 52">
+            <a:extLst>
+              <a:ext uri="{FF2B5EF4-FFF2-40B4-BE49-F238E27FC236}">
+                <a16:creationId xmlns:a16="http://schemas.microsoft.com/office/drawing/2014/main" id="{7FFE4C43-FC6C-4F00-ADDE-64245692E41F}"/>
+              </a:ext>
+            </a:extLst>
+          </p:cNvPr>
+          <p:cNvSpPr/>
+          <p:nvPr/>
+        </p:nvSpPr>
+        <p:spPr>
+          <a:xfrm>
+            <a:off x="10568869" y="193393"/>
+            <a:ext cx="1440000" cy="360000"/>
+          </a:xfrm>
+          <a:prstGeom prst="rect">
+            <a:avLst/>
+          </a:prstGeom>
+          <a:solidFill>
+            <a:schemeClr val="accent4">
+              <a:lumMod val="75000"/>
+            </a:schemeClr>
+          </a:solidFill>
+          <a:ln>
+            <a:solidFill>
+              <a:schemeClr val="tx1"/>
+            </a:solidFill>
+          </a:ln>
+        </p:spPr>
+        <p:style>
+          <a:lnRef idx="2">
+            <a:schemeClr val="accent1">
+              <a:shade val="50000"/>
+            </a:schemeClr>
+          </a:lnRef>
+          <a:fillRef idx="1">
+            <a:schemeClr val="accent1"/>
+          </a:fillRef>
+          <a:effectRef idx="0">
+            <a:schemeClr val="accent1"/>
+          </a:effectRef>
+          <a:fontRef idx="minor">
+            <a:schemeClr val="lt1"/>
+          </a:fontRef>
+        </p:style>
+        <p:txBody>
+          <a:bodyPr rtlCol="0" anchor="ctr"/>
+          <a:lstStyle/>
+          <a:p>
+            <a:pPr algn="ctr"/>
+            <a:r>
+              <a:rPr lang="ko-KR" altLang="en-US" sz="1400" dirty="0" err="1"/>
+              <a:t>김건승</a:t>
+            </a:r>
+            <a:endParaRPr lang="en-US" altLang="ko-KR" sz="1400" dirty="0"/>
+          </a:p>
+        </p:txBody>
+      </p:sp>
+      <p:sp>
+        <p:nvSpPr>
+          <p:cNvPr id="23" name="직사각형 22">
+            <a:extLst>
+              <a:ext uri="{FF2B5EF4-FFF2-40B4-BE49-F238E27FC236}">
+                <a16:creationId xmlns:a16="http://schemas.microsoft.com/office/drawing/2014/main" id="{B9ECB89F-6337-4E1C-B82F-E7A2B9CC514B}"/>
+              </a:ext>
+            </a:extLst>
+          </p:cNvPr>
+          <p:cNvSpPr/>
+          <p:nvPr/>
+        </p:nvSpPr>
+        <p:spPr>
+          <a:xfrm>
+            <a:off x="3235033" y="5979285"/>
+            <a:ext cx="1440000" cy="360000"/>
+          </a:xfrm>
+          <a:prstGeom prst="rect">
+            <a:avLst/>
+          </a:prstGeom>
+          <a:solidFill>
+            <a:schemeClr val="accent6">
+              <a:lumMod val="75000"/>
+            </a:schemeClr>
+          </a:solidFill>
+          <a:ln w="25400">
+            <a:solidFill>
+              <a:srgbClr val="00B0F0"/>
+            </a:solidFill>
+          </a:ln>
+        </p:spPr>
+        <p:style>
+          <a:lnRef idx="2">
+            <a:schemeClr val="accent1">
+              <a:shade val="50000"/>
+            </a:schemeClr>
+          </a:lnRef>
+          <a:fillRef idx="1">
+            <a:schemeClr val="accent1"/>
+          </a:fillRef>
+          <a:effectRef idx="0">
+            <a:schemeClr val="accent1"/>
+          </a:effectRef>
+          <a:fontRef idx="minor">
+            <a:schemeClr val="lt1"/>
+          </a:fontRef>
+        </p:style>
+        <p:txBody>
+          <a:bodyPr rtlCol="0" anchor="ctr"/>
+          <a:lstStyle/>
+          <a:p>
+            <a:pPr algn="ctr"/>
+            <a:r>
+              <a:rPr lang="ko-KR" altLang="en-US" sz="1400" dirty="0"/>
+              <a:t>알림</a:t>
+            </a:r>
+            <a:endParaRPr lang="en-US" altLang="ko-KR" sz="1400" dirty="0"/>
+          </a:p>
+        </p:txBody>
+      </p:sp>
+      <p:sp>
+        <p:nvSpPr>
+          <p:cNvPr id="26" name="직사각형 25">
+            <a:extLst>
+              <a:ext uri="{FF2B5EF4-FFF2-40B4-BE49-F238E27FC236}">
+                <a16:creationId xmlns:a16="http://schemas.microsoft.com/office/drawing/2014/main" id="{7FF73CC5-803E-40AE-8716-CD0E4E147310}"/>
+              </a:ext>
+            </a:extLst>
+          </p:cNvPr>
+          <p:cNvSpPr/>
+          <p:nvPr/>
+        </p:nvSpPr>
+        <p:spPr>
+          <a:xfrm>
+            <a:off x="4620132" y="1310383"/>
+            <a:ext cx="1440000" cy="360000"/>
+          </a:xfrm>
+          <a:prstGeom prst="rect">
+            <a:avLst/>
+          </a:prstGeom>
+          <a:solidFill>
+            <a:schemeClr val="accent6">
+              <a:lumMod val="75000"/>
+            </a:schemeClr>
+          </a:solidFill>
+          <a:ln w="25400">
+            <a:solidFill>
+              <a:srgbClr val="FFFF00"/>
+            </a:solidFill>
+          </a:ln>
+        </p:spPr>
+        <p:style>
+          <a:lnRef idx="2">
+            <a:schemeClr val="accent1">
+              <a:shade val="50000"/>
+            </a:schemeClr>
+          </a:lnRef>
+          <a:fillRef idx="1">
+            <a:schemeClr val="accent1"/>
+          </a:fillRef>
+          <a:effectRef idx="0">
+            <a:schemeClr val="accent1"/>
+          </a:effectRef>
+          <a:fontRef idx="minor">
+            <a:schemeClr val="lt1"/>
+          </a:fontRef>
+        </p:style>
+        <p:txBody>
+          <a:bodyPr rtlCol="0" anchor="ctr"/>
+          <a:lstStyle/>
+          <a:p>
+            <a:pPr algn="ctr"/>
+            <a:r>
+              <a:rPr lang="ko-KR" altLang="en-US" sz="1400" dirty="0"/>
+              <a:t>회원 탈퇴</a:t>
+            </a:r>
+            <a:endParaRPr lang="en-US" altLang="ko-KR" sz="1400" dirty="0"/>
+          </a:p>
+        </p:txBody>
+      </p:sp>
+      <p:sp>
+        <p:nvSpPr>
+          <p:cNvPr id="27" name="직사각형 26">
+            <a:extLst>
+              <a:ext uri="{FF2B5EF4-FFF2-40B4-BE49-F238E27FC236}">
+                <a16:creationId xmlns:a16="http://schemas.microsoft.com/office/drawing/2014/main" id="{28B1A44F-20B4-45D5-A6EB-0C19E262DC56}"/>
+              </a:ext>
+            </a:extLst>
+          </p:cNvPr>
+          <p:cNvSpPr/>
+          <p:nvPr/>
+        </p:nvSpPr>
+        <p:spPr>
+          <a:xfrm>
+            <a:off x="3121377" y="1309371"/>
+            <a:ext cx="1440000" cy="360000"/>
+          </a:xfrm>
+          <a:prstGeom prst="rect">
+            <a:avLst/>
+          </a:prstGeom>
+          <a:solidFill>
+            <a:schemeClr val="accent4">
+              <a:lumMod val="75000"/>
+            </a:schemeClr>
+          </a:solidFill>
+          <a:ln w="25400">
+            <a:solidFill>
+              <a:srgbClr val="FF0000"/>
+            </a:solidFill>
+          </a:ln>
+        </p:spPr>
+        <p:style>
+          <a:lnRef idx="2">
+            <a:schemeClr val="accent1">
+              <a:shade val="50000"/>
+            </a:schemeClr>
+          </a:lnRef>
+          <a:fillRef idx="1">
+            <a:schemeClr val="accent1"/>
+          </a:fillRef>
+          <a:effectRef idx="0">
+            <a:schemeClr val="accent1"/>
+          </a:effectRef>
+          <a:fontRef idx="minor">
+            <a:schemeClr val="lt1"/>
+          </a:fontRef>
+        </p:style>
+        <p:txBody>
+          <a:bodyPr rtlCol="0" anchor="ctr"/>
+          <a:lstStyle/>
+          <a:p>
+            <a:pPr algn="ctr"/>
+            <a:r>
+              <a:rPr lang="ko-KR" altLang="en-US" sz="1400" dirty="0"/>
+              <a:t>프로필 편집</a:t>
+            </a:r>
+            <a:endParaRPr lang="en-US" altLang="ko-KR" sz="1400" dirty="0"/>
+          </a:p>
+        </p:txBody>
+      </p:sp>
+      <p:sp>
+        <p:nvSpPr>
+          <p:cNvPr id="29" name="직사각형 28">
+            <a:extLst>
+              <a:ext uri="{FF2B5EF4-FFF2-40B4-BE49-F238E27FC236}">
+                <a16:creationId xmlns:a16="http://schemas.microsoft.com/office/drawing/2014/main" id="{B69107BD-8002-485C-AD01-65B38F828778}"/>
+              </a:ext>
+            </a:extLst>
+          </p:cNvPr>
+          <p:cNvSpPr/>
+          <p:nvPr/>
+        </p:nvSpPr>
+        <p:spPr>
+          <a:xfrm>
+            <a:off x="1616617" y="1306874"/>
+            <a:ext cx="1440000" cy="360000"/>
+          </a:xfrm>
+          <a:prstGeom prst="rect">
+            <a:avLst/>
+          </a:prstGeom>
+          <a:solidFill>
+            <a:schemeClr val="accent4">
+              <a:lumMod val="75000"/>
+            </a:schemeClr>
+          </a:solidFill>
+          <a:ln w="25400">
+            <a:solidFill>
+              <a:srgbClr val="FF0000"/>
+            </a:solidFill>
+          </a:ln>
+        </p:spPr>
+        <p:style>
+          <a:lnRef idx="2">
+            <a:schemeClr val="accent1">
+              <a:shade val="50000"/>
+            </a:schemeClr>
+          </a:lnRef>
+          <a:fillRef idx="1">
+            <a:schemeClr val="accent1"/>
+          </a:fillRef>
+          <a:effectRef idx="0">
+            <a:schemeClr val="accent1"/>
+          </a:effectRef>
+          <a:fontRef idx="minor">
+            <a:schemeClr val="lt1"/>
+          </a:fontRef>
+        </p:style>
+        <p:txBody>
+          <a:bodyPr rtlCol="0" anchor="ctr"/>
+          <a:lstStyle/>
+          <a:p>
+            <a:pPr algn="ctr"/>
+            <a:r>
+              <a:rPr lang="ko-KR" altLang="en-US" sz="1400" dirty="0"/>
+              <a:t>계정 설정</a:t>
+            </a:r>
+            <a:endParaRPr lang="en-US" altLang="ko-KR" sz="1400" dirty="0"/>
+          </a:p>
+        </p:txBody>
+      </p:sp>
+      <p:sp>
+        <p:nvSpPr>
+          <p:cNvPr id="32" name="직사각형 31">
+            <a:extLst>
+              <a:ext uri="{FF2B5EF4-FFF2-40B4-BE49-F238E27FC236}">
+                <a16:creationId xmlns:a16="http://schemas.microsoft.com/office/drawing/2014/main" id="{2B514E71-11B4-481E-A78F-5B87477B5146}"/>
+              </a:ext>
+            </a:extLst>
+          </p:cNvPr>
+          <p:cNvSpPr/>
+          <p:nvPr/>
+        </p:nvSpPr>
+        <p:spPr>
+          <a:xfrm>
+            <a:off x="3108547" y="4330393"/>
+            <a:ext cx="1440000" cy="360000"/>
+          </a:xfrm>
+          <a:prstGeom prst="rect">
+            <a:avLst/>
+          </a:prstGeom>
+          <a:solidFill>
+            <a:schemeClr val="accent1">
+              <a:lumMod val="75000"/>
+            </a:schemeClr>
+          </a:solidFill>
+          <a:ln w="25400">
+            <a:solidFill>
+              <a:srgbClr val="00B0F0"/>
+            </a:solidFill>
+          </a:ln>
+        </p:spPr>
+        <p:style>
+          <a:lnRef idx="2">
+            <a:schemeClr val="accent1">
+              <a:shade val="50000"/>
+            </a:schemeClr>
+          </a:lnRef>
+          <a:fillRef idx="1">
+            <a:schemeClr val="accent1"/>
+          </a:fillRef>
+          <a:effectRef idx="0">
+            <a:schemeClr val="accent1"/>
+          </a:effectRef>
+          <a:fontRef idx="minor">
+            <a:schemeClr val="lt1"/>
+          </a:fontRef>
+        </p:style>
+        <p:txBody>
+          <a:bodyPr rtlCol="0" anchor="ctr"/>
+          <a:lstStyle/>
+          <a:p>
+            <a:pPr algn="ctr"/>
+            <a:r>
+              <a:rPr lang="ko-KR" altLang="en-US" sz="1400" dirty="0"/>
+              <a:t>게시글 삭제</a:t>
+            </a:r>
+            <a:endParaRPr lang="en-US" altLang="ko-KR" sz="1400" dirty="0"/>
+          </a:p>
+        </p:txBody>
+      </p:sp>
+      <p:sp>
+        <p:nvSpPr>
+          <p:cNvPr id="33" name="직사각형 32">
+            <a:extLst>
+              <a:ext uri="{FF2B5EF4-FFF2-40B4-BE49-F238E27FC236}">
+                <a16:creationId xmlns:a16="http://schemas.microsoft.com/office/drawing/2014/main" id="{B089A535-95B4-4F5A-AA62-DB99CECB6901}"/>
+              </a:ext>
+            </a:extLst>
+          </p:cNvPr>
+          <p:cNvSpPr/>
+          <p:nvPr/>
+        </p:nvSpPr>
+        <p:spPr>
+          <a:xfrm>
+            <a:off x="1609885" y="4331296"/>
+            <a:ext cx="1440000" cy="360000"/>
+          </a:xfrm>
+          <a:prstGeom prst="rect">
+            <a:avLst/>
+          </a:prstGeom>
+          <a:solidFill>
+            <a:schemeClr val="accent1">
+              <a:lumMod val="75000"/>
+            </a:schemeClr>
+          </a:solidFill>
+          <a:ln w="25400">
+            <a:solidFill>
+              <a:srgbClr val="FFFF00"/>
+            </a:solidFill>
+          </a:ln>
+        </p:spPr>
+        <p:style>
+          <a:lnRef idx="2">
+            <a:schemeClr val="accent1">
+              <a:shade val="50000"/>
+            </a:schemeClr>
+          </a:lnRef>
+          <a:fillRef idx="1">
+            <a:schemeClr val="accent1"/>
+          </a:fillRef>
+          <a:effectRef idx="0">
+            <a:schemeClr val="accent1"/>
+          </a:effectRef>
+          <a:fontRef idx="minor">
+            <a:schemeClr val="lt1"/>
+          </a:fontRef>
+        </p:style>
+        <p:txBody>
+          <a:bodyPr rtlCol="0" anchor="ctr"/>
+          <a:lstStyle/>
+          <a:p>
+            <a:pPr algn="ctr"/>
+            <a:r>
+              <a:rPr lang="ko-KR" altLang="en-US" sz="1400" dirty="0"/>
+              <a:t>게시글 수정</a:t>
+            </a:r>
+            <a:endParaRPr lang="en-US" altLang="ko-KR" sz="1400" dirty="0"/>
+          </a:p>
+        </p:txBody>
+      </p:sp>
+      <p:sp>
+        <p:nvSpPr>
+          <p:cNvPr id="35" name="직사각형 34">
+            <a:extLst>
+              <a:ext uri="{FF2B5EF4-FFF2-40B4-BE49-F238E27FC236}">
+                <a16:creationId xmlns:a16="http://schemas.microsoft.com/office/drawing/2014/main" id="{7EFCA2C4-0B57-41A8-9B13-E3963A5EEB46}"/>
+              </a:ext>
+            </a:extLst>
+          </p:cNvPr>
+          <p:cNvSpPr/>
+          <p:nvPr/>
+        </p:nvSpPr>
+        <p:spPr>
+          <a:xfrm>
+            <a:off x="116232" y="5232792"/>
+            <a:ext cx="1440000" cy="360000"/>
+          </a:xfrm>
+          <a:prstGeom prst="rect">
+            <a:avLst/>
+          </a:prstGeom>
+          <a:solidFill>
+            <a:schemeClr val="accent1">
+              <a:lumMod val="75000"/>
+            </a:schemeClr>
+          </a:solidFill>
+          <a:ln w="25400">
+            <a:solidFill>
+              <a:srgbClr val="00B0F0"/>
+            </a:solidFill>
+          </a:ln>
+        </p:spPr>
+        <p:style>
+          <a:lnRef idx="2">
+            <a:schemeClr val="accent1">
+              <a:shade val="50000"/>
+            </a:schemeClr>
+          </a:lnRef>
+          <a:fillRef idx="1">
+            <a:schemeClr val="accent1"/>
+          </a:fillRef>
+          <a:effectRef idx="0">
+            <a:schemeClr val="accent1"/>
+          </a:effectRef>
+          <a:fontRef idx="minor">
+            <a:schemeClr val="lt1"/>
+          </a:fontRef>
+        </p:style>
+        <p:txBody>
+          <a:bodyPr rtlCol="0" anchor="ctr"/>
+          <a:lstStyle/>
+          <a:p>
+            <a:pPr algn="ctr"/>
+            <a:r>
+              <a:rPr lang="ko-KR" altLang="en-US" sz="1400" dirty="0"/>
+              <a:t>게시글 좋아요</a:t>
+            </a:r>
+            <a:endParaRPr lang="en-US" altLang="ko-KR" sz="1400" dirty="0"/>
+          </a:p>
+        </p:txBody>
+      </p:sp>
+      <p:sp>
+        <p:nvSpPr>
+          <p:cNvPr id="36" name="직사각형 35">
+            <a:extLst>
+              <a:ext uri="{FF2B5EF4-FFF2-40B4-BE49-F238E27FC236}">
+                <a16:creationId xmlns:a16="http://schemas.microsoft.com/office/drawing/2014/main" id="{C5F6E84B-80CD-4FF2-B995-2C057190C77A}"/>
+              </a:ext>
+            </a:extLst>
+          </p:cNvPr>
+          <p:cNvSpPr/>
+          <p:nvPr/>
+        </p:nvSpPr>
+        <p:spPr>
+          <a:xfrm>
+            <a:off x="1644116" y="5979285"/>
+            <a:ext cx="1440000" cy="360000"/>
+          </a:xfrm>
+          <a:prstGeom prst="rect">
+            <a:avLst/>
+          </a:prstGeom>
+          <a:solidFill>
+            <a:schemeClr val="accent1">
+              <a:lumMod val="75000"/>
+            </a:schemeClr>
+          </a:solidFill>
+          <a:ln w="25400">
+            <a:solidFill>
+              <a:srgbClr val="00B0F0"/>
+            </a:solidFill>
+          </a:ln>
+        </p:spPr>
+        <p:style>
+          <a:lnRef idx="2">
+            <a:schemeClr val="accent1">
+              <a:shade val="50000"/>
+            </a:schemeClr>
+          </a:lnRef>
+          <a:fillRef idx="1">
+            <a:schemeClr val="accent1"/>
+          </a:fillRef>
+          <a:effectRef idx="0">
+            <a:schemeClr val="accent1"/>
+          </a:effectRef>
+          <a:fontRef idx="minor">
+            <a:schemeClr val="lt1"/>
+          </a:fontRef>
+        </p:style>
+        <p:txBody>
+          <a:bodyPr rtlCol="0" anchor="ctr"/>
+          <a:lstStyle/>
+          <a:p>
+            <a:pPr algn="ctr"/>
+            <a:r>
+              <a:rPr lang="ko-KR" altLang="en-US" sz="1400" dirty="0"/>
+              <a:t>사용자 언급</a:t>
+            </a:r>
+            <a:endParaRPr lang="en-US" altLang="ko-KR" sz="1400" dirty="0"/>
+          </a:p>
+        </p:txBody>
+      </p:sp>
+      <p:sp>
+        <p:nvSpPr>
+          <p:cNvPr id="37" name="직사각형 36">
+            <a:extLst>
+              <a:ext uri="{FF2B5EF4-FFF2-40B4-BE49-F238E27FC236}">
+                <a16:creationId xmlns:a16="http://schemas.microsoft.com/office/drawing/2014/main" id="{B47AD1F3-56E8-4D41-A071-C1F3A3884BB5}"/>
+              </a:ext>
+            </a:extLst>
+          </p:cNvPr>
+          <p:cNvSpPr/>
+          <p:nvPr/>
+        </p:nvSpPr>
+        <p:spPr>
+          <a:xfrm>
+            <a:off x="6124938" y="1311872"/>
+            <a:ext cx="1440000" cy="360000"/>
+          </a:xfrm>
+          <a:prstGeom prst="rect">
+            <a:avLst/>
+          </a:prstGeom>
+          <a:solidFill>
+            <a:schemeClr val="accent6">
+              <a:lumMod val="75000"/>
+            </a:schemeClr>
+          </a:solidFill>
+          <a:ln w="25400">
+            <a:solidFill>
+              <a:srgbClr val="FFFF00"/>
+            </a:solidFill>
+          </a:ln>
+        </p:spPr>
+        <p:style>
+          <a:lnRef idx="2">
+            <a:schemeClr val="accent1">
+              <a:shade val="50000"/>
+            </a:schemeClr>
+          </a:lnRef>
+          <a:fillRef idx="1">
+            <a:schemeClr val="accent1"/>
+          </a:fillRef>
+          <a:effectRef idx="0">
+            <a:schemeClr val="accent1"/>
+          </a:effectRef>
+          <a:fontRef idx="minor">
+            <a:schemeClr val="lt1"/>
+          </a:fontRef>
+        </p:style>
+        <p:txBody>
+          <a:bodyPr rtlCol="0" anchor="ctr"/>
+          <a:lstStyle/>
+          <a:p>
+            <a:pPr algn="ctr"/>
+            <a:r>
+              <a:rPr lang="ko-KR" altLang="en-US" sz="1400" dirty="0"/>
+              <a:t>비밀번호 찾기</a:t>
+            </a:r>
+            <a:endParaRPr lang="en-US" altLang="ko-KR" sz="1400" dirty="0"/>
+          </a:p>
+        </p:txBody>
+      </p:sp>
+      <p:sp>
+        <p:nvSpPr>
+          <p:cNvPr id="38" name="직사각형 37">
+            <a:extLst>
+              <a:ext uri="{FF2B5EF4-FFF2-40B4-BE49-F238E27FC236}">
+                <a16:creationId xmlns:a16="http://schemas.microsoft.com/office/drawing/2014/main" id="{B349CA13-2D78-463F-9551-AFFE2D428978}"/>
+              </a:ext>
+            </a:extLst>
+          </p:cNvPr>
+          <p:cNvSpPr/>
+          <p:nvPr/>
+        </p:nvSpPr>
+        <p:spPr>
+          <a:xfrm>
+            <a:off x="3235032" y="5225462"/>
+            <a:ext cx="1440000" cy="360000"/>
+          </a:xfrm>
+          <a:prstGeom prst="rect">
+            <a:avLst/>
+          </a:prstGeom>
+          <a:solidFill>
+            <a:schemeClr val="accent1">
+              <a:lumMod val="75000"/>
+            </a:schemeClr>
+          </a:solidFill>
+          <a:ln w="25400">
+            <a:solidFill>
+              <a:srgbClr val="00B0F0"/>
+            </a:solidFill>
+          </a:ln>
+        </p:spPr>
+        <p:style>
+          <a:lnRef idx="2">
+            <a:schemeClr val="accent1">
+              <a:shade val="50000"/>
+            </a:schemeClr>
+          </a:lnRef>
+          <a:fillRef idx="1">
+            <a:schemeClr val="accent1"/>
+          </a:fillRef>
+          <a:effectRef idx="0">
+            <a:schemeClr val="accent1"/>
+          </a:effectRef>
+          <a:fontRef idx="minor">
+            <a:schemeClr val="lt1"/>
+          </a:fontRef>
+        </p:style>
+        <p:txBody>
+          <a:bodyPr rtlCol="0" anchor="ctr"/>
+          <a:lstStyle/>
+          <a:p>
+            <a:pPr algn="ctr"/>
+            <a:r>
+              <a:rPr lang="ko-KR" altLang="en-US" sz="1400" dirty="0"/>
+              <a:t>게시글 </a:t>
+            </a:r>
+            <a:r>
+              <a:rPr lang="ko-KR" altLang="en-US" sz="1400" dirty="0" err="1"/>
+              <a:t>히트수</a:t>
+            </a:r>
+            <a:endParaRPr lang="en-US" altLang="ko-KR" sz="1400" dirty="0"/>
+          </a:p>
+        </p:txBody>
+      </p:sp>
+      <p:sp>
+        <p:nvSpPr>
+          <p:cNvPr id="40" name="직사각형 39">
+            <a:extLst>
+              <a:ext uri="{FF2B5EF4-FFF2-40B4-BE49-F238E27FC236}">
+                <a16:creationId xmlns:a16="http://schemas.microsoft.com/office/drawing/2014/main" id="{EF716D34-5E7C-40A6-B6A1-A21A97FC3B89}"/>
+              </a:ext>
+            </a:extLst>
+          </p:cNvPr>
+          <p:cNvSpPr/>
+          <p:nvPr/>
+        </p:nvSpPr>
+        <p:spPr>
+          <a:xfrm>
+            <a:off x="6147038" y="4318871"/>
+            <a:ext cx="1440000" cy="360000"/>
+          </a:xfrm>
+          <a:prstGeom prst="rect">
+            <a:avLst/>
+          </a:prstGeom>
+          <a:solidFill>
+            <a:schemeClr val="accent1">
+              <a:lumMod val="75000"/>
+            </a:schemeClr>
+          </a:solidFill>
+          <a:ln w="25400">
+            <a:solidFill>
+              <a:srgbClr val="FFFF00"/>
+            </a:solidFill>
+          </a:ln>
+        </p:spPr>
+        <p:style>
+          <a:lnRef idx="2">
+            <a:schemeClr val="accent1">
+              <a:shade val="50000"/>
+            </a:schemeClr>
+          </a:lnRef>
+          <a:fillRef idx="1">
+            <a:schemeClr val="accent1"/>
+          </a:fillRef>
+          <a:effectRef idx="0">
+            <a:schemeClr val="accent1"/>
+          </a:effectRef>
+          <a:fontRef idx="minor">
+            <a:schemeClr val="lt1"/>
+          </a:fontRef>
+        </p:style>
+        <p:txBody>
+          <a:bodyPr rtlCol="0" anchor="ctr"/>
+          <a:lstStyle/>
+          <a:p>
+            <a:pPr algn="ctr"/>
+            <a:r>
+              <a:rPr lang="ko-KR" altLang="en-US" sz="1400" dirty="0"/>
+              <a:t>내 프로필</a:t>
+            </a:r>
+            <a:endParaRPr lang="en-US" altLang="ko-KR" sz="1400" dirty="0"/>
+          </a:p>
+        </p:txBody>
+      </p:sp>
+      <p:sp>
+        <p:nvSpPr>
+          <p:cNvPr id="41" name="직사각형 40">
+            <a:extLst>
+              <a:ext uri="{FF2B5EF4-FFF2-40B4-BE49-F238E27FC236}">
+                <a16:creationId xmlns:a16="http://schemas.microsoft.com/office/drawing/2014/main" id="{F0F1420E-162C-445D-BFEF-0135A5568FBE}"/>
+              </a:ext>
+            </a:extLst>
+          </p:cNvPr>
+          <p:cNvSpPr/>
+          <p:nvPr/>
+        </p:nvSpPr>
+        <p:spPr>
+          <a:xfrm>
+            <a:off x="7652462" y="4318871"/>
+            <a:ext cx="1440000" cy="360000"/>
+          </a:xfrm>
+          <a:prstGeom prst="rect">
+            <a:avLst/>
+          </a:prstGeom>
+          <a:solidFill>
+            <a:schemeClr val="accent1">
+              <a:lumMod val="75000"/>
+            </a:schemeClr>
+          </a:solidFill>
+          <a:ln w="25400">
+            <a:solidFill>
+              <a:srgbClr val="FFFF00"/>
+            </a:solidFill>
+          </a:ln>
+        </p:spPr>
+        <p:style>
+          <a:lnRef idx="2">
+            <a:schemeClr val="accent1">
+              <a:shade val="50000"/>
+            </a:schemeClr>
+          </a:lnRef>
+          <a:fillRef idx="1">
+            <a:schemeClr val="accent1"/>
+          </a:fillRef>
+          <a:effectRef idx="0">
+            <a:schemeClr val="accent1"/>
+          </a:effectRef>
+          <a:fontRef idx="minor">
+            <a:schemeClr val="lt1"/>
+          </a:fontRef>
+        </p:style>
+        <p:txBody>
+          <a:bodyPr rtlCol="0" anchor="ctr"/>
+          <a:lstStyle/>
+          <a:p>
+            <a:pPr algn="ctr"/>
+            <a:r>
+              <a:rPr lang="ko-KR" altLang="en-US" sz="1400" dirty="0"/>
+              <a:t>사용자 프로필</a:t>
+            </a:r>
+            <a:endParaRPr lang="en-US" altLang="ko-KR" sz="1400" dirty="0"/>
+          </a:p>
+        </p:txBody>
+      </p:sp>
+      <p:sp>
+        <p:nvSpPr>
+          <p:cNvPr id="42" name="직사각형 41">
+            <a:extLst>
+              <a:ext uri="{FF2B5EF4-FFF2-40B4-BE49-F238E27FC236}">
+                <a16:creationId xmlns:a16="http://schemas.microsoft.com/office/drawing/2014/main" id="{2E438522-2492-4364-AF14-2CF0625C3091}"/>
+              </a:ext>
+            </a:extLst>
+          </p:cNvPr>
+          <p:cNvSpPr/>
+          <p:nvPr/>
+        </p:nvSpPr>
+        <p:spPr>
+          <a:xfrm>
+            <a:off x="4770456" y="5225467"/>
+            <a:ext cx="1440000" cy="360000"/>
+          </a:xfrm>
+          <a:prstGeom prst="rect">
+            <a:avLst/>
+          </a:prstGeom>
+          <a:solidFill>
+            <a:srgbClr val="FF0000"/>
+          </a:solidFill>
+          <a:ln w="25400">
+            <a:solidFill>
+              <a:srgbClr val="FF0000"/>
+            </a:solidFill>
+          </a:ln>
+        </p:spPr>
+        <p:style>
+          <a:lnRef idx="2">
+            <a:schemeClr val="accent1">
+              <a:shade val="50000"/>
+            </a:schemeClr>
+          </a:lnRef>
+          <a:fillRef idx="1">
+            <a:schemeClr val="accent1"/>
+          </a:fillRef>
+          <a:effectRef idx="0">
+            <a:schemeClr val="accent1"/>
+          </a:effectRef>
+          <a:fontRef idx="minor">
+            <a:schemeClr val="lt1"/>
+          </a:fontRef>
+        </p:style>
+        <p:txBody>
+          <a:bodyPr rtlCol="0" anchor="ctr"/>
+          <a:lstStyle/>
+          <a:p>
+            <a:pPr algn="ctr"/>
+            <a:r>
+              <a:rPr lang="ko-KR" altLang="en-US" sz="1400" dirty="0"/>
+              <a:t>게시글 관리</a:t>
+            </a:r>
+            <a:endParaRPr lang="en-US" altLang="ko-KR" sz="1400" dirty="0"/>
+          </a:p>
+        </p:txBody>
+      </p:sp>
+      <p:sp>
+        <p:nvSpPr>
+          <p:cNvPr id="43" name="직사각형 42">
+            <a:extLst>
+              <a:ext uri="{FF2B5EF4-FFF2-40B4-BE49-F238E27FC236}">
+                <a16:creationId xmlns:a16="http://schemas.microsoft.com/office/drawing/2014/main" id="{7749FAE9-E54E-4F66-958C-6F926FBFE3DA}"/>
+              </a:ext>
+            </a:extLst>
+          </p:cNvPr>
+          <p:cNvSpPr/>
+          <p:nvPr/>
+        </p:nvSpPr>
+        <p:spPr>
+          <a:xfrm>
+            <a:off x="7654902" y="5202998"/>
+            <a:ext cx="1440000" cy="360000"/>
+          </a:xfrm>
+          <a:prstGeom prst="rect">
+            <a:avLst/>
+          </a:prstGeom>
+          <a:solidFill>
+            <a:srgbClr val="FF0000"/>
+          </a:solidFill>
+          <a:ln w="25400">
+            <a:solidFill>
+              <a:srgbClr val="FF0000"/>
+            </a:solidFill>
+          </a:ln>
+        </p:spPr>
+        <p:style>
+          <a:lnRef idx="2">
+            <a:schemeClr val="accent1">
+              <a:shade val="50000"/>
+            </a:schemeClr>
+          </a:lnRef>
+          <a:fillRef idx="1">
+            <a:schemeClr val="accent1"/>
+          </a:fillRef>
+          <a:effectRef idx="0">
+            <a:schemeClr val="accent1"/>
+          </a:effectRef>
+          <a:fontRef idx="minor">
+            <a:schemeClr val="lt1"/>
+          </a:fontRef>
+        </p:style>
+        <p:txBody>
+          <a:bodyPr rtlCol="0" anchor="ctr"/>
+          <a:lstStyle/>
+          <a:p>
+            <a:pPr algn="ctr"/>
+            <a:r>
+              <a:rPr lang="ko-KR" altLang="en-US" sz="1400" dirty="0"/>
+              <a:t>사용자 관리</a:t>
+            </a:r>
+            <a:endParaRPr lang="en-US" altLang="ko-KR" sz="1400" dirty="0"/>
+          </a:p>
+        </p:txBody>
+      </p:sp>
+      <p:sp>
+        <p:nvSpPr>
+          <p:cNvPr id="44" name="직사각형 43">
+            <a:extLst>
+              <a:ext uri="{FF2B5EF4-FFF2-40B4-BE49-F238E27FC236}">
+                <a16:creationId xmlns:a16="http://schemas.microsoft.com/office/drawing/2014/main" id="{AC36732E-4287-4CBE-9B49-01467F1A9A24}"/>
+              </a:ext>
+            </a:extLst>
+          </p:cNvPr>
+          <p:cNvSpPr/>
+          <p:nvPr/>
+        </p:nvSpPr>
+        <p:spPr>
+          <a:xfrm>
+            <a:off x="1627847" y="5233103"/>
+            <a:ext cx="1440000" cy="360000"/>
+          </a:xfrm>
+          <a:prstGeom prst="rect">
+            <a:avLst/>
+          </a:prstGeom>
+          <a:solidFill>
+            <a:schemeClr val="accent1">
+              <a:lumMod val="75000"/>
+            </a:schemeClr>
+          </a:solidFill>
+          <a:ln w="25400">
+            <a:solidFill>
+              <a:srgbClr val="FFFF00"/>
+            </a:solidFill>
+          </a:ln>
+        </p:spPr>
+        <p:style>
+          <a:lnRef idx="2">
+            <a:schemeClr val="accent1">
+              <a:shade val="50000"/>
+            </a:schemeClr>
+          </a:lnRef>
+          <a:fillRef idx="1">
+            <a:schemeClr val="accent1"/>
+          </a:fillRef>
+          <a:effectRef idx="0">
+            <a:schemeClr val="accent1"/>
+          </a:effectRef>
+          <a:fontRef idx="minor">
+            <a:schemeClr val="lt1"/>
+          </a:fontRef>
+        </p:style>
+        <p:txBody>
+          <a:bodyPr rtlCol="0" anchor="ctr"/>
+          <a:lstStyle/>
+          <a:p>
+            <a:pPr algn="ctr"/>
+            <a:r>
+              <a:rPr lang="ko-KR" altLang="en-US" sz="1400" dirty="0"/>
+              <a:t>댓글</a:t>
+            </a:r>
+            <a:r>
+              <a:rPr lang="en-US" altLang="ko-KR" sz="1400" dirty="0"/>
+              <a:t>&amp;</a:t>
+            </a:r>
+            <a:r>
+              <a:rPr lang="ko-KR" altLang="en-US" sz="1400" dirty="0" err="1"/>
+              <a:t>대댓글</a:t>
+            </a:r>
+            <a:endParaRPr lang="en-US" altLang="ko-KR" sz="1400" dirty="0"/>
+          </a:p>
+        </p:txBody>
+      </p:sp>
+      <p:cxnSp>
+        <p:nvCxnSpPr>
+          <p:cNvPr id="95" name="연결선: 꺾임 94">
+            <a:extLst>
+              <a:ext uri="{FF2B5EF4-FFF2-40B4-BE49-F238E27FC236}">
+                <a16:creationId xmlns:a16="http://schemas.microsoft.com/office/drawing/2014/main" id="{36DD18CB-411E-44A0-A55D-97DAA85BD7BB}"/>
+              </a:ext>
+            </a:extLst>
+          </p:cNvPr>
+          <p:cNvCxnSpPr>
+            <a:cxnSpLocks/>
+            <a:stCxn id="5" idx="2"/>
+            <a:endCxn id="22" idx="0"/>
+          </p:cNvCxnSpPr>
+          <p:nvPr/>
+        </p:nvCxnSpPr>
+        <p:spPr>
+          <a:xfrm rot="16200000" flipH="1">
+            <a:off x="6250945" y="-2359195"/>
+            <a:ext cx="719855" cy="6612278"/>
+          </a:xfrm>
+          <a:prstGeom prst="bentConnector3">
+            <a:avLst>
+              <a:gd name="adj1" fmla="val 50000"/>
+            </a:avLst>
+          </a:prstGeom>
+          <a:ln>
+            <a:tailEnd type="triangle"/>
+          </a:ln>
+        </p:spPr>
+        <p:style>
+          <a:lnRef idx="1">
+            <a:schemeClr val="accent1"/>
+          </a:lnRef>
+          <a:fillRef idx="0">
+            <a:schemeClr val="accent1"/>
+          </a:fillRef>
+          <a:effectRef idx="0">
+            <a:schemeClr val="accent1"/>
+          </a:effectRef>
+          <a:fontRef idx="minor">
+            <a:schemeClr val="tx1"/>
+          </a:fontRef>
+        </p:style>
+      </p:cxnSp>
+      <p:cxnSp>
+        <p:nvCxnSpPr>
+          <p:cNvPr id="100" name="연결선: 꺾임 99">
+            <a:extLst>
+              <a:ext uri="{FF2B5EF4-FFF2-40B4-BE49-F238E27FC236}">
+                <a16:creationId xmlns:a16="http://schemas.microsoft.com/office/drawing/2014/main" id="{6080DAA9-806B-44C9-BA04-3737509CACA7}"/>
+              </a:ext>
+            </a:extLst>
+          </p:cNvPr>
+          <p:cNvCxnSpPr>
+            <a:cxnSpLocks/>
+            <a:stCxn id="5" idx="2"/>
+            <a:endCxn id="13" idx="0"/>
+          </p:cNvCxnSpPr>
+          <p:nvPr/>
+        </p:nvCxnSpPr>
+        <p:spPr>
+          <a:xfrm rot="16200000" flipH="1">
+            <a:off x="6989961" y="-3098211"/>
+            <a:ext cx="724855" cy="8095310"/>
+          </a:xfrm>
+          <a:prstGeom prst="bentConnector3">
+            <a:avLst>
+              <a:gd name="adj1" fmla="val 50000"/>
+            </a:avLst>
+          </a:prstGeom>
+          <a:ln>
+            <a:tailEnd type="triangle"/>
+          </a:ln>
+        </p:spPr>
+        <p:style>
+          <a:lnRef idx="1">
+            <a:schemeClr val="accent1"/>
+          </a:lnRef>
+          <a:fillRef idx="0">
+            <a:schemeClr val="accent1"/>
+          </a:fillRef>
+          <a:effectRef idx="0">
+            <a:schemeClr val="accent1"/>
+          </a:effectRef>
+          <a:fontRef idx="minor">
+            <a:schemeClr val="tx1"/>
+          </a:fontRef>
+        </p:style>
+      </p:cxnSp>
+      <p:cxnSp>
+        <p:nvCxnSpPr>
+          <p:cNvPr id="105" name="직선 화살표 연결선 104">
+            <a:extLst>
+              <a:ext uri="{FF2B5EF4-FFF2-40B4-BE49-F238E27FC236}">
+                <a16:creationId xmlns:a16="http://schemas.microsoft.com/office/drawing/2014/main" id="{CC732CA8-62CD-4B2C-A46C-4FABE88AE439}"/>
+              </a:ext>
+            </a:extLst>
+          </p:cNvPr>
+          <p:cNvCxnSpPr>
+            <a:cxnSpLocks/>
+            <a:stCxn id="41" idx="2"/>
+            <a:endCxn id="43" idx="0"/>
+          </p:cNvCxnSpPr>
+          <p:nvPr/>
+        </p:nvCxnSpPr>
+        <p:spPr>
+          <a:xfrm>
+            <a:off x="8372462" y="4678871"/>
+            <a:ext cx="2440" cy="524127"/>
+          </a:xfrm>
+          <a:prstGeom prst="straightConnector1">
+            <a:avLst/>
+          </a:prstGeom>
+          <a:ln>
+            <a:tailEnd type="triangle"/>
+          </a:ln>
+        </p:spPr>
+        <p:style>
+          <a:lnRef idx="1">
+            <a:schemeClr val="accent1"/>
+          </a:lnRef>
+          <a:fillRef idx="0">
+            <a:schemeClr val="accent1"/>
+          </a:fillRef>
+          <a:effectRef idx="0">
+            <a:schemeClr val="accent1"/>
+          </a:effectRef>
+          <a:fontRef idx="minor">
+            <a:schemeClr val="tx1"/>
+          </a:fontRef>
+        </p:style>
+      </p:cxnSp>
+      <p:sp>
+        <p:nvSpPr>
+          <p:cNvPr id="108" name="직사각형 107">
+            <a:extLst>
+              <a:ext uri="{FF2B5EF4-FFF2-40B4-BE49-F238E27FC236}">
+                <a16:creationId xmlns:a16="http://schemas.microsoft.com/office/drawing/2014/main" id="{82ECD866-0F95-4A1A-9AEA-03CB4A5A5FD7}"/>
+              </a:ext>
+            </a:extLst>
+          </p:cNvPr>
+          <p:cNvSpPr/>
+          <p:nvPr/>
+        </p:nvSpPr>
+        <p:spPr>
+          <a:xfrm>
+            <a:off x="10680043" y="4311300"/>
+            <a:ext cx="1440000" cy="360000"/>
+          </a:xfrm>
+          <a:prstGeom prst="rect">
+            <a:avLst/>
+          </a:prstGeom>
+          <a:solidFill>
+            <a:schemeClr val="accent6">
+              <a:lumMod val="75000"/>
+            </a:schemeClr>
+          </a:solidFill>
+          <a:ln w="25400">
+            <a:solidFill>
+              <a:srgbClr val="FFFF00"/>
+            </a:solidFill>
+          </a:ln>
+        </p:spPr>
+        <p:style>
+          <a:lnRef idx="2">
+            <a:schemeClr val="accent1">
+              <a:shade val="50000"/>
+            </a:schemeClr>
+          </a:lnRef>
+          <a:fillRef idx="1">
+            <a:schemeClr val="accent1"/>
+          </a:fillRef>
+          <a:effectRef idx="0">
+            <a:schemeClr val="accent1"/>
+          </a:effectRef>
+          <a:fontRef idx="minor">
+            <a:schemeClr val="lt1"/>
+          </a:fontRef>
+        </p:style>
+        <p:txBody>
+          <a:bodyPr rtlCol="0" anchor="ctr"/>
+          <a:lstStyle/>
+          <a:p>
+            <a:pPr algn="ctr"/>
+            <a:r>
+              <a:rPr lang="ko-KR" altLang="en-US" sz="1400" dirty="0" err="1"/>
+              <a:t>팔로워</a:t>
+            </a:r>
+            <a:r>
+              <a:rPr lang="ko-KR" altLang="en-US" sz="1400" dirty="0"/>
+              <a:t> 목록</a:t>
+            </a:r>
+            <a:endParaRPr lang="en-US" altLang="ko-KR" sz="1400" dirty="0"/>
+          </a:p>
+        </p:txBody>
+      </p:sp>
+      <p:sp>
+        <p:nvSpPr>
+          <p:cNvPr id="109" name="직사각형 108">
+            <a:extLst>
+              <a:ext uri="{FF2B5EF4-FFF2-40B4-BE49-F238E27FC236}">
+                <a16:creationId xmlns:a16="http://schemas.microsoft.com/office/drawing/2014/main" id="{22692520-00C5-4592-869F-9A45151A957E}"/>
+              </a:ext>
+            </a:extLst>
+          </p:cNvPr>
+          <p:cNvSpPr/>
+          <p:nvPr/>
+        </p:nvSpPr>
+        <p:spPr>
+          <a:xfrm>
+            <a:off x="9186774" y="4311296"/>
+            <a:ext cx="1440000" cy="360000"/>
+          </a:xfrm>
+          <a:prstGeom prst="rect">
+            <a:avLst/>
+          </a:prstGeom>
+          <a:solidFill>
+            <a:schemeClr val="accent6">
+              <a:lumMod val="75000"/>
+            </a:schemeClr>
+          </a:solidFill>
+          <a:ln w="25400">
+            <a:solidFill>
+              <a:srgbClr val="FFFF00"/>
+            </a:solidFill>
+          </a:ln>
+        </p:spPr>
+        <p:style>
+          <a:lnRef idx="2">
+            <a:schemeClr val="accent1">
+              <a:shade val="50000"/>
+            </a:schemeClr>
+          </a:lnRef>
+          <a:fillRef idx="1">
+            <a:schemeClr val="accent1"/>
+          </a:fillRef>
+          <a:effectRef idx="0">
+            <a:schemeClr val="accent1"/>
+          </a:effectRef>
+          <a:fontRef idx="minor">
+            <a:schemeClr val="lt1"/>
+          </a:fontRef>
+        </p:style>
+        <p:txBody>
+          <a:bodyPr rtlCol="0" anchor="ctr"/>
+          <a:lstStyle/>
+          <a:p>
+            <a:pPr algn="ctr"/>
+            <a:r>
+              <a:rPr lang="ko-KR" altLang="en-US" sz="1400" dirty="0" err="1"/>
+              <a:t>팔로잉</a:t>
+            </a:r>
+            <a:r>
+              <a:rPr lang="ko-KR" altLang="en-US" sz="1400" dirty="0"/>
+              <a:t> 목록</a:t>
+            </a:r>
+            <a:endParaRPr lang="en-US" altLang="ko-KR" sz="1400" dirty="0"/>
+          </a:p>
+        </p:txBody>
+      </p:sp>
+      <p:cxnSp>
+        <p:nvCxnSpPr>
+          <p:cNvPr id="110" name="연결선: 꺾임 109">
+            <a:extLst>
+              <a:ext uri="{FF2B5EF4-FFF2-40B4-BE49-F238E27FC236}">
+                <a16:creationId xmlns:a16="http://schemas.microsoft.com/office/drawing/2014/main" id="{80247106-0EE0-4E7D-85BA-8856C0E0D388}"/>
+              </a:ext>
+            </a:extLst>
+          </p:cNvPr>
+          <p:cNvCxnSpPr>
+            <a:cxnSpLocks/>
+            <a:stCxn id="5" idx="2"/>
+            <a:endCxn id="27" idx="0"/>
+          </p:cNvCxnSpPr>
+          <p:nvPr/>
+        </p:nvCxnSpPr>
+        <p:spPr>
+          <a:xfrm rot="16200000" flipH="1">
+            <a:off x="3211878" y="679872"/>
+            <a:ext cx="722354" cy="536644"/>
+          </a:xfrm>
+          <a:prstGeom prst="bentConnector3">
+            <a:avLst>
+              <a:gd name="adj1" fmla="val 50000"/>
+            </a:avLst>
+          </a:prstGeom>
+          <a:ln>
+            <a:tailEnd type="triangle"/>
+          </a:ln>
+        </p:spPr>
+        <p:style>
+          <a:lnRef idx="1">
+            <a:schemeClr val="accent1"/>
+          </a:lnRef>
+          <a:fillRef idx="0">
+            <a:schemeClr val="accent1"/>
+          </a:fillRef>
+          <a:effectRef idx="0">
+            <a:schemeClr val="accent1"/>
+          </a:effectRef>
+          <a:fontRef idx="minor">
+            <a:schemeClr val="tx1"/>
+          </a:fontRef>
+        </p:style>
+      </p:cxnSp>
+      <p:cxnSp>
+        <p:nvCxnSpPr>
+          <p:cNvPr id="113" name="연결선: 꺾임 112">
+            <a:extLst>
+              <a:ext uri="{FF2B5EF4-FFF2-40B4-BE49-F238E27FC236}">
+                <a16:creationId xmlns:a16="http://schemas.microsoft.com/office/drawing/2014/main" id="{5EFDEBAD-69BA-4CC9-876B-BC8D82F0EFF9}"/>
+              </a:ext>
+            </a:extLst>
+          </p:cNvPr>
+          <p:cNvCxnSpPr>
+            <a:cxnSpLocks/>
+            <a:stCxn id="5" idx="2"/>
+            <a:endCxn id="26" idx="0"/>
+          </p:cNvCxnSpPr>
+          <p:nvPr/>
+        </p:nvCxnSpPr>
+        <p:spPr>
+          <a:xfrm rot="16200000" flipH="1">
+            <a:off x="3960749" y="-69000"/>
+            <a:ext cx="723366" cy="2035399"/>
+          </a:xfrm>
+          <a:prstGeom prst="bentConnector3">
+            <a:avLst>
+              <a:gd name="adj1" fmla="val 50000"/>
+            </a:avLst>
+          </a:prstGeom>
+          <a:ln>
+            <a:tailEnd type="triangle"/>
+          </a:ln>
+        </p:spPr>
+        <p:style>
+          <a:lnRef idx="1">
+            <a:schemeClr val="accent1"/>
+          </a:lnRef>
+          <a:fillRef idx="0">
+            <a:schemeClr val="accent1"/>
+          </a:fillRef>
+          <a:effectRef idx="0">
+            <a:schemeClr val="accent1"/>
+          </a:effectRef>
+          <a:fontRef idx="minor">
+            <a:schemeClr val="tx1"/>
+          </a:fontRef>
+        </p:style>
+      </p:cxnSp>
+      <p:cxnSp>
+        <p:nvCxnSpPr>
+          <p:cNvPr id="116" name="연결선: 꺾임 115">
+            <a:extLst>
+              <a:ext uri="{FF2B5EF4-FFF2-40B4-BE49-F238E27FC236}">
+                <a16:creationId xmlns:a16="http://schemas.microsoft.com/office/drawing/2014/main" id="{9D8052FD-C8B2-41C8-97BB-9AD8BCCDE269}"/>
+              </a:ext>
+            </a:extLst>
+          </p:cNvPr>
+          <p:cNvCxnSpPr>
+            <a:cxnSpLocks/>
+            <a:stCxn id="5" idx="2"/>
+            <a:endCxn id="29" idx="0"/>
+          </p:cNvCxnSpPr>
+          <p:nvPr/>
+        </p:nvCxnSpPr>
+        <p:spPr>
+          <a:xfrm rot="5400000">
+            <a:off x="2460747" y="462887"/>
+            <a:ext cx="719857" cy="968116"/>
+          </a:xfrm>
+          <a:prstGeom prst="bentConnector3">
+            <a:avLst>
+              <a:gd name="adj1" fmla="val 50000"/>
+            </a:avLst>
+          </a:prstGeom>
+          <a:ln>
+            <a:tailEnd type="triangle"/>
+          </a:ln>
+        </p:spPr>
+        <p:style>
+          <a:lnRef idx="1">
+            <a:schemeClr val="accent1"/>
+          </a:lnRef>
+          <a:fillRef idx="0">
+            <a:schemeClr val="accent1"/>
+          </a:fillRef>
+          <a:effectRef idx="0">
+            <a:schemeClr val="accent1"/>
+          </a:effectRef>
+          <a:fontRef idx="minor">
+            <a:schemeClr val="tx1"/>
+          </a:fontRef>
+        </p:style>
+      </p:cxnSp>
+      <p:cxnSp>
+        <p:nvCxnSpPr>
+          <p:cNvPr id="142" name="연결선: 꺾임 141">
+            <a:extLst>
+              <a:ext uri="{FF2B5EF4-FFF2-40B4-BE49-F238E27FC236}">
+                <a16:creationId xmlns:a16="http://schemas.microsoft.com/office/drawing/2014/main" id="{032CA258-9E89-4C04-9393-DB5F4F8809AD}"/>
+              </a:ext>
+            </a:extLst>
+          </p:cNvPr>
+          <p:cNvCxnSpPr>
+            <a:cxnSpLocks/>
+            <a:stCxn id="5" idx="2"/>
+            <a:endCxn id="14" idx="0"/>
+          </p:cNvCxnSpPr>
+          <p:nvPr/>
+        </p:nvCxnSpPr>
+        <p:spPr>
+          <a:xfrm rot="16200000" flipH="1">
+            <a:off x="5472632" y="-1580883"/>
+            <a:ext cx="719856" cy="5055655"/>
+          </a:xfrm>
+          <a:prstGeom prst="bentConnector3">
+            <a:avLst>
+              <a:gd name="adj1" fmla="val 50000"/>
+            </a:avLst>
+          </a:prstGeom>
+          <a:ln>
+            <a:tailEnd type="triangle"/>
+          </a:ln>
+        </p:spPr>
+        <p:style>
+          <a:lnRef idx="1">
+            <a:schemeClr val="accent1"/>
+          </a:lnRef>
+          <a:fillRef idx="0">
+            <a:schemeClr val="accent1"/>
+          </a:fillRef>
+          <a:effectRef idx="0">
+            <a:schemeClr val="accent1"/>
+          </a:effectRef>
+          <a:fontRef idx="minor">
+            <a:schemeClr val="tx1"/>
+          </a:fontRef>
+        </p:style>
+      </p:cxnSp>
+      <p:cxnSp>
+        <p:nvCxnSpPr>
+          <p:cNvPr id="145" name="연결선: 꺾임 144">
+            <a:extLst>
+              <a:ext uri="{FF2B5EF4-FFF2-40B4-BE49-F238E27FC236}">
+                <a16:creationId xmlns:a16="http://schemas.microsoft.com/office/drawing/2014/main" id="{63F0911F-E5D3-4A19-B5DC-4AE5674D213D}"/>
+              </a:ext>
+            </a:extLst>
+          </p:cNvPr>
+          <p:cNvCxnSpPr>
+            <a:cxnSpLocks/>
+            <a:stCxn id="14" idx="2"/>
+            <a:endCxn id="40" idx="0"/>
+          </p:cNvCxnSpPr>
+          <p:nvPr/>
+        </p:nvCxnSpPr>
+        <p:spPr>
+          <a:xfrm rot="5400000">
+            <a:off x="6287714" y="2246197"/>
+            <a:ext cx="2651998" cy="1493350"/>
+          </a:xfrm>
+          <a:prstGeom prst="bentConnector3">
+            <a:avLst>
+              <a:gd name="adj1" fmla="val 50000"/>
+            </a:avLst>
+          </a:prstGeom>
+          <a:ln>
+            <a:tailEnd type="triangle"/>
+          </a:ln>
+        </p:spPr>
+        <p:style>
+          <a:lnRef idx="1">
+            <a:schemeClr val="accent1"/>
+          </a:lnRef>
+          <a:fillRef idx="0">
+            <a:schemeClr val="accent1"/>
+          </a:fillRef>
+          <a:effectRef idx="0">
+            <a:schemeClr val="accent1"/>
+          </a:effectRef>
+          <a:fontRef idx="minor">
+            <a:schemeClr val="tx1"/>
+          </a:fontRef>
+        </p:style>
+      </p:cxnSp>
+      <p:cxnSp>
+        <p:nvCxnSpPr>
+          <p:cNvPr id="149" name="연결선: 꺾임 148">
+            <a:extLst>
+              <a:ext uri="{FF2B5EF4-FFF2-40B4-BE49-F238E27FC236}">
+                <a16:creationId xmlns:a16="http://schemas.microsoft.com/office/drawing/2014/main" id="{807A752A-7EBE-46F7-B0FA-B392245D0245}"/>
+              </a:ext>
+            </a:extLst>
+          </p:cNvPr>
+          <p:cNvCxnSpPr>
+            <a:cxnSpLocks/>
+            <a:stCxn id="7" idx="2"/>
+            <a:endCxn id="33" idx="0"/>
+          </p:cNvCxnSpPr>
+          <p:nvPr/>
+        </p:nvCxnSpPr>
+        <p:spPr>
+          <a:xfrm rot="16200000" flipH="1">
+            <a:off x="254447" y="2255858"/>
+            <a:ext cx="2659424" cy="1491452"/>
+          </a:xfrm>
+          <a:prstGeom prst="bentConnector3">
+            <a:avLst>
+              <a:gd name="adj1" fmla="val 50000"/>
+            </a:avLst>
+          </a:prstGeom>
+          <a:ln>
+            <a:tailEnd type="triangle"/>
+          </a:ln>
+        </p:spPr>
+        <p:style>
+          <a:lnRef idx="1">
+            <a:schemeClr val="accent1"/>
+          </a:lnRef>
+          <a:fillRef idx="0">
+            <a:schemeClr val="accent1"/>
+          </a:fillRef>
+          <a:effectRef idx="0">
+            <a:schemeClr val="accent1"/>
+          </a:effectRef>
+          <a:fontRef idx="minor">
+            <a:schemeClr val="tx1"/>
+          </a:fontRef>
+        </p:style>
+      </p:cxnSp>
+      <p:cxnSp>
+        <p:nvCxnSpPr>
+          <p:cNvPr id="152" name="연결선: 꺾임 151">
+            <a:extLst>
+              <a:ext uri="{FF2B5EF4-FFF2-40B4-BE49-F238E27FC236}">
+                <a16:creationId xmlns:a16="http://schemas.microsoft.com/office/drawing/2014/main" id="{F997E3FB-40F4-4EE6-9E1F-EF3E03E46295}"/>
+              </a:ext>
+            </a:extLst>
+          </p:cNvPr>
+          <p:cNvCxnSpPr>
+            <a:cxnSpLocks/>
+            <a:stCxn id="7" idx="2"/>
+            <a:endCxn id="32" idx="0"/>
+          </p:cNvCxnSpPr>
+          <p:nvPr/>
+        </p:nvCxnSpPr>
+        <p:spPr>
+          <a:xfrm rot="16200000" flipH="1">
+            <a:off x="1004230" y="1506075"/>
+            <a:ext cx="2658521" cy="2990114"/>
+          </a:xfrm>
+          <a:prstGeom prst="bentConnector3">
+            <a:avLst>
+              <a:gd name="adj1" fmla="val 50000"/>
+            </a:avLst>
+          </a:prstGeom>
+          <a:ln>
+            <a:tailEnd type="triangle"/>
+          </a:ln>
+        </p:spPr>
+        <p:style>
+          <a:lnRef idx="1">
+            <a:schemeClr val="accent1"/>
+          </a:lnRef>
+          <a:fillRef idx="0">
+            <a:schemeClr val="accent1"/>
+          </a:fillRef>
+          <a:effectRef idx="0">
+            <a:schemeClr val="accent1"/>
+          </a:effectRef>
+          <a:fontRef idx="minor">
+            <a:schemeClr val="tx1"/>
+          </a:fontRef>
+        </p:style>
+      </p:cxnSp>
+      <p:cxnSp>
+        <p:nvCxnSpPr>
+          <p:cNvPr id="168" name="연결선: 꺾임 167">
+            <a:extLst>
+              <a:ext uri="{FF2B5EF4-FFF2-40B4-BE49-F238E27FC236}">
+                <a16:creationId xmlns:a16="http://schemas.microsoft.com/office/drawing/2014/main" id="{8D6BD66C-CE72-478D-9EED-4EAE2ABD7DAB}"/>
+              </a:ext>
+            </a:extLst>
+          </p:cNvPr>
+          <p:cNvCxnSpPr>
+            <a:cxnSpLocks/>
+            <a:stCxn id="7" idx="2"/>
+            <a:endCxn id="21" idx="0"/>
+          </p:cNvCxnSpPr>
+          <p:nvPr/>
+        </p:nvCxnSpPr>
+        <p:spPr>
+          <a:xfrm rot="16200000" flipH="1">
+            <a:off x="1782383" y="727922"/>
+            <a:ext cx="2655331" cy="4543230"/>
+          </a:xfrm>
+          <a:prstGeom prst="bentConnector3">
+            <a:avLst>
+              <a:gd name="adj1" fmla="val 50000"/>
+            </a:avLst>
+          </a:prstGeom>
+          <a:ln>
+            <a:tailEnd type="triangle"/>
+          </a:ln>
+        </p:spPr>
+        <p:style>
+          <a:lnRef idx="1">
+            <a:schemeClr val="accent1"/>
+          </a:lnRef>
+          <a:fillRef idx="0">
+            <a:schemeClr val="accent1"/>
+          </a:fillRef>
+          <a:effectRef idx="0">
+            <a:schemeClr val="accent1"/>
+          </a:effectRef>
+          <a:fontRef idx="minor">
+            <a:schemeClr val="tx1"/>
+          </a:fontRef>
+        </p:style>
+      </p:cxnSp>
+      <p:cxnSp>
+        <p:nvCxnSpPr>
+          <p:cNvPr id="174" name="직선 화살표 연결선 173">
+            <a:extLst>
+              <a:ext uri="{FF2B5EF4-FFF2-40B4-BE49-F238E27FC236}">
+                <a16:creationId xmlns:a16="http://schemas.microsoft.com/office/drawing/2014/main" id="{23032E39-CCCD-4585-B999-227A3E851882}"/>
+              </a:ext>
+            </a:extLst>
+          </p:cNvPr>
+          <p:cNvCxnSpPr>
+            <a:cxnSpLocks/>
+            <a:stCxn id="20" idx="2"/>
+            <a:endCxn id="35" idx="0"/>
+          </p:cNvCxnSpPr>
+          <p:nvPr/>
+        </p:nvCxnSpPr>
+        <p:spPr>
+          <a:xfrm>
+            <a:off x="836232" y="4694488"/>
+            <a:ext cx="0" cy="538304"/>
+          </a:xfrm>
+          <a:prstGeom prst="straightConnector1">
+            <a:avLst/>
+          </a:prstGeom>
+          <a:ln>
+            <a:tailEnd type="triangle"/>
+          </a:ln>
+        </p:spPr>
+        <p:style>
+          <a:lnRef idx="1">
+            <a:schemeClr val="accent1"/>
+          </a:lnRef>
+          <a:fillRef idx="0">
+            <a:schemeClr val="accent1"/>
+          </a:fillRef>
+          <a:effectRef idx="0">
+            <a:schemeClr val="accent1"/>
+          </a:effectRef>
+          <a:fontRef idx="minor">
+            <a:schemeClr val="tx1"/>
+          </a:fontRef>
+        </p:style>
+      </p:cxnSp>
+      <p:cxnSp>
+        <p:nvCxnSpPr>
+          <p:cNvPr id="177" name="연결선: 꺾임 176">
+            <a:extLst>
+              <a:ext uri="{FF2B5EF4-FFF2-40B4-BE49-F238E27FC236}">
+                <a16:creationId xmlns:a16="http://schemas.microsoft.com/office/drawing/2014/main" id="{5DC3CF01-575E-49C2-BE7F-4FBBF6FD7A8B}"/>
+              </a:ext>
+            </a:extLst>
+          </p:cNvPr>
+          <p:cNvCxnSpPr>
+            <a:cxnSpLocks/>
+            <a:stCxn id="20" idx="2"/>
+            <a:endCxn id="44" idx="0"/>
+          </p:cNvCxnSpPr>
+          <p:nvPr/>
+        </p:nvCxnSpPr>
+        <p:spPr>
+          <a:xfrm rot="16200000" flipH="1">
+            <a:off x="1322732" y="4207987"/>
+            <a:ext cx="538615" cy="1511615"/>
+          </a:xfrm>
+          <a:prstGeom prst="bentConnector3">
+            <a:avLst>
+              <a:gd name="adj1" fmla="val 50000"/>
+            </a:avLst>
+          </a:prstGeom>
+          <a:ln>
+            <a:tailEnd type="triangle"/>
+          </a:ln>
+        </p:spPr>
+        <p:style>
+          <a:lnRef idx="1">
+            <a:schemeClr val="accent1"/>
+          </a:lnRef>
+          <a:fillRef idx="0">
+            <a:schemeClr val="accent1"/>
+          </a:fillRef>
+          <a:effectRef idx="0">
+            <a:schemeClr val="accent1"/>
+          </a:effectRef>
+          <a:fontRef idx="minor">
+            <a:schemeClr val="tx1"/>
+          </a:fontRef>
+        </p:style>
+      </p:cxnSp>
+      <p:cxnSp>
+        <p:nvCxnSpPr>
+          <p:cNvPr id="180" name="연결선: 꺾임 179">
+            <a:extLst>
+              <a:ext uri="{FF2B5EF4-FFF2-40B4-BE49-F238E27FC236}">
+                <a16:creationId xmlns:a16="http://schemas.microsoft.com/office/drawing/2014/main" id="{AEFE1CDE-A5EF-4F25-9882-63A1CD7125CA}"/>
+              </a:ext>
+            </a:extLst>
+          </p:cNvPr>
+          <p:cNvCxnSpPr>
+            <a:cxnSpLocks/>
+            <a:stCxn id="20" idx="2"/>
+            <a:endCxn id="38" idx="0"/>
+          </p:cNvCxnSpPr>
+          <p:nvPr/>
+        </p:nvCxnSpPr>
+        <p:spPr>
+          <a:xfrm rot="16200000" flipH="1">
+            <a:off x="2130145" y="3400575"/>
+            <a:ext cx="530974" cy="3118800"/>
+          </a:xfrm>
+          <a:prstGeom prst="bentConnector3">
+            <a:avLst>
+              <a:gd name="adj1" fmla="val 50000"/>
+            </a:avLst>
+          </a:prstGeom>
+          <a:ln>
+            <a:tailEnd type="triangle"/>
+          </a:ln>
+        </p:spPr>
+        <p:style>
+          <a:lnRef idx="1">
+            <a:schemeClr val="accent1"/>
+          </a:lnRef>
+          <a:fillRef idx="0">
+            <a:schemeClr val="accent1"/>
+          </a:fillRef>
+          <a:effectRef idx="0">
+            <a:schemeClr val="accent1"/>
+          </a:effectRef>
+          <a:fontRef idx="minor">
+            <a:schemeClr val="tx1"/>
+          </a:fontRef>
+        </p:style>
+      </p:cxnSp>
+      <p:cxnSp>
+        <p:nvCxnSpPr>
+          <p:cNvPr id="215" name="연결선: 꺾임 214">
+            <a:extLst>
+              <a:ext uri="{FF2B5EF4-FFF2-40B4-BE49-F238E27FC236}">
+                <a16:creationId xmlns:a16="http://schemas.microsoft.com/office/drawing/2014/main" id="{52372C30-A676-4694-8183-B18FA301B80A}"/>
+              </a:ext>
+            </a:extLst>
+          </p:cNvPr>
+          <p:cNvCxnSpPr>
+            <a:cxnSpLocks/>
+            <a:stCxn id="13" idx="2"/>
+            <a:endCxn id="109" idx="0"/>
+          </p:cNvCxnSpPr>
+          <p:nvPr/>
+        </p:nvCxnSpPr>
+        <p:spPr>
+          <a:xfrm rot="5400000">
+            <a:off x="9333697" y="2244950"/>
+            <a:ext cx="2639424" cy="1493269"/>
+          </a:xfrm>
+          <a:prstGeom prst="bentConnector3">
+            <a:avLst>
+              <a:gd name="adj1" fmla="val 50000"/>
+            </a:avLst>
+          </a:prstGeom>
+          <a:ln>
+            <a:tailEnd type="triangle"/>
+          </a:ln>
+        </p:spPr>
+        <p:style>
+          <a:lnRef idx="1">
+            <a:schemeClr val="accent1"/>
+          </a:lnRef>
+          <a:fillRef idx="0">
+            <a:schemeClr val="accent1"/>
+          </a:fillRef>
+          <a:effectRef idx="0">
+            <a:schemeClr val="accent1"/>
+          </a:effectRef>
+          <a:fontRef idx="minor">
+            <a:schemeClr val="tx1"/>
+          </a:fontRef>
+        </p:style>
+      </p:cxnSp>
+      <p:cxnSp>
+        <p:nvCxnSpPr>
+          <p:cNvPr id="226" name="연결선: 꺾임 225">
+            <a:extLst>
+              <a:ext uri="{FF2B5EF4-FFF2-40B4-BE49-F238E27FC236}">
+                <a16:creationId xmlns:a16="http://schemas.microsoft.com/office/drawing/2014/main" id="{67A7B0FC-8FB1-48EC-A05B-34690BB8B637}"/>
+              </a:ext>
+            </a:extLst>
+          </p:cNvPr>
+          <p:cNvCxnSpPr>
+            <a:cxnSpLocks/>
+            <a:stCxn id="20" idx="2"/>
+            <a:endCxn id="42" idx="0"/>
+          </p:cNvCxnSpPr>
+          <p:nvPr/>
+        </p:nvCxnSpPr>
+        <p:spPr>
+          <a:xfrm rot="16200000" flipH="1">
+            <a:off x="2897855" y="2632865"/>
+            <a:ext cx="530979" cy="4654224"/>
+          </a:xfrm>
+          <a:prstGeom prst="bentConnector3">
+            <a:avLst>
+              <a:gd name="adj1" fmla="val 50000"/>
+            </a:avLst>
+          </a:prstGeom>
+          <a:ln>
+            <a:tailEnd type="triangle"/>
+          </a:ln>
+        </p:spPr>
+        <p:style>
+          <a:lnRef idx="1">
+            <a:schemeClr val="accent1"/>
+          </a:lnRef>
+          <a:fillRef idx="0">
+            <a:schemeClr val="accent1"/>
+          </a:fillRef>
+          <a:effectRef idx="0">
+            <a:schemeClr val="accent1"/>
+          </a:effectRef>
+          <a:fontRef idx="minor">
+            <a:schemeClr val="tx1"/>
+          </a:fontRef>
+        </p:style>
+      </p:cxnSp>
+      <p:cxnSp>
+        <p:nvCxnSpPr>
+          <p:cNvPr id="233" name="직선 화살표 연결선 232">
+            <a:extLst>
+              <a:ext uri="{FF2B5EF4-FFF2-40B4-BE49-F238E27FC236}">
+                <a16:creationId xmlns:a16="http://schemas.microsoft.com/office/drawing/2014/main" id="{2D616F71-C8C4-4E18-8D08-3835A811BABB}"/>
+              </a:ext>
+            </a:extLst>
+          </p:cNvPr>
+          <p:cNvCxnSpPr>
+            <a:cxnSpLocks/>
+            <a:stCxn id="14" idx="2"/>
+            <a:endCxn id="41" idx="0"/>
+          </p:cNvCxnSpPr>
+          <p:nvPr/>
+        </p:nvCxnSpPr>
+        <p:spPr>
+          <a:xfrm>
+            <a:off x="8360388" y="1666873"/>
+            <a:ext cx="12074" cy="2651998"/>
+          </a:xfrm>
+          <a:prstGeom prst="straightConnector1">
+            <a:avLst/>
+          </a:prstGeom>
+          <a:ln>
+            <a:tailEnd type="triangle"/>
+          </a:ln>
+        </p:spPr>
+        <p:style>
+          <a:lnRef idx="1">
+            <a:schemeClr val="accent1"/>
+          </a:lnRef>
+          <a:fillRef idx="0">
+            <a:schemeClr val="accent1"/>
+          </a:fillRef>
+          <a:effectRef idx="0">
+            <a:schemeClr val="accent1"/>
+          </a:effectRef>
+          <a:fontRef idx="minor">
+            <a:schemeClr val="tx1"/>
+          </a:fontRef>
+        </p:style>
+      </p:cxnSp>
+      <p:cxnSp>
+        <p:nvCxnSpPr>
+          <p:cNvPr id="236" name="직선 화살표 연결선 235">
+            <a:extLst>
+              <a:ext uri="{FF2B5EF4-FFF2-40B4-BE49-F238E27FC236}">
+                <a16:creationId xmlns:a16="http://schemas.microsoft.com/office/drawing/2014/main" id="{87423F0C-5B85-4A75-9920-AF742C5C03DA}"/>
+              </a:ext>
+            </a:extLst>
+          </p:cNvPr>
+          <p:cNvCxnSpPr>
+            <a:cxnSpLocks/>
+            <a:stCxn id="13" idx="2"/>
+            <a:endCxn id="108" idx="0"/>
+          </p:cNvCxnSpPr>
+          <p:nvPr/>
+        </p:nvCxnSpPr>
+        <p:spPr>
+          <a:xfrm>
+            <a:off x="11400043" y="1671872"/>
+            <a:ext cx="0" cy="2639428"/>
+          </a:xfrm>
+          <a:prstGeom prst="straightConnector1">
+            <a:avLst/>
+          </a:prstGeom>
+          <a:ln>
+            <a:tailEnd type="triangle"/>
+          </a:ln>
+        </p:spPr>
+        <p:style>
+          <a:lnRef idx="1">
+            <a:schemeClr val="accent1"/>
+          </a:lnRef>
+          <a:fillRef idx="0">
+            <a:schemeClr val="accent1"/>
+          </a:fillRef>
+          <a:effectRef idx="0">
+            <a:schemeClr val="accent1"/>
+          </a:effectRef>
+          <a:fontRef idx="minor">
+            <a:schemeClr val="tx1"/>
+          </a:fontRef>
+        </p:style>
+      </p:cxnSp>
+      <p:sp>
+        <p:nvSpPr>
+          <p:cNvPr id="239" name="직사각형 238">
+            <a:extLst>
+              <a:ext uri="{FF2B5EF4-FFF2-40B4-BE49-F238E27FC236}">
+                <a16:creationId xmlns:a16="http://schemas.microsoft.com/office/drawing/2014/main" id="{B9A131F5-4A33-46FE-AD94-B04D63233412}"/>
+              </a:ext>
+            </a:extLst>
+          </p:cNvPr>
+          <p:cNvSpPr/>
+          <p:nvPr/>
+        </p:nvSpPr>
+        <p:spPr>
+          <a:xfrm>
+            <a:off x="7652462" y="6026112"/>
+            <a:ext cx="4253659" cy="638495"/>
+          </a:xfrm>
+          <a:prstGeom prst="rect">
+            <a:avLst/>
+          </a:prstGeom>
+        </p:spPr>
+        <p:style>
+          <a:lnRef idx="2">
+            <a:schemeClr val="accent3">
+              <a:shade val="50000"/>
+            </a:schemeClr>
+          </a:lnRef>
+          <a:fillRef idx="1">
+            <a:schemeClr val="accent3"/>
+          </a:fillRef>
+          <a:effectRef idx="0">
+            <a:schemeClr val="accent3"/>
+          </a:effectRef>
+          <a:fontRef idx="minor">
+            <a:schemeClr val="lt1"/>
+          </a:fontRef>
+        </p:style>
+        <p:txBody>
+          <a:bodyPr rtlCol="0" anchor="ctr"/>
+          <a:lstStyle/>
+          <a:p>
+            <a:pPr algn="ctr"/>
+            <a:r>
+              <a:rPr lang="ko-KR" altLang="en-US" dirty="0"/>
+              <a:t>전체 기능 우선 순위</a:t>
+            </a:r>
+            <a:endParaRPr lang="en-US" altLang="ko-KR" dirty="0"/>
+          </a:p>
+          <a:p>
+            <a:pPr algn="ctr"/>
+            <a:r>
+              <a:rPr lang="en-US" altLang="ko-KR" dirty="0"/>
+              <a:t>(</a:t>
+            </a:r>
+            <a:r>
+              <a:rPr lang="ko-KR" altLang="en-US" dirty="0"/>
+              <a:t>빨간 테두리 우선 구현</a:t>
+            </a:r>
+            <a:r>
+              <a:rPr lang="en-US" altLang="ko-KR" dirty="0"/>
+              <a:t>)</a:t>
+            </a:r>
+            <a:endParaRPr lang="ko-KR" altLang="en-US" dirty="0"/>
+          </a:p>
+        </p:txBody>
+      </p:sp>
+      <p:cxnSp>
+        <p:nvCxnSpPr>
+          <p:cNvPr id="240" name="연결선: 꺾임 239">
+            <a:extLst>
+              <a:ext uri="{FF2B5EF4-FFF2-40B4-BE49-F238E27FC236}">
+                <a16:creationId xmlns:a16="http://schemas.microsoft.com/office/drawing/2014/main" id="{EBD8ED6C-C02C-431F-B75A-60F260230A95}"/>
+              </a:ext>
+            </a:extLst>
+          </p:cNvPr>
+          <p:cNvCxnSpPr>
+            <a:cxnSpLocks/>
+            <a:stCxn id="44" idx="2"/>
+            <a:endCxn id="23" idx="0"/>
+          </p:cNvCxnSpPr>
+          <p:nvPr/>
+        </p:nvCxnSpPr>
+        <p:spPr>
+          <a:xfrm rot="16200000" flipH="1">
+            <a:off x="2958349" y="4982601"/>
+            <a:ext cx="386182" cy="1607186"/>
+          </a:xfrm>
+          <a:prstGeom prst="bentConnector3">
+            <a:avLst>
+              <a:gd name="adj1" fmla="val 50000"/>
+            </a:avLst>
+          </a:prstGeom>
+          <a:ln>
+            <a:tailEnd type="triangle"/>
+          </a:ln>
+        </p:spPr>
+        <p:style>
+          <a:lnRef idx="1">
+            <a:schemeClr val="accent1"/>
+          </a:lnRef>
+          <a:fillRef idx="0">
+            <a:schemeClr val="accent1"/>
+          </a:fillRef>
+          <a:effectRef idx="0">
+            <a:schemeClr val="accent1"/>
+          </a:effectRef>
+          <a:fontRef idx="minor">
+            <a:schemeClr val="tx1"/>
+          </a:fontRef>
+        </p:style>
+      </p:cxnSp>
+      <p:cxnSp>
+        <p:nvCxnSpPr>
+          <p:cNvPr id="250" name="직선 화살표 연결선 249">
+            <a:extLst>
+              <a:ext uri="{FF2B5EF4-FFF2-40B4-BE49-F238E27FC236}">
+                <a16:creationId xmlns:a16="http://schemas.microsoft.com/office/drawing/2014/main" id="{9B35E8F2-B9B7-4B8B-8C04-F79483E66BF6}"/>
+              </a:ext>
+            </a:extLst>
+          </p:cNvPr>
+          <p:cNvCxnSpPr>
+            <a:cxnSpLocks/>
+            <a:stCxn id="44" idx="2"/>
+            <a:endCxn id="36" idx="0"/>
+          </p:cNvCxnSpPr>
+          <p:nvPr/>
+        </p:nvCxnSpPr>
+        <p:spPr>
+          <a:xfrm>
+            <a:off x="2347847" y="5593103"/>
+            <a:ext cx="16269" cy="386182"/>
+          </a:xfrm>
+          <a:prstGeom prst="straightConnector1">
+            <a:avLst/>
+          </a:prstGeom>
+          <a:ln>
+            <a:tailEnd type="triangle"/>
+          </a:ln>
+        </p:spPr>
+        <p:style>
+          <a:lnRef idx="1">
+            <a:schemeClr val="accent1"/>
+          </a:lnRef>
+          <a:fillRef idx="0">
+            <a:schemeClr val="accent1"/>
+          </a:fillRef>
+          <a:effectRef idx="0">
+            <a:schemeClr val="accent1"/>
+          </a:effectRef>
+          <a:fontRef idx="minor">
+            <a:schemeClr val="tx1"/>
+          </a:fontRef>
+        </p:style>
+      </p:cxnSp>
+      <p:cxnSp>
+        <p:nvCxnSpPr>
+          <p:cNvPr id="59" name="연결선: 꺾임 58">
+            <a:extLst>
+              <a:ext uri="{FF2B5EF4-FFF2-40B4-BE49-F238E27FC236}">
+                <a16:creationId xmlns:a16="http://schemas.microsoft.com/office/drawing/2014/main" id="{7BCE6AE0-613E-4273-BBAD-F574F87B06AA}"/>
+              </a:ext>
+            </a:extLst>
+          </p:cNvPr>
+          <p:cNvCxnSpPr>
+            <a:cxnSpLocks/>
+            <a:stCxn id="5" idx="2"/>
+            <a:endCxn id="37" idx="0"/>
+          </p:cNvCxnSpPr>
+          <p:nvPr/>
+        </p:nvCxnSpPr>
+        <p:spPr>
+          <a:xfrm rot="16200000" flipH="1">
+            <a:off x="4712408" y="-820659"/>
+            <a:ext cx="724855" cy="3540205"/>
+          </a:xfrm>
+          <a:prstGeom prst="bentConnector3">
+            <a:avLst>
+              <a:gd name="adj1" fmla="val 50000"/>
+            </a:avLst>
+          </a:prstGeom>
+          <a:ln>
+            <a:tailEnd type="triangle"/>
+          </a:ln>
+        </p:spPr>
+        <p:style>
+          <a:lnRef idx="1">
+            <a:schemeClr val="accent1"/>
+          </a:lnRef>
+          <a:fillRef idx="0">
+            <a:schemeClr val="accent1"/>
+          </a:fillRef>
+          <a:effectRef idx="0">
+            <a:schemeClr val="accent1"/>
+          </a:effectRef>
+          <a:fontRef idx="minor">
+            <a:schemeClr val="tx1"/>
+          </a:fontRef>
+        </p:style>
+      </p:cxnSp>
+      <p:sp>
+        <p:nvSpPr>
+          <p:cNvPr id="63" name="직사각형 62">
+            <a:extLst>
+              <a:ext uri="{FF2B5EF4-FFF2-40B4-BE49-F238E27FC236}">
+                <a16:creationId xmlns:a16="http://schemas.microsoft.com/office/drawing/2014/main" id="{C682B21E-B0EC-45D9-9C9E-90E10D93F3A7}"/>
+              </a:ext>
+            </a:extLst>
+          </p:cNvPr>
+          <p:cNvSpPr/>
+          <p:nvPr/>
+        </p:nvSpPr>
+        <p:spPr>
+          <a:xfrm>
+            <a:off x="5771033" y="193393"/>
+            <a:ext cx="1633408" cy="360000"/>
+          </a:xfrm>
+          <a:prstGeom prst="rect">
+            <a:avLst/>
+          </a:prstGeom>
+          <a:solidFill>
+            <a:srgbClr val="FF0000"/>
+          </a:solidFill>
+          <a:ln>
+            <a:solidFill>
+              <a:schemeClr val="tx1"/>
+            </a:solidFill>
+          </a:ln>
+        </p:spPr>
+        <p:style>
+          <a:lnRef idx="2">
+            <a:schemeClr val="accent1">
+              <a:shade val="50000"/>
+            </a:schemeClr>
+          </a:lnRef>
+          <a:fillRef idx="1">
+            <a:schemeClr val="accent1"/>
+          </a:fillRef>
+          <a:effectRef idx="0">
+            <a:schemeClr val="accent1"/>
+          </a:effectRef>
+          <a:fontRef idx="minor">
+            <a:schemeClr val="lt1"/>
+          </a:fontRef>
+        </p:style>
+        <p:txBody>
+          <a:bodyPr rtlCol="0" anchor="ctr"/>
+          <a:lstStyle/>
+          <a:p>
+            <a:pPr algn="ctr"/>
+            <a:r>
+              <a:rPr lang="ko-KR" altLang="en-US" sz="1400" dirty="0"/>
+              <a:t>관리자 기능</a:t>
+            </a:r>
+            <a:r>
+              <a:rPr lang="en-US" altLang="ko-KR" sz="1400" dirty="0"/>
+              <a:t>(</a:t>
+            </a:r>
+            <a:r>
+              <a:rPr lang="ko-KR" altLang="en-US" sz="1400" dirty="0"/>
+              <a:t>필수</a:t>
+            </a:r>
+            <a:r>
+              <a:rPr lang="en-US" altLang="ko-KR" sz="1400" dirty="0"/>
+              <a:t>)</a:t>
+            </a:r>
+          </a:p>
+        </p:txBody>
+      </p:sp>
+      <p:sp>
+        <p:nvSpPr>
+          <p:cNvPr id="66" name="직사각형 65">
+            <a:extLst>
+              <a:ext uri="{FF2B5EF4-FFF2-40B4-BE49-F238E27FC236}">
+                <a16:creationId xmlns:a16="http://schemas.microsoft.com/office/drawing/2014/main" id="{F7D67204-D0B0-47D0-87E6-7C77C7400A8D}"/>
+              </a:ext>
+            </a:extLst>
+          </p:cNvPr>
+          <p:cNvSpPr/>
+          <p:nvPr/>
+        </p:nvSpPr>
+        <p:spPr>
+          <a:xfrm>
+            <a:off x="1611702" y="2056344"/>
+            <a:ext cx="1440000" cy="360000"/>
+          </a:xfrm>
+          <a:prstGeom prst="rect">
+            <a:avLst/>
+          </a:prstGeom>
+          <a:solidFill>
+            <a:schemeClr val="accent4">
+              <a:lumMod val="75000"/>
+            </a:schemeClr>
+          </a:solidFill>
+          <a:ln w="25400">
+            <a:solidFill>
+              <a:srgbClr val="FF0000"/>
+            </a:solidFill>
+          </a:ln>
+        </p:spPr>
+        <p:style>
+          <a:lnRef idx="2">
+            <a:schemeClr val="accent1">
+              <a:shade val="50000"/>
+            </a:schemeClr>
+          </a:lnRef>
+          <a:fillRef idx="1">
+            <a:schemeClr val="accent1"/>
+          </a:fillRef>
+          <a:effectRef idx="0">
+            <a:schemeClr val="accent1"/>
+          </a:effectRef>
+          <a:fontRef idx="minor">
+            <a:schemeClr val="lt1"/>
+          </a:fontRef>
+        </p:style>
+        <p:txBody>
+          <a:bodyPr rtlCol="0" anchor="ctr"/>
+          <a:lstStyle/>
+          <a:p>
+            <a:pPr algn="ctr"/>
+            <a:r>
+              <a:rPr lang="ko-KR" altLang="en-US" sz="1400" dirty="0"/>
+              <a:t>비밀번호 변경</a:t>
+            </a:r>
+            <a:endParaRPr lang="en-US" altLang="ko-KR" sz="1400" dirty="0"/>
+          </a:p>
+        </p:txBody>
+      </p:sp>
+      <p:sp>
+        <p:nvSpPr>
+          <p:cNvPr id="67" name="직사각형 66">
+            <a:extLst>
+              <a:ext uri="{FF2B5EF4-FFF2-40B4-BE49-F238E27FC236}">
+                <a16:creationId xmlns:a16="http://schemas.microsoft.com/office/drawing/2014/main" id="{807A6D0E-45AB-4AC0-A995-DFD61CE4E51A}"/>
+              </a:ext>
+            </a:extLst>
+          </p:cNvPr>
+          <p:cNvSpPr/>
+          <p:nvPr/>
+        </p:nvSpPr>
+        <p:spPr>
+          <a:xfrm>
+            <a:off x="3117330" y="2063189"/>
+            <a:ext cx="1440000" cy="360000"/>
+          </a:xfrm>
+          <a:prstGeom prst="rect">
+            <a:avLst/>
+          </a:prstGeom>
+          <a:solidFill>
+            <a:schemeClr val="accent4">
+              <a:lumMod val="75000"/>
+            </a:schemeClr>
+          </a:solidFill>
+          <a:ln w="25400">
+            <a:solidFill>
+              <a:srgbClr val="FF0000"/>
+            </a:solidFill>
+          </a:ln>
+        </p:spPr>
+        <p:style>
+          <a:lnRef idx="2">
+            <a:schemeClr val="accent1">
+              <a:shade val="50000"/>
+            </a:schemeClr>
+          </a:lnRef>
+          <a:fillRef idx="1">
+            <a:schemeClr val="accent1"/>
+          </a:fillRef>
+          <a:effectRef idx="0">
+            <a:schemeClr val="accent1"/>
+          </a:effectRef>
+          <a:fontRef idx="minor">
+            <a:schemeClr val="lt1"/>
+          </a:fontRef>
+        </p:style>
+        <p:txBody>
+          <a:bodyPr rtlCol="0" anchor="ctr"/>
+          <a:lstStyle/>
+          <a:p>
+            <a:pPr algn="ctr"/>
+            <a:r>
+              <a:rPr lang="ko-KR" altLang="en-US" sz="1400" dirty="0"/>
+              <a:t>계정 공개 범위</a:t>
+            </a:r>
+            <a:endParaRPr lang="en-US" altLang="ko-KR" sz="1400" dirty="0"/>
+          </a:p>
+        </p:txBody>
+      </p:sp>
+      <p:sp>
+        <p:nvSpPr>
+          <p:cNvPr id="68" name="직사각형 67">
+            <a:extLst>
+              <a:ext uri="{FF2B5EF4-FFF2-40B4-BE49-F238E27FC236}">
+                <a16:creationId xmlns:a16="http://schemas.microsoft.com/office/drawing/2014/main" id="{800627A3-9846-49DD-9F22-6E5BC667750A}"/>
+              </a:ext>
+            </a:extLst>
+          </p:cNvPr>
+          <p:cNvSpPr/>
+          <p:nvPr/>
+        </p:nvSpPr>
+        <p:spPr>
+          <a:xfrm>
+            <a:off x="4619176" y="2063189"/>
+            <a:ext cx="1440000" cy="360000"/>
+          </a:xfrm>
+          <a:prstGeom prst="rect">
+            <a:avLst/>
+          </a:prstGeom>
+          <a:solidFill>
+            <a:schemeClr val="accent6">
+              <a:lumMod val="75000"/>
+            </a:schemeClr>
+          </a:solidFill>
+          <a:ln w="25400">
+            <a:solidFill>
+              <a:srgbClr val="00B0F0"/>
+            </a:solidFill>
+          </a:ln>
+        </p:spPr>
+        <p:style>
+          <a:lnRef idx="2">
+            <a:schemeClr val="accent1">
+              <a:shade val="50000"/>
+            </a:schemeClr>
+          </a:lnRef>
+          <a:fillRef idx="1">
+            <a:schemeClr val="accent1"/>
+          </a:fillRef>
+          <a:effectRef idx="0">
+            <a:schemeClr val="accent1"/>
+          </a:effectRef>
+          <a:fontRef idx="minor">
+            <a:schemeClr val="lt1"/>
+          </a:fontRef>
+        </p:style>
+        <p:txBody>
+          <a:bodyPr rtlCol="0" anchor="ctr"/>
+          <a:lstStyle/>
+          <a:p>
+            <a:pPr algn="ctr"/>
+            <a:r>
+              <a:rPr lang="ko-KR" altLang="en-US" sz="1400" dirty="0"/>
+              <a:t>차단된 계정</a:t>
+            </a:r>
+            <a:endParaRPr lang="en-US" altLang="ko-KR" sz="1400" dirty="0"/>
+          </a:p>
+        </p:txBody>
+      </p:sp>
+      <p:cxnSp>
+        <p:nvCxnSpPr>
+          <p:cNvPr id="69" name="연결선: 꺾임 68">
+            <a:extLst>
+              <a:ext uri="{FF2B5EF4-FFF2-40B4-BE49-F238E27FC236}">
+                <a16:creationId xmlns:a16="http://schemas.microsoft.com/office/drawing/2014/main" id="{33785144-BFE0-410A-AD5B-18B4DEB2E5D4}"/>
+              </a:ext>
+            </a:extLst>
+          </p:cNvPr>
+          <p:cNvCxnSpPr>
+            <a:cxnSpLocks/>
+            <a:stCxn id="29" idx="2"/>
+            <a:endCxn id="67" idx="0"/>
+          </p:cNvCxnSpPr>
+          <p:nvPr/>
+        </p:nvCxnSpPr>
+        <p:spPr>
+          <a:xfrm rot="16200000" flipH="1">
+            <a:off x="2888816" y="1114674"/>
+            <a:ext cx="396315" cy="1500713"/>
+          </a:xfrm>
+          <a:prstGeom prst="bentConnector3">
+            <a:avLst>
+              <a:gd name="adj1" fmla="val 50000"/>
+            </a:avLst>
+          </a:prstGeom>
+          <a:ln>
+            <a:tailEnd type="triangle"/>
+          </a:ln>
+        </p:spPr>
+        <p:style>
+          <a:lnRef idx="1">
+            <a:schemeClr val="accent1"/>
+          </a:lnRef>
+          <a:fillRef idx="0">
+            <a:schemeClr val="accent1"/>
+          </a:fillRef>
+          <a:effectRef idx="0">
+            <a:schemeClr val="accent1"/>
+          </a:effectRef>
+          <a:fontRef idx="minor">
+            <a:schemeClr val="tx1"/>
+          </a:fontRef>
+        </p:style>
+      </p:cxnSp>
+      <p:cxnSp>
+        <p:nvCxnSpPr>
+          <p:cNvPr id="72" name="연결선: 꺾임 71">
+            <a:extLst>
+              <a:ext uri="{FF2B5EF4-FFF2-40B4-BE49-F238E27FC236}">
+                <a16:creationId xmlns:a16="http://schemas.microsoft.com/office/drawing/2014/main" id="{6BA6E474-4C76-4759-BA7D-958EBAB888C4}"/>
+              </a:ext>
+            </a:extLst>
+          </p:cNvPr>
+          <p:cNvCxnSpPr>
+            <a:cxnSpLocks/>
+            <a:stCxn id="29" idx="2"/>
+            <a:endCxn id="68" idx="0"/>
+          </p:cNvCxnSpPr>
+          <p:nvPr/>
+        </p:nvCxnSpPr>
+        <p:spPr>
+          <a:xfrm rot="16200000" flipH="1">
+            <a:off x="3639739" y="363751"/>
+            <a:ext cx="396315" cy="3002559"/>
+          </a:xfrm>
+          <a:prstGeom prst="bentConnector3">
+            <a:avLst>
+              <a:gd name="adj1" fmla="val 50000"/>
+            </a:avLst>
+          </a:prstGeom>
+          <a:ln>
+            <a:tailEnd type="triangle"/>
+          </a:ln>
+        </p:spPr>
+        <p:style>
+          <a:lnRef idx="1">
+            <a:schemeClr val="accent1"/>
+          </a:lnRef>
+          <a:fillRef idx="0">
+            <a:schemeClr val="accent1"/>
+          </a:fillRef>
+          <a:effectRef idx="0">
+            <a:schemeClr val="accent1"/>
+          </a:effectRef>
+          <a:fontRef idx="minor">
+            <a:schemeClr val="tx1"/>
+          </a:fontRef>
+        </p:style>
+      </p:cxnSp>
+      <p:cxnSp>
+        <p:nvCxnSpPr>
+          <p:cNvPr id="75" name="직선 화살표 연결선 74">
+            <a:extLst>
+              <a:ext uri="{FF2B5EF4-FFF2-40B4-BE49-F238E27FC236}">
+                <a16:creationId xmlns:a16="http://schemas.microsoft.com/office/drawing/2014/main" id="{02DBED61-25C1-465E-B8FA-64F856548878}"/>
+              </a:ext>
+            </a:extLst>
+          </p:cNvPr>
+          <p:cNvCxnSpPr>
+            <a:cxnSpLocks/>
+            <a:stCxn id="29" idx="2"/>
+            <a:endCxn id="66" idx="0"/>
+          </p:cNvCxnSpPr>
+          <p:nvPr/>
+        </p:nvCxnSpPr>
+        <p:spPr>
+          <a:xfrm flipH="1">
+            <a:off x="2331702" y="1666874"/>
+            <a:ext cx="4915" cy="389470"/>
+          </a:xfrm>
+          <a:prstGeom prst="straightConnector1">
+            <a:avLst/>
+          </a:prstGeom>
+          <a:ln>
+            <a:tailEnd type="triangle"/>
+          </a:ln>
+        </p:spPr>
+        <p:style>
+          <a:lnRef idx="1">
+            <a:schemeClr val="accent1"/>
+          </a:lnRef>
+          <a:fillRef idx="0">
+            <a:schemeClr val="accent1"/>
+          </a:fillRef>
+          <a:effectRef idx="0">
+            <a:schemeClr val="accent1"/>
+          </a:effectRef>
+          <a:fontRef idx="minor">
+            <a:schemeClr val="tx1"/>
+          </a:fontRef>
+        </p:style>
+      </p:cxnSp>
+      <p:sp>
+        <p:nvSpPr>
+          <p:cNvPr id="70" name="이등변 삼각형 69">
+            <a:extLst>
+              <a:ext uri="{FF2B5EF4-FFF2-40B4-BE49-F238E27FC236}">
+                <a16:creationId xmlns:a16="http://schemas.microsoft.com/office/drawing/2014/main" id="{00BF0629-4468-42DB-B918-2BF42C08C259}"/>
+              </a:ext>
+            </a:extLst>
+          </p:cNvPr>
+          <p:cNvSpPr/>
+          <p:nvPr/>
+        </p:nvSpPr>
+        <p:spPr>
+          <a:xfrm>
+            <a:off x="3673701" y="5870895"/>
+            <a:ext cx="547208" cy="474464"/>
+          </a:xfrm>
+          <a:prstGeom prst="triangle">
+            <a:avLst/>
+          </a:prstGeom>
+          <a:noFill/>
+          <a:ln w="127000">
+            <a:solidFill>
+              <a:schemeClr val="accent4">
+                <a:lumMod val="75000"/>
+                <a:alpha val="68000"/>
+              </a:schemeClr>
+            </a:solidFill>
+          </a:ln>
+        </p:spPr>
+        <p:style>
+          <a:lnRef idx="2">
+            <a:schemeClr val="accent1">
+              <a:shade val="50000"/>
+            </a:schemeClr>
+          </a:lnRef>
+          <a:fillRef idx="1">
+            <a:schemeClr val="accent1"/>
+          </a:fillRef>
+          <a:effectRef idx="0">
+            <a:schemeClr val="accent1"/>
+          </a:effectRef>
+          <a:fontRef idx="minor">
+            <a:schemeClr val="lt1"/>
+          </a:fontRef>
+        </p:style>
+        <p:txBody>
+          <a:bodyPr rtlCol="0" anchor="ctr"/>
+          <a:lstStyle/>
+          <a:p>
+            <a:pPr algn="ctr"/>
+            <a:endParaRPr lang="ko-KR" altLang="en-US"/>
+          </a:p>
+        </p:txBody>
+      </p:sp>
+      <p:sp>
+        <p:nvSpPr>
+          <p:cNvPr id="73" name="&quot;허용 안 됨&quot; 기호 72">
+            <a:extLst>
+              <a:ext uri="{FF2B5EF4-FFF2-40B4-BE49-F238E27FC236}">
+                <a16:creationId xmlns:a16="http://schemas.microsoft.com/office/drawing/2014/main" id="{B1EE2C7B-616D-4BE9-82DF-DEC4F503FBEB}"/>
+              </a:ext>
+            </a:extLst>
+          </p:cNvPr>
+          <p:cNvSpPr/>
+          <p:nvPr/>
+        </p:nvSpPr>
+        <p:spPr>
+          <a:xfrm>
+            <a:off x="5378119" y="4147740"/>
+            <a:ext cx="711471" cy="638495"/>
+          </a:xfrm>
+          <a:prstGeom prst="noSmoking">
+            <a:avLst/>
+          </a:prstGeom>
+          <a:solidFill>
+            <a:srgbClr val="FF0000">
+              <a:alpha val="58000"/>
+            </a:srgbClr>
+          </a:solidFill>
+          <a:ln>
+            <a:noFill/>
+          </a:ln>
+        </p:spPr>
+        <p:style>
+          <a:lnRef idx="2">
+            <a:schemeClr val="accent1">
+              <a:shade val="50000"/>
+            </a:schemeClr>
+          </a:lnRef>
+          <a:fillRef idx="1">
+            <a:schemeClr val="accent1"/>
+          </a:fillRef>
+          <a:effectRef idx="0">
+            <a:schemeClr val="accent1"/>
+          </a:effectRef>
+          <a:fontRef idx="minor">
+            <a:schemeClr val="lt1"/>
+          </a:fontRef>
+        </p:style>
+        <p:txBody>
+          <a:bodyPr rtlCol="0" anchor="ctr"/>
+          <a:lstStyle/>
+          <a:p>
+            <a:pPr algn="ctr"/>
+            <a:endParaRPr lang="ko-KR" altLang="en-US">
+              <a:solidFill>
+                <a:schemeClr val="tx1"/>
+              </a:solidFill>
+            </a:endParaRPr>
+          </a:p>
+        </p:txBody>
+      </p:sp>
+      <p:sp>
+        <p:nvSpPr>
+          <p:cNvPr id="74" name="&quot;허용 안 됨&quot; 기호 73">
+            <a:extLst>
+              <a:ext uri="{FF2B5EF4-FFF2-40B4-BE49-F238E27FC236}">
+                <a16:creationId xmlns:a16="http://schemas.microsoft.com/office/drawing/2014/main" id="{FFAAADDF-300C-4B1B-ADA4-D9BC7238F486}"/>
+              </a:ext>
+            </a:extLst>
+          </p:cNvPr>
+          <p:cNvSpPr/>
+          <p:nvPr/>
+        </p:nvSpPr>
+        <p:spPr>
+          <a:xfrm>
+            <a:off x="3576668" y="5084211"/>
+            <a:ext cx="711471" cy="638495"/>
+          </a:xfrm>
+          <a:prstGeom prst="noSmoking">
+            <a:avLst/>
+          </a:prstGeom>
+          <a:solidFill>
+            <a:srgbClr val="FF0000">
+              <a:alpha val="58000"/>
+            </a:srgbClr>
+          </a:solidFill>
+          <a:ln>
+            <a:noFill/>
+          </a:ln>
+        </p:spPr>
+        <p:style>
+          <a:lnRef idx="2">
+            <a:schemeClr val="accent1">
+              <a:shade val="50000"/>
+            </a:schemeClr>
+          </a:lnRef>
+          <a:fillRef idx="1">
+            <a:schemeClr val="accent1"/>
+          </a:fillRef>
+          <a:effectRef idx="0">
+            <a:schemeClr val="accent1"/>
+          </a:effectRef>
+          <a:fontRef idx="minor">
+            <a:schemeClr val="lt1"/>
+          </a:fontRef>
+        </p:style>
+        <p:txBody>
+          <a:bodyPr rtlCol="0" anchor="ctr"/>
+          <a:lstStyle/>
+          <a:p>
+            <a:pPr algn="ctr"/>
+            <a:endParaRPr lang="ko-KR" altLang="en-US">
+              <a:solidFill>
+                <a:schemeClr val="tx1"/>
+              </a:solidFill>
+            </a:endParaRPr>
+          </a:p>
+        </p:txBody>
+      </p:sp>
+      <p:sp>
+        <p:nvSpPr>
+          <p:cNvPr id="76" name="&quot;허용 안 됨&quot; 기호 75">
+            <a:extLst>
+              <a:ext uri="{FF2B5EF4-FFF2-40B4-BE49-F238E27FC236}">
+                <a16:creationId xmlns:a16="http://schemas.microsoft.com/office/drawing/2014/main" id="{D321D64B-8DC4-4809-9F40-EF4EA67D1CE1}"/>
+              </a:ext>
+            </a:extLst>
+          </p:cNvPr>
+          <p:cNvSpPr/>
+          <p:nvPr/>
+        </p:nvSpPr>
+        <p:spPr>
+          <a:xfrm>
+            <a:off x="2039895" y="5880907"/>
+            <a:ext cx="711471" cy="638495"/>
+          </a:xfrm>
+          <a:prstGeom prst="noSmoking">
+            <a:avLst/>
+          </a:prstGeom>
+          <a:solidFill>
+            <a:srgbClr val="FF0000">
+              <a:alpha val="58000"/>
+            </a:srgbClr>
+          </a:solidFill>
+          <a:ln>
+            <a:noFill/>
+          </a:ln>
+        </p:spPr>
+        <p:style>
+          <a:lnRef idx="2">
+            <a:schemeClr val="accent1">
+              <a:shade val="50000"/>
+            </a:schemeClr>
+          </a:lnRef>
+          <a:fillRef idx="1">
+            <a:schemeClr val="accent1"/>
+          </a:fillRef>
+          <a:effectRef idx="0">
+            <a:schemeClr val="accent1"/>
+          </a:effectRef>
+          <a:fontRef idx="minor">
+            <a:schemeClr val="lt1"/>
+          </a:fontRef>
+        </p:style>
+        <p:txBody>
+          <a:bodyPr rtlCol="0" anchor="ctr"/>
+          <a:lstStyle/>
+          <a:p>
+            <a:pPr algn="ctr"/>
+            <a:endParaRPr lang="ko-KR" altLang="en-US">
+              <a:solidFill>
+                <a:schemeClr val="tx1"/>
+              </a:solidFill>
+            </a:endParaRPr>
+          </a:p>
+        </p:txBody>
+      </p:sp>
+      <p:sp>
+        <p:nvSpPr>
+          <p:cNvPr id="77" name="이등변 삼각형 76">
+            <a:extLst>
+              <a:ext uri="{FF2B5EF4-FFF2-40B4-BE49-F238E27FC236}">
+                <a16:creationId xmlns:a16="http://schemas.microsoft.com/office/drawing/2014/main" id="{B703735D-9CEA-48AB-ACB7-4F1B56DB98DB}"/>
+              </a:ext>
+            </a:extLst>
+          </p:cNvPr>
+          <p:cNvSpPr/>
+          <p:nvPr/>
+        </p:nvSpPr>
+        <p:spPr>
+          <a:xfrm>
+            <a:off x="5183853" y="5119114"/>
+            <a:ext cx="547208" cy="474464"/>
+          </a:xfrm>
+          <a:prstGeom prst="triangle">
+            <a:avLst/>
+          </a:prstGeom>
+          <a:noFill/>
+          <a:ln w="127000">
+            <a:solidFill>
+              <a:schemeClr val="accent4">
+                <a:lumMod val="75000"/>
+                <a:alpha val="68000"/>
+              </a:schemeClr>
+            </a:solidFill>
+          </a:ln>
+        </p:spPr>
+        <p:style>
+          <a:lnRef idx="2">
+            <a:schemeClr val="accent1">
+              <a:shade val="50000"/>
+            </a:schemeClr>
+          </a:lnRef>
+          <a:fillRef idx="1">
+            <a:schemeClr val="accent1"/>
+          </a:fillRef>
+          <a:effectRef idx="0">
+            <a:schemeClr val="accent1"/>
+          </a:effectRef>
+          <a:fontRef idx="minor">
+            <a:schemeClr val="lt1"/>
+          </a:fontRef>
+        </p:style>
+        <p:txBody>
+          <a:bodyPr rtlCol="0" anchor="ctr"/>
+          <a:lstStyle/>
+          <a:p>
+            <a:pPr algn="ctr"/>
+            <a:endParaRPr lang="ko-KR" altLang="en-US"/>
+          </a:p>
+        </p:txBody>
+      </p:sp>
+      <p:sp>
+        <p:nvSpPr>
+          <p:cNvPr id="78" name="&quot;허용 안 됨&quot; 기호 77">
+            <a:extLst>
+              <a:ext uri="{FF2B5EF4-FFF2-40B4-BE49-F238E27FC236}">
+                <a16:creationId xmlns:a16="http://schemas.microsoft.com/office/drawing/2014/main" id="{1E71CECF-E12D-4D83-96DE-1ED728A3B162}"/>
+              </a:ext>
+            </a:extLst>
+          </p:cNvPr>
+          <p:cNvSpPr/>
+          <p:nvPr/>
+        </p:nvSpPr>
+        <p:spPr>
+          <a:xfrm>
+            <a:off x="2280163" y="5058580"/>
+            <a:ext cx="711471" cy="638495"/>
+          </a:xfrm>
+          <a:prstGeom prst="noSmoking">
+            <a:avLst/>
+          </a:prstGeom>
+          <a:solidFill>
+            <a:srgbClr val="FF0000">
+              <a:alpha val="58000"/>
+            </a:srgbClr>
+          </a:solidFill>
+          <a:ln>
+            <a:noFill/>
+          </a:ln>
+        </p:spPr>
+        <p:style>
+          <a:lnRef idx="2">
+            <a:schemeClr val="accent1">
+              <a:shade val="50000"/>
+            </a:schemeClr>
+          </a:lnRef>
+          <a:fillRef idx="1">
+            <a:schemeClr val="accent1"/>
+          </a:fillRef>
+          <a:effectRef idx="0">
+            <a:schemeClr val="accent1"/>
+          </a:effectRef>
+          <a:fontRef idx="minor">
+            <a:schemeClr val="lt1"/>
+          </a:fontRef>
+        </p:style>
+        <p:txBody>
+          <a:bodyPr rtlCol="0" anchor="ctr"/>
+          <a:lstStyle/>
+          <a:p>
+            <a:pPr algn="ctr"/>
+            <a:endParaRPr lang="ko-KR" altLang="en-US">
+              <a:solidFill>
+                <a:schemeClr val="tx1"/>
+              </a:solidFill>
+            </a:endParaRPr>
+          </a:p>
+        </p:txBody>
+      </p:sp>
+    </p:spTree>
+    <p:extLst>
+      <p:ext uri="{BB962C8B-B14F-4D97-AF65-F5344CB8AC3E}">
+        <p14:creationId xmlns:p14="http://schemas.microsoft.com/office/powerpoint/2010/main" val="1776486930"/>
+      </p:ext>
+    </p:extLst>
+  </p:cSld>
+  <p:clrMapOvr>
+    <a:masterClrMapping/>
+  </p:clrMapOvr>
+</p:sld>
+</file>
+
 <file path=ppt/theme/theme1.xml><?xml version="1.0" encoding="utf-8"?>
 <a:theme xmlns:a="http://schemas.openxmlformats.org/drawingml/2006/main" name="Office 테마">
   <a:themeElements>
